--- a/powerpoint/1_ASSEMBLY_WORKSHOP.pptx
+++ b/powerpoint/1_ASSEMBLY_WORKSHOP.pptx
@@ -279,7 +279,7 @@
           <a:p>
             <a:fld id="{DEABCE53-1D99-4BEE-AE28-D2367C4FBEC7}" type="datetimeFigureOut">
               <a:rPr lang="en-GB" smtClean="0"/>
-              <a:t>22/02/2021</a:t>
+              <a:t>01/03/2021</a:t>
             </a:fld>
             <a:endParaRPr lang="en-GB"/>
           </a:p>
@@ -479,7 +479,7 @@
           <a:p>
             <a:fld id="{DEABCE53-1D99-4BEE-AE28-D2367C4FBEC7}" type="datetimeFigureOut">
               <a:rPr lang="en-GB" smtClean="0"/>
-              <a:t>22/02/2021</a:t>
+              <a:t>01/03/2021</a:t>
             </a:fld>
             <a:endParaRPr lang="en-GB"/>
           </a:p>
@@ -689,7 +689,7 @@
           <a:p>
             <a:fld id="{DEABCE53-1D99-4BEE-AE28-D2367C4FBEC7}" type="datetimeFigureOut">
               <a:rPr lang="en-GB" smtClean="0"/>
-              <a:t>22/02/2021</a:t>
+              <a:t>01/03/2021</a:t>
             </a:fld>
             <a:endParaRPr lang="en-GB"/>
           </a:p>
@@ -889,7 +889,7 @@
           <a:p>
             <a:fld id="{DEABCE53-1D99-4BEE-AE28-D2367C4FBEC7}" type="datetimeFigureOut">
               <a:rPr lang="en-GB" smtClean="0"/>
-              <a:t>22/02/2021</a:t>
+              <a:t>01/03/2021</a:t>
             </a:fld>
             <a:endParaRPr lang="en-GB"/>
           </a:p>
@@ -1165,7 +1165,7 @@
           <a:p>
             <a:fld id="{DEABCE53-1D99-4BEE-AE28-D2367C4FBEC7}" type="datetimeFigureOut">
               <a:rPr lang="en-GB" smtClean="0"/>
-              <a:t>22/02/2021</a:t>
+              <a:t>01/03/2021</a:t>
             </a:fld>
             <a:endParaRPr lang="en-GB"/>
           </a:p>
@@ -1433,7 +1433,7 @@
           <a:p>
             <a:fld id="{DEABCE53-1D99-4BEE-AE28-D2367C4FBEC7}" type="datetimeFigureOut">
               <a:rPr lang="en-GB" smtClean="0"/>
-              <a:t>22/02/2021</a:t>
+              <a:t>01/03/2021</a:t>
             </a:fld>
             <a:endParaRPr lang="en-GB"/>
           </a:p>
@@ -1848,7 +1848,7 @@
           <a:p>
             <a:fld id="{DEABCE53-1D99-4BEE-AE28-D2367C4FBEC7}" type="datetimeFigureOut">
               <a:rPr lang="en-GB" smtClean="0"/>
-              <a:t>22/02/2021</a:t>
+              <a:t>01/03/2021</a:t>
             </a:fld>
             <a:endParaRPr lang="en-GB"/>
           </a:p>
@@ -1990,7 +1990,7 @@
           <a:p>
             <a:fld id="{DEABCE53-1D99-4BEE-AE28-D2367C4FBEC7}" type="datetimeFigureOut">
               <a:rPr lang="en-GB" smtClean="0"/>
-              <a:t>22/02/2021</a:t>
+              <a:t>01/03/2021</a:t>
             </a:fld>
             <a:endParaRPr lang="en-GB"/>
           </a:p>
@@ -2103,7 +2103,7 @@
           <a:p>
             <a:fld id="{DEABCE53-1D99-4BEE-AE28-D2367C4FBEC7}" type="datetimeFigureOut">
               <a:rPr lang="en-GB" smtClean="0"/>
-              <a:t>22/02/2021</a:t>
+              <a:t>01/03/2021</a:t>
             </a:fld>
             <a:endParaRPr lang="en-GB"/>
           </a:p>
@@ -2416,7 +2416,7 @@
           <a:p>
             <a:fld id="{DEABCE53-1D99-4BEE-AE28-D2367C4FBEC7}" type="datetimeFigureOut">
               <a:rPr lang="en-GB" smtClean="0"/>
-              <a:t>22/02/2021</a:t>
+              <a:t>01/03/2021</a:t>
             </a:fld>
             <a:endParaRPr lang="en-GB"/>
           </a:p>
@@ -2705,7 +2705,7 @@
           <a:p>
             <a:fld id="{DEABCE53-1D99-4BEE-AE28-D2367C4FBEC7}" type="datetimeFigureOut">
               <a:rPr lang="en-GB" smtClean="0"/>
-              <a:t>22/02/2021</a:t>
+              <a:t>01/03/2021</a:t>
             </a:fld>
             <a:endParaRPr lang="en-GB"/>
           </a:p>
@@ -2948,7 +2948,7 @@
           <a:p>
             <a:fld id="{DEABCE53-1D99-4BEE-AE28-D2367C4FBEC7}" type="datetimeFigureOut">
               <a:rPr lang="en-GB" smtClean="0"/>
-              <a:t>22/02/2021</a:t>
+              <a:t>01/03/2021</a:t>
             </a:fld>
             <a:endParaRPr lang="en-GB"/>
           </a:p>
@@ -6128,7 +6128,7 @@
           <a:lstStyle/>
           <a:p>
             <a:r>
-              <a:rPr lang="en-GB" dirty="0"/>
+              <a:rPr lang="en-GB" b="1" dirty="0"/>
               <a:t>There is going to be too much here for you to remember!</a:t>
             </a:r>
           </a:p>
@@ -6140,14 +6140,13 @@
           </a:p>
           <a:p>
             <a:r>
+              <a:rPr lang="en-GB" b="1" dirty="0"/>
+              <a:t>This is HARD</a:t>
+            </a:r>
+            <a:r>
               <a:rPr lang="en-GB" dirty="0"/>
-              <a:t>This is HARD. Some of you will struggle. I know genetics may not be your background, so I will not focus </a:t>
-            </a:r>
-            <a:r>
-              <a:rPr lang="en-GB"/>
-              <a:t>on this. </a:t>
-            </a:r>
-            <a:endParaRPr lang="en-GB" dirty="0"/>
+              <a:t>. Some of you will struggle. I know genetics may not be your background, so I will not focus on this. </a:t>
+            </a:r>
           </a:p>
           <a:p>
             <a:r>
@@ -7064,7 +7063,15 @@
           <a:p>
             <a:r>
               <a:rPr lang="en-GB" dirty="0"/>
-              <a:t>Lets do a bacterial genomes assembly as an example</a:t>
+              <a:t>Lets do a </a:t>
+            </a:r>
+            <a:r>
+              <a:rPr lang="en-GB"/>
+              <a:t>bacterial genome </a:t>
+            </a:r>
+            <a:r>
+              <a:rPr lang="en-GB" dirty="0"/>
+              <a:t>assembly as an example</a:t>
             </a:r>
           </a:p>
           <a:p>

--- a/powerpoint/1_ASSEMBLY_WORKSHOP.pptx
+++ b/powerpoint/1_ASSEMBLY_WORKSHOP.pptx
@@ -14,16 +14,18 @@
     <p:sldId id="324" r:id="rId8"/>
     <p:sldId id="274" r:id="rId9"/>
     <p:sldId id="325" r:id="rId10"/>
-    <p:sldId id="346" r:id="rId11"/>
-    <p:sldId id="289" r:id="rId12"/>
-    <p:sldId id="338" r:id="rId13"/>
-    <p:sldId id="339" r:id="rId14"/>
-    <p:sldId id="307" r:id="rId15"/>
-    <p:sldId id="311" r:id="rId16"/>
-    <p:sldId id="337" r:id="rId17"/>
-    <p:sldId id="318" r:id="rId18"/>
-    <p:sldId id="269" r:id="rId19"/>
-    <p:sldId id="285" r:id="rId20"/>
+    <p:sldId id="349" r:id="rId11"/>
+    <p:sldId id="346" r:id="rId12"/>
+    <p:sldId id="289" r:id="rId13"/>
+    <p:sldId id="338" r:id="rId14"/>
+    <p:sldId id="339" r:id="rId15"/>
+    <p:sldId id="307" r:id="rId16"/>
+    <p:sldId id="311" r:id="rId17"/>
+    <p:sldId id="337" r:id="rId18"/>
+    <p:sldId id="350" r:id="rId19"/>
+    <p:sldId id="318" r:id="rId20"/>
+    <p:sldId id="269" r:id="rId21"/>
+    <p:sldId id="285" r:id="rId22"/>
   </p:sldIdLst>
   <p:sldSz cx="12192000" cy="6858000"/>
   <p:notesSz cx="6858000" cy="9144000"/>
@@ -279,7 +281,7 @@
           <a:p>
             <a:fld id="{DEABCE53-1D99-4BEE-AE28-D2367C4FBEC7}" type="datetimeFigureOut">
               <a:rPr lang="en-GB" smtClean="0"/>
-              <a:t>01/03/2021</a:t>
+              <a:t>10/03/2021</a:t>
             </a:fld>
             <a:endParaRPr lang="en-GB"/>
           </a:p>
@@ -479,7 +481,7 @@
           <a:p>
             <a:fld id="{DEABCE53-1D99-4BEE-AE28-D2367C4FBEC7}" type="datetimeFigureOut">
               <a:rPr lang="en-GB" smtClean="0"/>
-              <a:t>01/03/2021</a:t>
+              <a:t>10/03/2021</a:t>
             </a:fld>
             <a:endParaRPr lang="en-GB"/>
           </a:p>
@@ -689,7 +691,7 @@
           <a:p>
             <a:fld id="{DEABCE53-1D99-4BEE-AE28-D2367C4FBEC7}" type="datetimeFigureOut">
               <a:rPr lang="en-GB" smtClean="0"/>
-              <a:t>01/03/2021</a:t>
+              <a:t>10/03/2021</a:t>
             </a:fld>
             <a:endParaRPr lang="en-GB"/>
           </a:p>
@@ -889,7 +891,7 @@
           <a:p>
             <a:fld id="{DEABCE53-1D99-4BEE-AE28-D2367C4FBEC7}" type="datetimeFigureOut">
               <a:rPr lang="en-GB" smtClean="0"/>
-              <a:t>01/03/2021</a:t>
+              <a:t>10/03/2021</a:t>
             </a:fld>
             <a:endParaRPr lang="en-GB"/>
           </a:p>
@@ -1165,7 +1167,7 @@
           <a:p>
             <a:fld id="{DEABCE53-1D99-4BEE-AE28-D2367C4FBEC7}" type="datetimeFigureOut">
               <a:rPr lang="en-GB" smtClean="0"/>
-              <a:t>01/03/2021</a:t>
+              <a:t>10/03/2021</a:t>
             </a:fld>
             <a:endParaRPr lang="en-GB"/>
           </a:p>
@@ -1433,7 +1435,7 @@
           <a:p>
             <a:fld id="{DEABCE53-1D99-4BEE-AE28-D2367C4FBEC7}" type="datetimeFigureOut">
               <a:rPr lang="en-GB" smtClean="0"/>
-              <a:t>01/03/2021</a:t>
+              <a:t>10/03/2021</a:t>
             </a:fld>
             <a:endParaRPr lang="en-GB"/>
           </a:p>
@@ -1848,7 +1850,7 @@
           <a:p>
             <a:fld id="{DEABCE53-1D99-4BEE-AE28-D2367C4FBEC7}" type="datetimeFigureOut">
               <a:rPr lang="en-GB" smtClean="0"/>
-              <a:t>01/03/2021</a:t>
+              <a:t>10/03/2021</a:t>
             </a:fld>
             <a:endParaRPr lang="en-GB"/>
           </a:p>
@@ -1990,7 +1992,7 @@
           <a:p>
             <a:fld id="{DEABCE53-1D99-4BEE-AE28-D2367C4FBEC7}" type="datetimeFigureOut">
               <a:rPr lang="en-GB" smtClean="0"/>
-              <a:t>01/03/2021</a:t>
+              <a:t>10/03/2021</a:t>
             </a:fld>
             <a:endParaRPr lang="en-GB"/>
           </a:p>
@@ -2103,7 +2105,7 @@
           <a:p>
             <a:fld id="{DEABCE53-1D99-4BEE-AE28-D2367C4FBEC7}" type="datetimeFigureOut">
               <a:rPr lang="en-GB" smtClean="0"/>
-              <a:t>01/03/2021</a:t>
+              <a:t>10/03/2021</a:t>
             </a:fld>
             <a:endParaRPr lang="en-GB"/>
           </a:p>
@@ -2416,7 +2418,7 @@
           <a:p>
             <a:fld id="{DEABCE53-1D99-4BEE-AE28-D2367C4FBEC7}" type="datetimeFigureOut">
               <a:rPr lang="en-GB" smtClean="0"/>
-              <a:t>01/03/2021</a:t>
+              <a:t>10/03/2021</a:t>
             </a:fld>
             <a:endParaRPr lang="en-GB"/>
           </a:p>
@@ -2705,7 +2707,7 @@
           <a:p>
             <a:fld id="{DEABCE53-1D99-4BEE-AE28-D2367C4FBEC7}" type="datetimeFigureOut">
               <a:rPr lang="en-GB" smtClean="0"/>
-              <a:t>01/03/2021</a:t>
+              <a:t>10/03/2021</a:t>
             </a:fld>
             <a:endParaRPr lang="en-GB"/>
           </a:p>
@@ -2948,7 +2950,7 @@
           <a:p>
             <a:fld id="{DEABCE53-1D99-4BEE-AE28-D2367C4FBEC7}" type="datetimeFigureOut">
               <a:rPr lang="en-GB" smtClean="0"/>
-              <a:t>01/03/2021</a:t>
+              <a:t>10/03/2021</a:t>
             </a:fld>
             <a:endParaRPr lang="en-GB"/>
           </a:p>
@@ -3677,7 +3679,7 @@
           <p:cNvPr id="2" name="Title 1">
             <a:extLst>
               <a:ext uri="{FF2B5EF4-FFF2-40B4-BE49-F238E27FC236}">
-                <a16:creationId xmlns:a16="http://schemas.microsoft.com/office/drawing/2014/main" id="{3D09269E-BF25-4289-A434-F94125EC3239}"/>
+                <a16:creationId xmlns:a16="http://schemas.microsoft.com/office/drawing/2014/main" id="{542777C1-7B95-421C-B8A4-C9E15C1294EA}"/>
               </a:ext>
             </a:extLst>
           </p:cNvPr>
@@ -3688,24 +3690,18 @@
             <p:ph type="title"/>
           </p:nvPr>
         </p:nvSpPr>
-        <p:spPr>
-          <a:xfrm>
-            <a:off x="457200" y="-219075"/>
-            <a:ext cx="10515600" cy="1325563"/>
-          </a:xfrm>
-        </p:spPr>
+        <p:spPr/>
         <p:txBody>
           <a:bodyPr/>
           <a:lstStyle/>
           <a:p>
-            <a:pPr algn="ctr"/>
             <a:r>
               <a:rPr lang="en-GB" dirty="0">
                 <a:solidFill>
                   <a:srgbClr val="7030A0"/>
                 </a:solidFill>
               </a:rPr>
-              <a:t>6) Pull it all together: A full pipeline?</a:t>
+              <a:t>THE ACTUAL PROBLEM</a:t>
             </a:r>
           </a:p>
         </p:txBody>
@@ -3715,7 +3711,7 @@
           <p:cNvPr id="3" name="Content Placeholder 2">
             <a:extLst>
               <a:ext uri="{FF2B5EF4-FFF2-40B4-BE49-F238E27FC236}">
-                <a16:creationId xmlns:a16="http://schemas.microsoft.com/office/drawing/2014/main" id="{27D2B713-FAB9-4FA6-9634-CBA2C3D0A60A}"/>
+                <a16:creationId xmlns:a16="http://schemas.microsoft.com/office/drawing/2014/main" id="{12BE9CEA-E3C0-4F60-B1CB-2D9D0E2B8A7A}"/>
               </a:ext>
             </a:extLst>
           </p:cNvPr>
@@ -3728,133 +3724,886 @@
         </p:nvSpPr>
         <p:spPr>
           <a:xfrm>
-            <a:off x="600075" y="1325562"/>
-            <a:ext cx="10515600" cy="5151437"/>
-          </a:xfrm>
-        </p:spPr>
-        <p:txBody>
-          <a:bodyPr>
-            <a:normAutofit/>
+            <a:off x="357142" y="1554387"/>
+            <a:ext cx="10909948" cy="4351338"/>
+          </a:xfrm>
+        </p:spPr>
+        <p:txBody>
+          <a:bodyPr/>
+          <a:lstStyle/>
+          <a:p>
+            <a:r>
+              <a:rPr lang="en-GB" dirty="0"/>
+              <a:t>We will assemble the sequencing output from a patient with an unknown infection … A swab was taken, plated and a single colony was sent for Illumina </a:t>
+            </a:r>
+            <a:r>
+              <a:rPr lang="en-GB" dirty="0" err="1"/>
+              <a:t>Miseq</a:t>
+            </a:r>
+            <a:r>
+              <a:rPr lang="en-GB" dirty="0"/>
+              <a:t> sequencing. Can we identify what it was? </a:t>
+            </a:r>
+          </a:p>
+          <a:p>
+            <a:r>
+              <a:rPr lang="en-GB" dirty="0"/>
+              <a:t>(your coursework is an extension to this where we have data from multiple patients)</a:t>
+            </a:r>
+          </a:p>
+          <a:p>
+            <a:r>
+              <a:rPr lang="en-GB" dirty="0"/>
+              <a:t>Open </a:t>
+            </a:r>
+            <a:r>
+              <a:rPr lang="en-GB" dirty="0">
+                <a:solidFill>
+                  <a:srgbClr val="FF0000"/>
+                </a:solidFill>
+              </a:rPr>
+              <a:t>6_assembly.pptx</a:t>
+            </a:r>
+          </a:p>
+        </p:txBody>
+      </p:sp>
+      <p:sp>
+        <p:nvSpPr>
+          <p:cNvPr id="4" name="Rectangle 3">
+            <a:extLst>
+              <a:ext uri="{FF2B5EF4-FFF2-40B4-BE49-F238E27FC236}">
+                <a16:creationId xmlns:a16="http://schemas.microsoft.com/office/drawing/2014/main" id="{EFCFD82A-420B-4108-AFAA-E5891FA5699F}"/>
+              </a:ext>
+            </a:extLst>
+          </p:cNvPr>
+          <p:cNvSpPr/>
+          <p:nvPr/>
+        </p:nvSpPr>
+        <p:spPr>
+          <a:xfrm>
+            <a:off x="111967" y="5495730"/>
+            <a:ext cx="989045" cy="601467"/>
+          </a:xfrm>
+          <a:prstGeom prst="rect">
+            <a:avLst/>
+          </a:prstGeom>
+          <a:noFill/>
+        </p:spPr>
+        <p:style>
+          <a:lnRef idx="2">
+            <a:schemeClr val="accent1">
+              <a:shade val="50000"/>
+            </a:schemeClr>
+          </a:lnRef>
+          <a:fillRef idx="1">
+            <a:schemeClr val="accent1"/>
+          </a:fillRef>
+          <a:effectRef idx="0">
+            <a:schemeClr val="accent1"/>
+          </a:effectRef>
+          <a:fontRef idx="minor">
+            <a:schemeClr val="lt1"/>
+          </a:fontRef>
+        </p:style>
+        <p:txBody>
+          <a:bodyPr rtlCol="0" anchor="ctr"/>
+          <a:lstStyle/>
+          <a:p>
+            <a:pPr algn="ctr"/>
+            <a:endParaRPr lang="en-GB" dirty="0"/>
+          </a:p>
+        </p:txBody>
+      </p:sp>
+      <p:cxnSp>
+        <p:nvCxnSpPr>
+          <p:cNvPr id="6" name="Straight Arrow Connector 5">
+            <a:extLst>
+              <a:ext uri="{FF2B5EF4-FFF2-40B4-BE49-F238E27FC236}">
+                <a16:creationId xmlns:a16="http://schemas.microsoft.com/office/drawing/2014/main" id="{CB3CA471-AF90-48C9-81AF-84D86973D8F1}"/>
+              </a:ext>
+            </a:extLst>
+          </p:cNvPr>
+          <p:cNvCxnSpPr>
+            <a:stCxn id="4" idx="3"/>
+          </p:cNvCxnSpPr>
+          <p:nvPr/>
+        </p:nvCxnSpPr>
+        <p:spPr>
+          <a:xfrm flipV="1">
+            <a:off x="1101012" y="5794310"/>
+            <a:ext cx="718458" cy="2154"/>
+          </a:xfrm>
+          <a:prstGeom prst="straightConnector1">
+            <a:avLst/>
+          </a:prstGeom>
+          <a:ln>
+            <a:tailEnd type="triangle"/>
+          </a:ln>
+        </p:spPr>
+        <p:style>
+          <a:lnRef idx="1">
+            <a:schemeClr val="accent1"/>
+          </a:lnRef>
+          <a:fillRef idx="0">
+            <a:schemeClr val="accent1"/>
+          </a:fillRef>
+          <a:effectRef idx="0">
+            <a:schemeClr val="accent1"/>
+          </a:effectRef>
+          <a:fontRef idx="minor">
+            <a:schemeClr val="tx1"/>
+          </a:fontRef>
+        </p:style>
+      </p:cxnSp>
+      <p:sp>
+        <p:nvSpPr>
+          <p:cNvPr id="7" name="TextBox 6">
+            <a:extLst>
+              <a:ext uri="{FF2B5EF4-FFF2-40B4-BE49-F238E27FC236}">
+                <a16:creationId xmlns:a16="http://schemas.microsoft.com/office/drawing/2014/main" id="{F3704C09-48F2-4003-9BFB-B7AA5E530959}"/>
+              </a:ext>
+            </a:extLst>
+          </p:cNvPr>
+          <p:cNvSpPr txBox="1"/>
+          <p:nvPr/>
+        </p:nvSpPr>
+        <p:spPr>
+          <a:xfrm>
+            <a:off x="130629" y="5507215"/>
+            <a:ext cx="925284" cy="646331"/>
+          </a:xfrm>
+          <a:prstGeom prst="rect">
+            <a:avLst/>
+          </a:prstGeom>
+          <a:noFill/>
+        </p:spPr>
+        <p:txBody>
+          <a:bodyPr wrap="square" rtlCol="0">
+            <a:spAutoFit/>
           </a:bodyPr>
           <a:lstStyle/>
           <a:p>
-            <a:pPr marL="514350" indent="-514350">
-              <a:buFont typeface="+mj-lt"/>
-              <a:buAutoNum type="arabicPeriod"/>
-            </a:pPr>
-            <a:r>
-              <a:rPr lang="en-GB" sz="3200" dirty="0"/>
-              <a:t>Downloads some reads</a:t>
-            </a:r>
-          </a:p>
-          <a:p>
-            <a:pPr marL="514350" indent="-514350">
-              <a:buFont typeface="+mj-lt"/>
-              <a:buAutoNum type="arabicPeriod"/>
-            </a:pPr>
-            <a:r>
-              <a:rPr lang="en-GB" sz="3200" dirty="0"/>
-              <a:t>QC, trim.</a:t>
-            </a:r>
-            <a:endParaRPr lang="en-GB" sz="3200" u="sng" dirty="0"/>
-          </a:p>
-          <a:p>
-            <a:pPr marL="514350" indent="-514350">
-              <a:buFont typeface="+mj-lt"/>
-              <a:buAutoNum type="arabicPeriod"/>
-            </a:pPr>
-            <a:r>
-              <a:rPr lang="en-GB" sz="3200" dirty="0"/>
-              <a:t>Assemble reads with different </a:t>
-            </a:r>
-            <a:r>
-              <a:rPr lang="en-GB" sz="3200" dirty="0" err="1"/>
+            <a:r>
+              <a:rPr lang="en-GB" dirty="0"/>
+              <a:t>Quality control</a:t>
+            </a:r>
+          </a:p>
+        </p:txBody>
+      </p:sp>
+      <p:sp>
+        <p:nvSpPr>
+          <p:cNvPr id="8" name="Rectangle 7">
+            <a:extLst>
+              <a:ext uri="{FF2B5EF4-FFF2-40B4-BE49-F238E27FC236}">
+                <a16:creationId xmlns:a16="http://schemas.microsoft.com/office/drawing/2014/main" id="{CFEDA4FE-E3C2-44CD-8ECA-E8FA0EF52A39}"/>
+              </a:ext>
+            </a:extLst>
+          </p:cNvPr>
+          <p:cNvSpPr/>
+          <p:nvPr/>
+        </p:nvSpPr>
+        <p:spPr>
+          <a:xfrm>
+            <a:off x="1813250" y="5480176"/>
+            <a:ext cx="989045" cy="601467"/>
+          </a:xfrm>
+          <a:prstGeom prst="rect">
+            <a:avLst/>
+          </a:prstGeom>
+          <a:noFill/>
+        </p:spPr>
+        <p:style>
+          <a:lnRef idx="2">
+            <a:schemeClr val="accent1">
+              <a:shade val="50000"/>
+            </a:schemeClr>
+          </a:lnRef>
+          <a:fillRef idx="1">
+            <a:schemeClr val="accent1"/>
+          </a:fillRef>
+          <a:effectRef idx="0">
+            <a:schemeClr val="accent1"/>
+          </a:effectRef>
+          <a:fontRef idx="minor">
+            <a:schemeClr val="lt1"/>
+          </a:fontRef>
+        </p:style>
+        <p:txBody>
+          <a:bodyPr rtlCol="0" anchor="ctr"/>
+          <a:lstStyle/>
+          <a:p>
+            <a:pPr algn="ctr"/>
+            <a:endParaRPr lang="en-GB" dirty="0"/>
+          </a:p>
+        </p:txBody>
+      </p:sp>
+      <p:cxnSp>
+        <p:nvCxnSpPr>
+          <p:cNvPr id="9" name="Straight Arrow Connector 8">
+            <a:extLst>
+              <a:ext uri="{FF2B5EF4-FFF2-40B4-BE49-F238E27FC236}">
+                <a16:creationId xmlns:a16="http://schemas.microsoft.com/office/drawing/2014/main" id="{A8E2B89E-5312-45B3-9355-608F55CF6E74}"/>
+              </a:ext>
+            </a:extLst>
+          </p:cNvPr>
+          <p:cNvCxnSpPr>
+            <a:stCxn id="8" idx="3"/>
+          </p:cNvCxnSpPr>
+          <p:nvPr/>
+        </p:nvCxnSpPr>
+        <p:spPr>
+          <a:xfrm flipV="1">
+            <a:off x="2802295" y="5778756"/>
+            <a:ext cx="718458" cy="2154"/>
+          </a:xfrm>
+          <a:prstGeom prst="straightConnector1">
+            <a:avLst/>
+          </a:prstGeom>
+          <a:ln>
+            <a:tailEnd type="triangle"/>
+          </a:ln>
+        </p:spPr>
+        <p:style>
+          <a:lnRef idx="1">
+            <a:schemeClr val="accent1"/>
+          </a:lnRef>
+          <a:fillRef idx="0">
+            <a:schemeClr val="accent1"/>
+          </a:fillRef>
+          <a:effectRef idx="0">
+            <a:schemeClr val="accent1"/>
+          </a:effectRef>
+          <a:fontRef idx="minor">
+            <a:schemeClr val="tx1"/>
+          </a:fontRef>
+        </p:style>
+      </p:cxnSp>
+      <p:sp>
+        <p:nvSpPr>
+          <p:cNvPr id="10" name="TextBox 9">
+            <a:extLst>
+              <a:ext uri="{FF2B5EF4-FFF2-40B4-BE49-F238E27FC236}">
+                <a16:creationId xmlns:a16="http://schemas.microsoft.com/office/drawing/2014/main" id="{235AFB14-F7C5-4E36-8516-9C4D586FD69C}"/>
+              </a:ext>
+            </a:extLst>
+          </p:cNvPr>
+          <p:cNvSpPr txBox="1"/>
+          <p:nvPr/>
+        </p:nvSpPr>
+        <p:spPr>
+          <a:xfrm>
+            <a:off x="1831912" y="5491661"/>
+            <a:ext cx="925284" cy="646331"/>
+          </a:xfrm>
+          <a:prstGeom prst="rect">
+            <a:avLst/>
+          </a:prstGeom>
+          <a:noFill/>
+        </p:spPr>
+        <p:txBody>
+          <a:bodyPr wrap="square" rtlCol="0">
+            <a:spAutoFit/>
+          </a:bodyPr>
+          <a:lstStyle/>
+          <a:p>
+            <a:r>
+              <a:rPr lang="en-GB" dirty="0"/>
+              <a:t>Quality trim</a:t>
+            </a:r>
+          </a:p>
+        </p:txBody>
+      </p:sp>
+      <p:sp>
+        <p:nvSpPr>
+          <p:cNvPr id="11" name="Rectangle 10">
+            <a:extLst>
+              <a:ext uri="{FF2B5EF4-FFF2-40B4-BE49-F238E27FC236}">
+                <a16:creationId xmlns:a16="http://schemas.microsoft.com/office/drawing/2014/main" id="{E1DE2062-FF25-46D2-9979-551A72A1C792}"/>
+              </a:ext>
+            </a:extLst>
+          </p:cNvPr>
+          <p:cNvSpPr/>
+          <p:nvPr/>
+        </p:nvSpPr>
+        <p:spPr>
+          <a:xfrm>
+            <a:off x="3558073" y="5470844"/>
+            <a:ext cx="989045" cy="601467"/>
+          </a:xfrm>
+          <a:prstGeom prst="rect">
+            <a:avLst/>
+          </a:prstGeom>
+          <a:noFill/>
+        </p:spPr>
+        <p:style>
+          <a:lnRef idx="2">
+            <a:schemeClr val="accent1">
+              <a:shade val="50000"/>
+            </a:schemeClr>
+          </a:lnRef>
+          <a:fillRef idx="1">
+            <a:schemeClr val="accent1"/>
+          </a:fillRef>
+          <a:effectRef idx="0">
+            <a:schemeClr val="accent1"/>
+          </a:effectRef>
+          <a:fontRef idx="minor">
+            <a:schemeClr val="lt1"/>
+          </a:fontRef>
+        </p:style>
+        <p:txBody>
+          <a:bodyPr rtlCol="0" anchor="ctr"/>
+          <a:lstStyle/>
+          <a:p>
+            <a:pPr algn="ctr"/>
+            <a:endParaRPr lang="en-GB" dirty="0"/>
+          </a:p>
+        </p:txBody>
+      </p:sp>
+      <p:cxnSp>
+        <p:nvCxnSpPr>
+          <p:cNvPr id="12" name="Straight Arrow Connector 11">
+            <a:extLst>
+              <a:ext uri="{FF2B5EF4-FFF2-40B4-BE49-F238E27FC236}">
+                <a16:creationId xmlns:a16="http://schemas.microsoft.com/office/drawing/2014/main" id="{E0FBEBFF-7190-4F50-9DA0-D584A735A84E}"/>
+              </a:ext>
+            </a:extLst>
+          </p:cNvPr>
+          <p:cNvCxnSpPr>
+            <a:stCxn id="11" idx="3"/>
+          </p:cNvCxnSpPr>
+          <p:nvPr/>
+        </p:nvCxnSpPr>
+        <p:spPr>
+          <a:xfrm flipV="1">
+            <a:off x="4547118" y="5769424"/>
+            <a:ext cx="718458" cy="2154"/>
+          </a:xfrm>
+          <a:prstGeom prst="straightConnector1">
+            <a:avLst/>
+          </a:prstGeom>
+          <a:ln>
+            <a:tailEnd type="triangle"/>
+          </a:ln>
+        </p:spPr>
+        <p:style>
+          <a:lnRef idx="1">
+            <a:schemeClr val="accent1"/>
+          </a:lnRef>
+          <a:fillRef idx="0">
+            <a:schemeClr val="accent1"/>
+          </a:fillRef>
+          <a:effectRef idx="0">
+            <a:schemeClr val="accent1"/>
+          </a:effectRef>
+          <a:fontRef idx="minor">
+            <a:schemeClr val="tx1"/>
+          </a:fontRef>
+        </p:style>
+      </p:cxnSp>
+      <p:sp>
+        <p:nvSpPr>
+          <p:cNvPr id="13" name="TextBox 12">
+            <a:extLst>
+              <a:ext uri="{FF2B5EF4-FFF2-40B4-BE49-F238E27FC236}">
+                <a16:creationId xmlns:a16="http://schemas.microsoft.com/office/drawing/2014/main" id="{2F366287-C898-40A0-99B9-E5A3C38DC8C0}"/>
+              </a:ext>
+            </a:extLst>
+          </p:cNvPr>
+          <p:cNvSpPr txBox="1"/>
+          <p:nvPr/>
+        </p:nvSpPr>
+        <p:spPr>
+          <a:xfrm>
+            <a:off x="3576735" y="5482329"/>
+            <a:ext cx="925284" cy="646331"/>
+          </a:xfrm>
+          <a:prstGeom prst="rect">
+            <a:avLst/>
+          </a:prstGeom>
+          <a:noFill/>
+        </p:spPr>
+        <p:txBody>
+          <a:bodyPr wrap="square" rtlCol="0">
+            <a:spAutoFit/>
+          </a:bodyPr>
+          <a:lstStyle/>
+          <a:p>
+            <a:r>
+              <a:rPr lang="en-GB" dirty="0"/>
+              <a:t>Quality control</a:t>
+            </a:r>
+          </a:p>
+        </p:txBody>
+      </p:sp>
+      <p:sp>
+        <p:nvSpPr>
+          <p:cNvPr id="14" name="Rectangle 13">
+            <a:extLst>
+              <a:ext uri="{FF2B5EF4-FFF2-40B4-BE49-F238E27FC236}">
+                <a16:creationId xmlns:a16="http://schemas.microsoft.com/office/drawing/2014/main" id="{D533E581-F65D-4EC7-BD7E-1F5D467BD12F}"/>
+              </a:ext>
+            </a:extLst>
+          </p:cNvPr>
+          <p:cNvSpPr/>
+          <p:nvPr/>
+        </p:nvSpPr>
+        <p:spPr>
+          <a:xfrm>
+            <a:off x="5274908" y="5452183"/>
+            <a:ext cx="1331165" cy="1336195"/>
+          </a:xfrm>
+          <a:prstGeom prst="rect">
+            <a:avLst/>
+          </a:prstGeom>
+          <a:noFill/>
+        </p:spPr>
+        <p:style>
+          <a:lnRef idx="2">
+            <a:schemeClr val="accent1">
+              <a:shade val="50000"/>
+            </a:schemeClr>
+          </a:lnRef>
+          <a:fillRef idx="1">
+            <a:schemeClr val="accent1"/>
+          </a:fillRef>
+          <a:effectRef idx="0">
+            <a:schemeClr val="accent1"/>
+          </a:effectRef>
+          <a:fontRef idx="minor">
+            <a:schemeClr val="lt1"/>
+          </a:fontRef>
+        </p:style>
+        <p:txBody>
+          <a:bodyPr rtlCol="0" anchor="ctr"/>
+          <a:lstStyle/>
+          <a:p>
+            <a:pPr algn="ctr"/>
+            <a:endParaRPr lang="en-GB" dirty="0"/>
+          </a:p>
+        </p:txBody>
+      </p:sp>
+      <p:sp>
+        <p:nvSpPr>
+          <p:cNvPr id="16" name="TextBox 15">
+            <a:extLst>
+              <a:ext uri="{FF2B5EF4-FFF2-40B4-BE49-F238E27FC236}">
+                <a16:creationId xmlns:a16="http://schemas.microsoft.com/office/drawing/2014/main" id="{836B662D-1243-4B45-AE7C-DE441BE3FB2F}"/>
+              </a:ext>
+            </a:extLst>
+          </p:cNvPr>
+          <p:cNvSpPr txBox="1"/>
+          <p:nvPr/>
+        </p:nvSpPr>
+        <p:spPr>
+          <a:xfrm>
+            <a:off x="5274907" y="5491661"/>
+            <a:ext cx="1424473" cy="1107996"/>
+          </a:xfrm>
+          <a:prstGeom prst="rect">
+            <a:avLst/>
+          </a:prstGeom>
+          <a:noFill/>
+        </p:spPr>
+        <p:txBody>
+          <a:bodyPr wrap="square" rtlCol="0">
+            <a:spAutoFit/>
+          </a:bodyPr>
+          <a:lstStyle/>
+          <a:p>
+            <a:r>
+              <a:rPr lang="en-GB" dirty="0"/>
+              <a:t>Assemble </a:t>
+            </a:r>
+            <a:r>
+              <a:rPr lang="en-GB" sz="1600" dirty="0"/>
+              <a:t>(different </a:t>
+            </a:r>
+            <a:r>
+              <a:rPr lang="en-GB" sz="1600" dirty="0" err="1"/>
               <a:t>kmers</a:t>
             </a:r>
             <a:r>
-              <a:rPr lang="en-GB" sz="3200" dirty="0"/>
-              <a:t>. You choose. </a:t>
-            </a:r>
-          </a:p>
-          <a:p>
-            <a:pPr marL="514350" indent="-514350">
-              <a:buFont typeface="+mj-lt"/>
-              <a:buAutoNum type="arabicPeriod"/>
-            </a:pPr>
-            <a:r>
-              <a:rPr lang="en-GB" sz="3200" dirty="0"/>
-              <a:t>Produce assembly stats using the </a:t>
-            </a:r>
-            <a:r>
-              <a:rPr lang="en-GB" sz="3200" dirty="0" err="1"/>
-              <a:t>perl</a:t>
-            </a:r>
-            <a:r>
-              <a:rPr lang="en-GB" sz="3200" dirty="0"/>
-              <a:t> script, </a:t>
-            </a:r>
-          </a:p>
-          <a:p>
-            <a:pPr marL="514350" indent="-514350">
-              <a:buFont typeface="+mj-lt"/>
-              <a:buAutoNum type="arabicPeriod"/>
-            </a:pPr>
-            <a:r>
-              <a:rPr lang="en-GB" sz="3200" dirty="0"/>
+              <a:rPr lang="en-GB" sz="1600" dirty="0"/>
+              <a:t>, different tools)</a:t>
+            </a:r>
+            <a:endParaRPr lang="en-GB" dirty="0"/>
+          </a:p>
+        </p:txBody>
+      </p:sp>
+      <p:cxnSp>
+        <p:nvCxnSpPr>
+          <p:cNvPr id="19" name="Straight Arrow Connector 18">
+            <a:extLst>
+              <a:ext uri="{FF2B5EF4-FFF2-40B4-BE49-F238E27FC236}">
+                <a16:creationId xmlns:a16="http://schemas.microsoft.com/office/drawing/2014/main" id="{760874AE-3C68-4138-850A-1103BC797D3C}"/>
+              </a:ext>
+            </a:extLst>
+          </p:cNvPr>
+          <p:cNvCxnSpPr/>
+          <p:nvPr/>
+        </p:nvCxnSpPr>
+        <p:spPr>
+          <a:xfrm flipV="1">
+            <a:off x="6627848" y="5769424"/>
+            <a:ext cx="718458" cy="2154"/>
+          </a:xfrm>
+          <a:prstGeom prst="straightConnector1">
+            <a:avLst/>
+          </a:prstGeom>
+          <a:ln>
+            <a:tailEnd type="triangle"/>
+          </a:ln>
+        </p:spPr>
+        <p:style>
+          <a:lnRef idx="1">
+            <a:schemeClr val="accent1"/>
+          </a:lnRef>
+          <a:fillRef idx="0">
+            <a:schemeClr val="accent1"/>
+          </a:fillRef>
+          <a:effectRef idx="0">
+            <a:schemeClr val="accent1"/>
+          </a:effectRef>
+          <a:fontRef idx="minor">
+            <a:schemeClr val="tx1"/>
+          </a:fontRef>
+        </p:style>
+      </p:cxnSp>
+      <p:sp>
+        <p:nvSpPr>
+          <p:cNvPr id="20" name="Rectangle 19">
+            <a:extLst>
+              <a:ext uri="{FF2B5EF4-FFF2-40B4-BE49-F238E27FC236}">
+                <a16:creationId xmlns:a16="http://schemas.microsoft.com/office/drawing/2014/main" id="{BAEF1F74-EBE3-4A02-A4CD-E2FD00F5069D}"/>
+              </a:ext>
+            </a:extLst>
+          </p:cNvPr>
+          <p:cNvSpPr/>
+          <p:nvPr/>
+        </p:nvSpPr>
+        <p:spPr>
+          <a:xfrm>
+            <a:off x="7327644" y="5459659"/>
+            <a:ext cx="989045" cy="601467"/>
+          </a:xfrm>
+          <a:prstGeom prst="rect">
+            <a:avLst/>
+          </a:prstGeom>
+          <a:noFill/>
+        </p:spPr>
+        <p:style>
+          <a:lnRef idx="2">
+            <a:schemeClr val="accent1">
+              <a:shade val="50000"/>
+            </a:schemeClr>
+          </a:lnRef>
+          <a:fillRef idx="1">
+            <a:schemeClr val="accent1"/>
+          </a:fillRef>
+          <a:effectRef idx="0">
+            <a:schemeClr val="accent1"/>
+          </a:effectRef>
+          <a:fontRef idx="minor">
+            <a:schemeClr val="lt1"/>
+          </a:fontRef>
+        </p:style>
+        <p:txBody>
+          <a:bodyPr rtlCol="0" anchor="ctr"/>
+          <a:lstStyle/>
+          <a:p>
+            <a:pPr algn="ctr"/>
+            <a:endParaRPr lang="en-GB" dirty="0"/>
+          </a:p>
+        </p:txBody>
+      </p:sp>
+      <p:cxnSp>
+        <p:nvCxnSpPr>
+          <p:cNvPr id="21" name="Straight Arrow Connector 20">
+            <a:extLst>
+              <a:ext uri="{FF2B5EF4-FFF2-40B4-BE49-F238E27FC236}">
+                <a16:creationId xmlns:a16="http://schemas.microsoft.com/office/drawing/2014/main" id="{6D2FE8F9-B978-4E21-832C-B39574657B9E}"/>
+              </a:ext>
+            </a:extLst>
+          </p:cNvPr>
+          <p:cNvCxnSpPr>
+            <a:stCxn id="20" idx="3"/>
+          </p:cNvCxnSpPr>
+          <p:nvPr/>
+        </p:nvCxnSpPr>
+        <p:spPr>
+          <a:xfrm flipV="1">
+            <a:off x="8316689" y="5758239"/>
+            <a:ext cx="718458" cy="2154"/>
+          </a:xfrm>
+          <a:prstGeom prst="straightConnector1">
+            <a:avLst/>
+          </a:prstGeom>
+          <a:ln>
+            <a:tailEnd type="triangle"/>
+          </a:ln>
+        </p:spPr>
+        <p:style>
+          <a:lnRef idx="1">
+            <a:schemeClr val="accent1"/>
+          </a:lnRef>
+          <a:fillRef idx="0">
+            <a:schemeClr val="accent1"/>
+          </a:fillRef>
+          <a:effectRef idx="0">
+            <a:schemeClr val="accent1"/>
+          </a:effectRef>
+          <a:fontRef idx="minor">
+            <a:schemeClr val="tx1"/>
+          </a:fontRef>
+        </p:style>
+      </p:cxnSp>
+      <p:sp>
+        <p:nvSpPr>
+          <p:cNvPr id="22" name="TextBox 21">
+            <a:extLst>
+              <a:ext uri="{FF2B5EF4-FFF2-40B4-BE49-F238E27FC236}">
+                <a16:creationId xmlns:a16="http://schemas.microsoft.com/office/drawing/2014/main" id="{9D159014-86CE-4926-8564-49ADBE50189E}"/>
+              </a:ext>
+            </a:extLst>
+          </p:cNvPr>
+          <p:cNvSpPr txBox="1"/>
+          <p:nvPr/>
+        </p:nvSpPr>
+        <p:spPr>
+          <a:xfrm>
+            <a:off x="7346306" y="5471144"/>
+            <a:ext cx="925284" cy="646331"/>
+          </a:xfrm>
+          <a:prstGeom prst="rect">
+            <a:avLst/>
+          </a:prstGeom>
+          <a:noFill/>
+        </p:spPr>
+        <p:txBody>
+          <a:bodyPr wrap="square" rtlCol="0">
+            <a:spAutoFit/>
+          </a:bodyPr>
+          <a:lstStyle/>
+          <a:p>
+            <a:r>
+              <a:rPr lang="en-GB" dirty="0"/>
               <a:t>Predict genes</a:t>
             </a:r>
           </a:p>
-          <a:p>
-            <a:pPr marL="514350" indent="-514350">
-              <a:buFont typeface="+mj-lt"/>
-              <a:buAutoNum type="arabicPeriod"/>
-            </a:pPr>
-            <a:r>
-              <a:rPr lang="en-GB" sz="3200" dirty="0"/>
-              <a:t>Blast a bit of it to find out what it was</a:t>
-            </a:r>
-          </a:p>
-          <a:p>
-            <a:pPr marL="514350" indent="-514350">
-              <a:buFont typeface="+mj-lt"/>
-              <a:buAutoNum type="arabicPeriod"/>
-            </a:pPr>
-            <a:r>
-              <a:rPr lang="en-GB" sz="3200" dirty="0"/>
-              <a:t>Assemble with more modern software.</a:t>
-            </a:r>
-          </a:p>
-          <a:p>
-            <a:pPr marL="514350" indent="-514350">
-              <a:buFont typeface="+mj-lt"/>
-              <a:buAutoNum type="arabicPeriod"/>
-            </a:pPr>
-            <a:r>
-              <a:rPr lang="en-GB" sz="3200" dirty="0"/>
-              <a:t>Polish with </a:t>
-            </a:r>
-            <a:r>
-              <a:rPr lang="en-GB" sz="3200" dirty="0" err="1"/>
-              <a:t>Unicycler</a:t>
-            </a:r>
-            <a:r>
-              <a:rPr lang="en-GB" sz="3200" dirty="0"/>
-              <a:t>.</a:t>
-            </a:r>
-          </a:p>
-          <a:p>
-            <a:pPr marL="514350" indent="-514350">
-              <a:buFont typeface="+mj-lt"/>
-              <a:buAutoNum type="arabicPeriod"/>
-            </a:pPr>
-            <a:endParaRPr lang="en-GB" sz="3200" dirty="0"/>
+        </p:txBody>
+      </p:sp>
+      <p:sp>
+        <p:nvSpPr>
+          <p:cNvPr id="23" name="Rectangle 22">
+            <a:extLst>
+              <a:ext uri="{FF2B5EF4-FFF2-40B4-BE49-F238E27FC236}">
+                <a16:creationId xmlns:a16="http://schemas.microsoft.com/office/drawing/2014/main" id="{F935E03F-D100-4D67-BACD-9FAA065ED21A}"/>
+              </a:ext>
+            </a:extLst>
+          </p:cNvPr>
+          <p:cNvSpPr/>
+          <p:nvPr/>
+        </p:nvSpPr>
+        <p:spPr>
+          <a:xfrm>
+            <a:off x="9035147" y="5452183"/>
+            <a:ext cx="989045" cy="1327579"/>
+          </a:xfrm>
+          <a:prstGeom prst="rect">
+            <a:avLst/>
+          </a:prstGeom>
+          <a:noFill/>
+        </p:spPr>
+        <p:style>
+          <a:lnRef idx="2">
+            <a:schemeClr val="accent1">
+              <a:shade val="50000"/>
+            </a:schemeClr>
+          </a:lnRef>
+          <a:fillRef idx="1">
+            <a:schemeClr val="accent1"/>
+          </a:fillRef>
+          <a:effectRef idx="0">
+            <a:schemeClr val="accent1"/>
+          </a:effectRef>
+          <a:fontRef idx="minor">
+            <a:schemeClr val="lt1"/>
+          </a:fontRef>
+        </p:style>
+        <p:txBody>
+          <a:bodyPr rtlCol="0" anchor="ctr"/>
+          <a:lstStyle/>
+          <a:p>
+            <a:pPr algn="ctr"/>
+            <a:endParaRPr lang="en-GB" dirty="0"/>
+          </a:p>
+        </p:txBody>
+      </p:sp>
+      <p:sp>
+        <p:nvSpPr>
+          <p:cNvPr id="25" name="TextBox 24">
+            <a:extLst>
+              <a:ext uri="{FF2B5EF4-FFF2-40B4-BE49-F238E27FC236}">
+                <a16:creationId xmlns:a16="http://schemas.microsoft.com/office/drawing/2014/main" id="{DEAF93FF-8357-4377-A61A-587AB18A316E}"/>
+              </a:ext>
+            </a:extLst>
+          </p:cNvPr>
+          <p:cNvSpPr txBox="1"/>
+          <p:nvPr/>
+        </p:nvSpPr>
+        <p:spPr>
+          <a:xfrm>
+            <a:off x="9186770" y="5515807"/>
+            <a:ext cx="925284" cy="1200329"/>
+          </a:xfrm>
+          <a:prstGeom prst="rect">
+            <a:avLst/>
+          </a:prstGeom>
+          <a:noFill/>
+        </p:spPr>
+        <p:txBody>
+          <a:bodyPr wrap="square" rtlCol="0">
+            <a:spAutoFit/>
+          </a:bodyPr>
+          <a:lstStyle/>
+          <a:p>
+            <a:r>
+              <a:rPr lang="en-GB" sz="1200" dirty="0"/>
+              <a:t>Draw a genome diagram with the genes marked</a:t>
+            </a:r>
+          </a:p>
+        </p:txBody>
+      </p:sp>
+      <p:cxnSp>
+        <p:nvCxnSpPr>
+          <p:cNvPr id="28" name="Connector: Elbow 27">
+            <a:extLst>
+              <a:ext uri="{FF2B5EF4-FFF2-40B4-BE49-F238E27FC236}">
+                <a16:creationId xmlns:a16="http://schemas.microsoft.com/office/drawing/2014/main" id="{CF27F376-EB6B-4322-9966-6E7F58D0E4E5}"/>
+              </a:ext>
+            </a:extLst>
+          </p:cNvPr>
+          <p:cNvCxnSpPr>
+            <a:cxnSpLocks/>
+          </p:cNvCxnSpPr>
+          <p:nvPr/>
+        </p:nvCxnSpPr>
+        <p:spPr>
+          <a:xfrm flipV="1">
+            <a:off x="5987143" y="4516016"/>
+            <a:ext cx="2802294" cy="879820"/>
+          </a:xfrm>
+          <a:prstGeom prst="bentConnector3">
+            <a:avLst>
+              <a:gd name="adj1" fmla="val -943"/>
+            </a:avLst>
+          </a:prstGeom>
+          <a:ln>
+            <a:tailEnd type="triangle"/>
+          </a:ln>
+        </p:spPr>
+        <p:style>
+          <a:lnRef idx="1">
+            <a:schemeClr val="accent1"/>
+          </a:lnRef>
+          <a:fillRef idx="0">
+            <a:schemeClr val="accent1"/>
+          </a:fillRef>
+          <a:effectRef idx="0">
+            <a:schemeClr val="accent1"/>
+          </a:effectRef>
+          <a:fontRef idx="minor">
+            <a:schemeClr val="tx1"/>
+          </a:fontRef>
+        </p:style>
+      </p:cxnSp>
+      <p:sp>
+        <p:nvSpPr>
+          <p:cNvPr id="35" name="Rectangle 34">
+            <a:extLst>
+              <a:ext uri="{FF2B5EF4-FFF2-40B4-BE49-F238E27FC236}">
+                <a16:creationId xmlns:a16="http://schemas.microsoft.com/office/drawing/2014/main" id="{51893B02-C1FB-4C69-9FC3-00C89459FE59}"/>
+              </a:ext>
+            </a:extLst>
+          </p:cNvPr>
+          <p:cNvSpPr/>
+          <p:nvPr/>
+        </p:nvSpPr>
+        <p:spPr>
+          <a:xfrm>
+            <a:off x="8789435" y="4231775"/>
+            <a:ext cx="989045" cy="601467"/>
+          </a:xfrm>
+          <a:prstGeom prst="rect">
+            <a:avLst/>
+          </a:prstGeom>
+          <a:noFill/>
+        </p:spPr>
+        <p:style>
+          <a:lnRef idx="2">
+            <a:schemeClr val="accent1">
+              <a:shade val="50000"/>
+            </a:schemeClr>
+          </a:lnRef>
+          <a:fillRef idx="1">
+            <a:schemeClr val="accent1"/>
+          </a:fillRef>
+          <a:effectRef idx="0">
+            <a:schemeClr val="accent1"/>
+          </a:effectRef>
+          <a:fontRef idx="minor">
+            <a:schemeClr val="lt1"/>
+          </a:fontRef>
+        </p:style>
+        <p:txBody>
+          <a:bodyPr rtlCol="0" anchor="ctr"/>
+          <a:lstStyle/>
+          <a:p>
+            <a:pPr algn="ctr"/>
+            <a:endParaRPr lang="en-GB" dirty="0"/>
+          </a:p>
+        </p:txBody>
+      </p:sp>
+      <p:sp>
+        <p:nvSpPr>
+          <p:cNvPr id="36" name="TextBox 35">
+            <a:extLst>
+              <a:ext uri="{FF2B5EF4-FFF2-40B4-BE49-F238E27FC236}">
+                <a16:creationId xmlns:a16="http://schemas.microsoft.com/office/drawing/2014/main" id="{3D2961F1-DA74-4F53-8210-6A3B61D1EF6B}"/>
+              </a:ext>
+            </a:extLst>
+          </p:cNvPr>
+          <p:cNvSpPr txBox="1"/>
+          <p:nvPr/>
+        </p:nvSpPr>
+        <p:spPr>
+          <a:xfrm>
+            <a:off x="8808097" y="4243260"/>
+            <a:ext cx="925284" cy="646331"/>
+          </a:xfrm>
+          <a:prstGeom prst="rect">
+            <a:avLst/>
+          </a:prstGeom>
+          <a:noFill/>
+        </p:spPr>
+        <p:txBody>
+          <a:bodyPr wrap="square" rtlCol="0">
+            <a:spAutoFit/>
+          </a:bodyPr>
+          <a:lstStyle/>
+          <a:p>
+            <a:r>
+              <a:rPr lang="en-GB" dirty="0"/>
+              <a:t>BLAST: identify</a:t>
+            </a:r>
           </a:p>
         </p:txBody>
       </p:sp>
     </p:spTree>
     <p:extLst>
       <p:ext uri="{BB962C8B-B14F-4D97-AF65-F5344CB8AC3E}">
-        <p14:creationId xmlns:p14="http://schemas.microsoft.com/office/powerpoint/2010/main" val="858641711"/>
+        <p14:creationId xmlns:p14="http://schemas.microsoft.com/office/powerpoint/2010/main" val="1161804818"/>
       </p:ext>
     </p:extLst>
   </p:cSld>
@@ -3886,6 +4635,215 @@
           <p:cNvPr id="2" name="Title 1">
             <a:extLst>
               <a:ext uri="{FF2B5EF4-FFF2-40B4-BE49-F238E27FC236}">
+                <a16:creationId xmlns:a16="http://schemas.microsoft.com/office/drawing/2014/main" id="{3D09269E-BF25-4289-A434-F94125EC3239}"/>
+              </a:ext>
+            </a:extLst>
+          </p:cNvPr>
+          <p:cNvSpPr>
+            <a:spLocks noGrp="1"/>
+          </p:cNvSpPr>
+          <p:nvPr>
+            <p:ph type="title"/>
+          </p:nvPr>
+        </p:nvSpPr>
+        <p:spPr>
+          <a:xfrm>
+            <a:off x="457200" y="-219075"/>
+            <a:ext cx="10515600" cy="1325563"/>
+          </a:xfrm>
+        </p:spPr>
+        <p:txBody>
+          <a:bodyPr/>
+          <a:lstStyle/>
+          <a:p>
+            <a:pPr algn="ctr"/>
+            <a:r>
+              <a:rPr lang="en-GB" dirty="0">
+                <a:solidFill>
+                  <a:srgbClr val="7030A0"/>
+                </a:solidFill>
+              </a:rPr>
+              <a:t>6) Pull it all together: A full pipeline?</a:t>
+            </a:r>
+          </a:p>
+        </p:txBody>
+      </p:sp>
+      <p:sp>
+        <p:nvSpPr>
+          <p:cNvPr id="3" name="Content Placeholder 2">
+            <a:extLst>
+              <a:ext uri="{FF2B5EF4-FFF2-40B4-BE49-F238E27FC236}">
+                <a16:creationId xmlns:a16="http://schemas.microsoft.com/office/drawing/2014/main" id="{27D2B713-FAB9-4FA6-9634-CBA2C3D0A60A}"/>
+              </a:ext>
+            </a:extLst>
+          </p:cNvPr>
+          <p:cNvSpPr>
+            <a:spLocks noGrp="1"/>
+          </p:cNvSpPr>
+          <p:nvPr>
+            <p:ph idx="1"/>
+          </p:nvPr>
+        </p:nvSpPr>
+        <p:spPr>
+          <a:xfrm>
+            <a:off x="600075" y="1325562"/>
+            <a:ext cx="10515600" cy="5151437"/>
+          </a:xfrm>
+        </p:spPr>
+        <p:txBody>
+          <a:bodyPr>
+            <a:normAutofit/>
+          </a:bodyPr>
+          <a:lstStyle/>
+          <a:p>
+            <a:pPr marL="514350" indent="-514350">
+              <a:buFont typeface="+mj-lt"/>
+              <a:buAutoNum type="arabicPeriod"/>
+            </a:pPr>
+            <a:r>
+              <a:rPr lang="en-GB" sz="3200" dirty="0"/>
+              <a:t>Downloads some reads</a:t>
+            </a:r>
+          </a:p>
+          <a:p>
+            <a:pPr marL="514350" indent="-514350">
+              <a:buFont typeface="+mj-lt"/>
+              <a:buAutoNum type="arabicPeriod"/>
+            </a:pPr>
+            <a:r>
+              <a:rPr lang="en-GB" sz="3200" dirty="0"/>
+              <a:t>QC, trim.</a:t>
+            </a:r>
+            <a:endParaRPr lang="en-GB" sz="3200" u="sng" dirty="0"/>
+          </a:p>
+          <a:p>
+            <a:pPr marL="514350" indent="-514350">
+              <a:buFont typeface="+mj-lt"/>
+              <a:buAutoNum type="arabicPeriod"/>
+            </a:pPr>
+            <a:r>
+              <a:rPr lang="en-GB" sz="3200" dirty="0"/>
+              <a:t>Assemble reads with different </a:t>
+            </a:r>
+            <a:r>
+              <a:rPr lang="en-GB" sz="3200" dirty="0" err="1"/>
+              <a:t>kmers</a:t>
+            </a:r>
+            <a:r>
+              <a:rPr lang="en-GB" sz="3200" dirty="0"/>
+              <a:t>. You choose. </a:t>
+            </a:r>
+          </a:p>
+          <a:p>
+            <a:pPr marL="514350" indent="-514350">
+              <a:buFont typeface="+mj-lt"/>
+              <a:buAutoNum type="arabicPeriod"/>
+            </a:pPr>
+            <a:r>
+              <a:rPr lang="en-GB" sz="3200" dirty="0"/>
+              <a:t>Produce assembly stats using the </a:t>
+            </a:r>
+            <a:r>
+              <a:rPr lang="en-GB" sz="3200" dirty="0" err="1"/>
+              <a:t>perl</a:t>
+            </a:r>
+            <a:r>
+              <a:rPr lang="en-GB" sz="3200" dirty="0"/>
+              <a:t> script, </a:t>
+            </a:r>
+          </a:p>
+          <a:p>
+            <a:pPr marL="514350" indent="-514350">
+              <a:buFont typeface="+mj-lt"/>
+              <a:buAutoNum type="arabicPeriod"/>
+            </a:pPr>
+            <a:r>
+              <a:rPr lang="en-GB" sz="3200" dirty="0"/>
+              <a:t>Predict genes</a:t>
+            </a:r>
+          </a:p>
+          <a:p>
+            <a:pPr marL="514350" indent="-514350">
+              <a:buFont typeface="+mj-lt"/>
+              <a:buAutoNum type="arabicPeriod"/>
+            </a:pPr>
+            <a:r>
+              <a:rPr lang="en-GB" sz="3200" dirty="0"/>
+              <a:t>Blast a bit of it to find out what it was</a:t>
+            </a:r>
+          </a:p>
+          <a:p>
+            <a:pPr marL="514350" indent="-514350">
+              <a:buFont typeface="+mj-lt"/>
+              <a:buAutoNum type="arabicPeriod"/>
+            </a:pPr>
+            <a:r>
+              <a:rPr lang="en-GB" sz="3200" dirty="0"/>
+              <a:t>Assemble with more modern software.</a:t>
+            </a:r>
+          </a:p>
+          <a:p>
+            <a:pPr marL="514350" indent="-514350">
+              <a:buFont typeface="+mj-lt"/>
+              <a:buAutoNum type="arabicPeriod"/>
+            </a:pPr>
+            <a:r>
+              <a:rPr lang="en-GB" sz="3200" dirty="0"/>
+              <a:t>Polish with </a:t>
+            </a:r>
+            <a:r>
+              <a:rPr lang="en-GB" sz="3200" dirty="0" err="1"/>
+              <a:t>Unicycler</a:t>
+            </a:r>
+            <a:r>
+              <a:rPr lang="en-GB" sz="3200" dirty="0"/>
+              <a:t>.</a:t>
+            </a:r>
+          </a:p>
+          <a:p>
+            <a:pPr marL="514350" indent="-514350">
+              <a:buFont typeface="+mj-lt"/>
+              <a:buAutoNum type="arabicPeriod"/>
+            </a:pPr>
+            <a:endParaRPr lang="en-GB" sz="3200" dirty="0"/>
+          </a:p>
+        </p:txBody>
+      </p:sp>
+    </p:spTree>
+    <p:extLst>
+      <p:ext uri="{BB962C8B-B14F-4D97-AF65-F5344CB8AC3E}">
+        <p14:creationId xmlns:p14="http://schemas.microsoft.com/office/powerpoint/2010/main" val="858641711"/>
+      </p:ext>
+    </p:extLst>
+  </p:cSld>
+  <p:clrMapOvr>
+    <a:masterClrMapping/>
+  </p:clrMapOvr>
+</p:sld>
+</file>
+
+<file path=ppt/slides/slide12.xml><?xml version="1.0" encoding="utf-8"?>
+<p:sld xmlns:a="http://schemas.openxmlformats.org/drawingml/2006/main" xmlns:r="http://schemas.openxmlformats.org/officeDocument/2006/relationships" xmlns:p="http://schemas.openxmlformats.org/presentationml/2006/main">
+  <p:cSld>
+    <p:spTree>
+      <p:nvGrpSpPr>
+        <p:cNvPr id="1" name=""/>
+        <p:cNvGrpSpPr/>
+        <p:nvPr/>
+      </p:nvGrpSpPr>
+      <p:grpSpPr>
+        <a:xfrm>
+          <a:off x="0" y="0"/>
+          <a:ext cx="0" cy="0"/>
+          <a:chOff x="0" y="0"/>
+          <a:chExt cx="0" cy="0"/>
+        </a:xfrm>
+      </p:grpSpPr>
+      <p:sp>
+        <p:nvSpPr>
+          <p:cNvPr id="2" name="Title 1">
+            <a:extLst>
+              <a:ext uri="{FF2B5EF4-FFF2-40B4-BE49-F238E27FC236}">
                 <a16:creationId xmlns:a16="http://schemas.microsoft.com/office/drawing/2014/main" id="{4CF6A127-5823-48BA-A536-7CC0BA1662E1}"/>
               </a:ext>
             </a:extLst>
@@ -4156,7 +5114,7 @@
 </p:sld>
 </file>
 
-<file path=ppt/slides/slide12.xml><?xml version="1.0" encoding="utf-8"?>
+<file path=ppt/slides/slide13.xml><?xml version="1.0" encoding="utf-8"?>
 <p:sld xmlns:a="http://schemas.openxmlformats.org/drawingml/2006/main" xmlns:r="http://schemas.openxmlformats.org/officeDocument/2006/relationships" xmlns:p="http://schemas.openxmlformats.org/presentationml/2006/main">
   <p:cSld>
     <p:spTree>
@@ -4411,7 +5369,7 @@
 </p:sld>
 </file>
 
-<file path=ppt/slides/slide13.xml><?xml version="1.0" encoding="utf-8"?>
+<file path=ppt/slides/slide14.xml><?xml version="1.0" encoding="utf-8"?>
 <p:sld xmlns:a="http://schemas.openxmlformats.org/drawingml/2006/main" xmlns:r="http://schemas.openxmlformats.org/officeDocument/2006/relationships" xmlns:p="http://schemas.openxmlformats.org/presentationml/2006/main">
   <p:cSld>
     <p:spTree>
@@ -4736,367 +5694,6 @@
 </p:sld>
 </file>
 
-<file path=ppt/slides/slide14.xml><?xml version="1.0" encoding="utf-8"?>
-<p:sld xmlns:a="http://schemas.openxmlformats.org/drawingml/2006/main" xmlns:r="http://schemas.openxmlformats.org/officeDocument/2006/relationships" xmlns:p="http://schemas.openxmlformats.org/presentationml/2006/main">
-  <p:cSld>
-    <p:spTree>
-      <p:nvGrpSpPr>
-        <p:cNvPr id="1" name=""/>
-        <p:cNvGrpSpPr/>
-        <p:nvPr/>
-      </p:nvGrpSpPr>
-      <p:grpSpPr>
-        <a:xfrm>
-          <a:off x="0" y="0"/>
-          <a:ext cx="0" cy="0"/>
-          <a:chOff x="0" y="0"/>
-          <a:chExt cx="0" cy="0"/>
-        </a:xfrm>
-      </p:grpSpPr>
-      <p:sp>
-        <p:nvSpPr>
-          <p:cNvPr id="2" name="Title 1">
-            <a:extLst>
-              <a:ext uri="{FF2B5EF4-FFF2-40B4-BE49-F238E27FC236}">
-                <a16:creationId xmlns:a16="http://schemas.microsoft.com/office/drawing/2014/main" id="{40F48A92-1D95-4EB9-8683-671B31792834}"/>
-              </a:ext>
-            </a:extLst>
-          </p:cNvPr>
-          <p:cNvSpPr>
-            <a:spLocks noGrp="1"/>
-          </p:cNvSpPr>
-          <p:nvPr>
-            <p:ph type="title"/>
-          </p:nvPr>
-        </p:nvSpPr>
-        <p:spPr>
-          <a:xfrm>
-            <a:off x="838200" y="-206375"/>
-            <a:ext cx="10515600" cy="1325563"/>
-          </a:xfrm>
-        </p:spPr>
-        <p:txBody>
-          <a:bodyPr/>
-          <a:lstStyle/>
-          <a:p>
-            <a:pPr algn="ctr"/>
-            <a:r>
-              <a:rPr lang="en-GB" dirty="0">
-                <a:solidFill>
-                  <a:srgbClr val="7030A0"/>
-                </a:solidFill>
-              </a:rPr>
-              <a:t>9) Advanced: .</a:t>
-            </a:r>
-            <a:r>
-              <a:rPr lang="en-GB" dirty="0" err="1">
-                <a:solidFill>
-                  <a:srgbClr val="7030A0"/>
-                </a:solidFill>
-              </a:rPr>
-              <a:t>bash_profile</a:t>
-            </a:r>
-            <a:endParaRPr lang="en-GB" dirty="0">
-              <a:solidFill>
-                <a:srgbClr val="7030A0"/>
-              </a:solidFill>
-            </a:endParaRPr>
-          </a:p>
-        </p:txBody>
-      </p:sp>
-      <p:sp>
-        <p:nvSpPr>
-          <p:cNvPr id="3" name="Content Placeholder 2">
-            <a:extLst>
-              <a:ext uri="{FF2B5EF4-FFF2-40B4-BE49-F238E27FC236}">
-                <a16:creationId xmlns:a16="http://schemas.microsoft.com/office/drawing/2014/main" id="{E463A3D9-5893-48D9-9587-197FED671999}"/>
-              </a:ext>
-            </a:extLst>
-          </p:cNvPr>
-          <p:cNvSpPr>
-            <a:spLocks noGrp="1"/>
-          </p:cNvSpPr>
-          <p:nvPr>
-            <p:ph idx="1"/>
-          </p:nvPr>
-        </p:nvSpPr>
-        <p:spPr>
-          <a:xfrm>
-            <a:off x="152400" y="827088"/>
-            <a:ext cx="11671300" cy="5789612"/>
-          </a:xfrm>
-        </p:spPr>
-        <p:txBody>
-          <a:bodyPr>
-            <a:normAutofit/>
-          </a:bodyPr>
-          <a:lstStyle/>
-          <a:p>
-            <a:r>
-              <a:rPr lang="en-GB" dirty="0"/>
-              <a:t>This is beyond a beginners course, but just to make you aware of it…</a:t>
-            </a:r>
-          </a:p>
-          <a:p>
-            <a:r>
-              <a:rPr lang="en-GB" dirty="0"/>
-              <a:t>Type:  </a:t>
-            </a:r>
-            <a:r>
-              <a:rPr lang="en-GB" dirty="0">
-                <a:solidFill>
-                  <a:srgbClr val="0070C0"/>
-                </a:solidFill>
-              </a:rPr>
-              <a:t>more ~/.</a:t>
-            </a:r>
-            <a:r>
-              <a:rPr lang="en-GB" dirty="0" err="1">
-                <a:solidFill>
-                  <a:srgbClr val="0070C0"/>
-                </a:solidFill>
-              </a:rPr>
-              <a:t>bash_profile</a:t>
-            </a:r>
-            <a:endParaRPr lang="en-GB" dirty="0">
-              <a:solidFill>
-                <a:srgbClr val="0070C0"/>
-              </a:solidFill>
-            </a:endParaRPr>
-          </a:p>
-          <a:p>
-            <a:r>
-              <a:rPr lang="en-GB" dirty="0"/>
-              <a:t>This is where you can tell the server to </a:t>
-            </a:r>
-          </a:p>
-          <a:p>
-            <a:pPr marL="0" indent="0">
-              <a:buNone/>
-            </a:pPr>
-            <a:r>
-              <a:rPr lang="en-GB" dirty="0"/>
-              <a:t>“look for programs”, set environmental</a:t>
-            </a:r>
-          </a:p>
-          <a:p>
-            <a:pPr marL="0" indent="0">
-              <a:buNone/>
-            </a:pPr>
-            <a:r>
-              <a:rPr lang="en-GB" dirty="0"/>
-              <a:t>variables, and other magic!!</a:t>
-            </a:r>
-          </a:p>
-          <a:p>
-            <a:r>
-              <a:rPr lang="en-GB" dirty="0"/>
-              <a:t>I put the latest BLAST in, with </a:t>
-            </a:r>
-            <a:r>
-              <a:rPr lang="en-GB" dirty="0" err="1"/>
-              <a:t>db</a:t>
-            </a:r>
-            <a:r>
-              <a:rPr lang="en-GB" dirty="0"/>
-              <a:t>:</a:t>
-            </a:r>
-          </a:p>
-          <a:p>
-            <a:pPr marL="0" indent="0">
-              <a:buNone/>
-            </a:pPr>
-            <a:r>
-              <a:rPr lang="en-GB" sz="2000" dirty="0">
-                <a:solidFill>
-                  <a:srgbClr val="FF0000"/>
-                </a:solidFill>
-              </a:rPr>
-              <a:t>export PATH=/shelf/apps/ncbi-blast-2.7.1+/bin/:$PATH</a:t>
-            </a:r>
-          </a:p>
-          <a:p>
-            <a:pPr marL="0" indent="0">
-              <a:buNone/>
-            </a:pPr>
-            <a:r>
-              <a:rPr lang="en-GB" sz="2000" dirty="0"/>
-              <a:t># this is where the </a:t>
-            </a:r>
-            <a:r>
-              <a:rPr lang="en-GB" sz="2000" dirty="0" err="1"/>
-              <a:t>nr</a:t>
-            </a:r>
-            <a:r>
-              <a:rPr lang="en-GB" sz="2000" dirty="0"/>
-              <a:t>, </a:t>
-            </a:r>
-            <a:r>
-              <a:rPr lang="en-GB" sz="2000" dirty="0" err="1"/>
-              <a:t>nt</a:t>
-            </a:r>
-            <a:r>
-              <a:rPr lang="en-GB" sz="2000" dirty="0"/>
-              <a:t>, diamond </a:t>
-            </a:r>
-            <a:r>
-              <a:rPr lang="en-GB" sz="2000" dirty="0" err="1"/>
-              <a:t>db</a:t>
-            </a:r>
-            <a:r>
-              <a:rPr lang="en-GB" sz="2000" dirty="0"/>
-              <a:t> are</a:t>
-            </a:r>
-          </a:p>
-          <a:p>
-            <a:pPr marL="0" indent="0">
-              <a:buNone/>
-            </a:pPr>
-            <a:r>
-              <a:rPr lang="en-GB" sz="2000" dirty="0">
-                <a:solidFill>
-                  <a:srgbClr val="FF0000"/>
-                </a:solidFill>
-              </a:rPr>
-              <a:t>export BLASTDB=/shelf/public/</a:t>
-            </a:r>
-            <a:r>
-              <a:rPr lang="en-GB" sz="2000" dirty="0" err="1">
-                <a:solidFill>
-                  <a:srgbClr val="FF0000"/>
-                </a:solidFill>
-              </a:rPr>
-              <a:t>blastntnr</a:t>
-            </a:r>
-            <a:r>
-              <a:rPr lang="en-GB" sz="2000" dirty="0">
-                <a:solidFill>
-                  <a:srgbClr val="FF0000"/>
-                </a:solidFill>
-              </a:rPr>
-              <a:t>/</a:t>
-            </a:r>
-            <a:r>
-              <a:rPr lang="en-GB" sz="2000" dirty="0" err="1">
-                <a:solidFill>
-                  <a:srgbClr val="FF0000"/>
-                </a:solidFill>
-              </a:rPr>
-              <a:t>blastDatabases</a:t>
-            </a:r>
-            <a:endParaRPr lang="en-GB" sz="2000" dirty="0">
-              <a:solidFill>
-                <a:srgbClr val="FF0000"/>
-              </a:solidFill>
-            </a:endParaRPr>
-          </a:p>
-          <a:p>
-            <a:pPr marL="0" indent="0">
-              <a:buNone/>
-            </a:pPr>
-            <a:endParaRPr lang="en-GB" dirty="0"/>
-          </a:p>
-          <a:p>
-            <a:pPr marL="0" indent="0">
-              <a:buNone/>
-            </a:pPr>
-            <a:endParaRPr lang="en-GB" dirty="0"/>
-          </a:p>
-          <a:p>
-            <a:endParaRPr lang="en-GB" dirty="0"/>
-          </a:p>
-        </p:txBody>
-      </p:sp>
-      <p:pic>
-        <p:nvPicPr>
-          <p:cNvPr id="4" name="Picture 3">
-            <a:extLst>
-              <a:ext uri="{FF2B5EF4-FFF2-40B4-BE49-F238E27FC236}">
-                <a16:creationId xmlns:a16="http://schemas.microsoft.com/office/drawing/2014/main" id="{8E5F8CE5-AA53-4E8A-A9F4-8064AF3A4148}"/>
-              </a:ext>
-            </a:extLst>
-          </p:cNvPr>
-          <p:cNvPicPr>
-            <a:picLocks noChangeAspect="1"/>
-          </p:cNvPicPr>
-          <p:nvPr/>
-        </p:nvPicPr>
-        <p:blipFill rotWithShape="1">
-          <a:blip r:embed="rId2">
-            <a:extLst>
-              <a:ext uri="{28A0092B-C50C-407E-A947-70E740481C1C}">
-                <a14:useLocalDpi xmlns:a14="http://schemas.microsoft.com/office/drawing/2010/main" val="0"/>
-              </a:ext>
-            </a:extLst>
-          </a:blip>
-          <a:srcRect/>
-          <a:stretch/>
-        </p:blipFill>
-        <p:spPr>
-          <a:xfrm>
-            <a:off x="6322774" y="1430031"/>
-            <a:ext cx="8294926" cy="5186669"/>
-          </a:xfrm>
-          <a:prstGeom prst="rect">
-            <a:avLst/>
-          </a:prstGeom>
-        </p:spPr>
-      </p:pic>
-      <p:sp>
-        <p:nvSpPr>
-          <p:cNvPr id="5" name="TextBox 4">
-            <a:extLst>
-              <a:ext uri="{FF2B5EF4-FFF2-40B4-BE49-F238E27FC236}">
-                <a16:creationId xmlns:a16="http://schemas.microsoft.com/office/drawing/2014/main" id="{5005C2C8-5253-4293-8CAD-9EDB25A4B4E6}"/>
-              </a:ext>
-            </a:extLst>
-          </p:cNvPr>
-          <p:cNvSpPr txBox="1"/>
-          <p:nvPr/>
-        </p:nvSpPr>
-        <p:spPr>
-          <a:xfrm>
-            <a:off x="10576392" y="139561"/>
-            <a:ext cx="1663700" cy="523220"/>
-          </a:xfrm>
-          <a:prstGeom prst="rect">
-            <a:avLst/>
-          </a:prstGeom>
-          <a:noFill/>
-        </p:spPr>
-        <p:txBody>
-          <a:bodyPr wrap="square" rtlCol="0">
-            <a:spAutoFit/>
-          </a:bodyPr>
-          <a:lstStyle/>
-          <a:p>
-            <a:r>
-              <a:rPr lang="en-GB" sz="2800" dirty="0">
-                <a:solidFill>
-                  <a:srgbClr val="FF0000"/>
-                </a:solidFill>
-                <a:highlight>
-                  <a:srgbClr val="FFFF00"/>
-                </a:highlight>
-              </a:rPr>
-              <a:t>ACTIVITY</a:t>
-            </a:r>
-          </a:p>
-        </p:txBody>
-      </p:sp>
-    </p:spTree>
-    <p:extLst>
-      <p:ext uri="{BB962C8B-B14F-4D97-AF65-F5344CB8AC3E}">
-        <p14:creationId xmlns:p14="http://schemas.microsoft.com/office/powerpoint/2010/main" val="1379148863"/>
-      </p:ext>
-    </p:extLst>
-  </p:cSld>
-  <p:clrMapOvr>
-    <a:masterClrMapping/>
-  </p:clrMapOvr>
-</p:sld>
-</file>
-
 <file path=ppt/slides/slide15.xml><?xml version="1.0" encoding="utf-8"?>
 <p:sld xmlns:a="http://schemas.openxmlformats.org/drawingml/2006/main" xmlns:r="http://schemas.openxmlformats.org/officeDocument/2006/relationships" xmlns:p="http://schemas.openxmlformats.org/presentationml/2006/main">
   <p:cSld>
@@ -5119,7 +5716,7 @@
           <p:cNvPr id="2" name="Title 1">
             <a:extLst>
               <a:ext uri="{FF2B5EF4-FFF2-40B4-BE49-F238E27FC236}">
-                <a16:creationId xmlns:a16="http://schemas.microsoft.com/office/drawing/2014/main" id="{238F34ED-D75E-49A0-BC63-38C071AA49D3}"/>
+                <a16:creationId xmlns:a16="http://schemas.microsoft.com/office/drawing/2014/main" id="{40F48A92-1D95-4EB9-8683-671B31792834}"/>
               </a:ext>
             </a:extLst>
           </p:cNvPr>
@@ -5132,8 +5729,8 @@
         </p:nvSpPr>
         <p:spPr>
           <a:xfrm>
-            <a:off x="0" y="-163190"/>
-            <a:ext cx="12192000" cy="1325563"/>
+            <a:off x="838200" y="-206375"/>
+            <a:ext cx="10515600" cy="1325563"/>
           </a:xfrm>
         </p:spPr>
         <p:txBody>
@@ -5147,8 +5744,21 @@
                   <a:srgbClr val="7030A0"/>
                 </a:solidFill>
               </a:rPr>
-              <a:t>9) Advanced: Installing software: </a:t>
-            </a:r>
+              <a:t>9) Advanced: .</a:t>
+            </a:r>
+            <a:r>
+              <a:rPr lang="en-GB" dirty="0" err="1">
+                <a:solidFill>
+                  <a:srgbClr val="7030A0"/>
+                </a:solidFill>
+              </a:rPr>
+              <a:t>bash_profile</a:t>
+            </a:r>
+            <a:endParaRPr lang="en-GB" dirty="0">
+              <a:solidFill>
+                <a:srgbClr val="7030A0"/>
+              </a:solidFill>
+            </a:endParaRPr>
           </a:p>
         </p:txBody>
       </p:sp>
@@ -5157,7 +5767,7 @@
           <p:cNvPr id="3" name="Content Placeholder 2">
             <a:extLst>
               <a:ext uri="{FF2B5EF4-FFF2-40B4-BE49-F238E27FC236}">
-                <a16:creationId xmlns:a16="http://schemas.microsoft.com/office/drawing/2014/main" id="{18431EE4-9E41-4E32-A234-2EA9829FBD13}"/>
+                <a16:creationId xmlns:a16="http://schemas.microsoft.com/office/drawing/2014/main" id="{E463A3D9-5893-48D9-9587-197FED671999}"/>
               </a:ext>
             </a:extLst>
           </p:cNvPr>
@@ -5170,84 +5780,33 @@
         </p:nvSpPr>
         <p:spPr>
           <a:xfrm>
-            <a:off x="232475" y="1162373"/>
-            <a:ext cx="11121325" cy="5014590"/>
+            <a:off x="152400" y="827088"/>
+            <a:ext cx="11671300" cy="5789612"/>
           </a:xfrm>
         </p:spPr>
         <p:txBody>
           <a:bodyPr>
-            <a:normAutofit lnSpcReduction="10000"/>
+            <a:normAutofit/>
           </a:bodyPr>
           <a:lstStyle/>
           <a:p>
             <a:r>
               <a:rPr lang="en-GB" dirty="0"/>
-              <a:t>Please try yourself. This is good for you. </a:t>
+              <a:t>This is beyond a beginners course, but just to make you aware of it…</a:t>
             </a:r>
           </a:p>
           <a:p>
             <a:r>
               <a:rPr lang="en-GB" dirty="0"/>
-              <a:t>Try </a:t>
-            </a:r>
-            <a:r>
-              <a:rPr lang="en-GB" dirty="0" err="1"/>
-              <a:t>conda</a:t>
-            </a:r>
-            <a:r>
-              <a:rPr lang="en-GB" dirty="0"/>
-              <a:t> first (see earlier slides). </a:t>
-            </a:r>
-          </a:p>
-          <a:p>
-            <a:r>
-              <a:rPr lang="en-GB" dirty="0"/>
-              <a:t>If not on </a:t>
-            </a:r>
-            <a:r>
-              <a:rPr lang="en-GB" dirty="0" err="1"/>
-              <a:t>conda</a:t>
-            </a:r>
-            <a:r>
-              <a:rPr lang="en-GB" dirty="0"/>
-              <a:t>: read their README </a:t>
-            </a:r>
-          </a:p>
-          <a:p>
-            <a:pPr marL="0" indent="0">
-              <a:buNone/>
-            </a:pPr>
-            <a:r>
-              <a:rPr lang="en-GB" dirty="0"/>
-              <a:t>	and follow their instructions.. But …</a:t>
-            </a:r>
-          </a:p>
-          <a:p>
-            <a:r>
-              <a:rPr lang="en-GB" dirty="0"/>
-              <a:t>If you need a newer GCC: </a:t>
-            </a:r>
-          </a:p>
-          <a:p>
-            <a:pPr marL="0" indent="0">
-              <a:buNone/>
-            </a:pPr>
-            <a:r>
-              <a:rPr lang="en-GB" dirty="0"/>
-              <a:t>Type: </a:t>
-            </a:r>
-          </a:p>
-          <a:p>
-            <a:pPr marL="0" indent="0">
-              <a:buNone/>
-            </a:pPr>
+              <a:t>Type:  </a:t>
+            </a:r>
             <a:r>
               <a:rPr lang="en-GB" dirty="0">
                 <a:solidFill>
                   <a:srgbClr val="0070C0"/>
                 </a:solidFill>
               </a:rPr>
-              <a:t>         source /opt/</a:t>
+              <a:t>more ~/.</a:t>
             </a:r>
             <a:r>
               <a:rPr lang="en-GB" dirty="0" err="1">
@@ -5255,21 +5814,8 @@
                   <a:srgbClr val="0070C0"/>
                 </a:solidFill>
               </a:rPr>
-              <a:t>rh</a:t>
-            </a:r>
-            <a:r>
-              <a:rPr lang="en-GB" dirty="0">
-                <a:solidFill>
-                  <a:srgbClr val="0070C0"/>
-                </a:solidFill>
-              </a:rPr>
-              <a:t>/devtoolset-6/enable</a:t>
-            </a:r>
-          </a:p>
-          <a:p>
-            <a:pPr marL="0" indent="0">
-              <a:buNone/>
-            </a:pPr>
+              <a:t>bash_profile</a:t>
+            </a:r>
             <a:endParaRPr lang="en-GB" dirty="0">
               <a:solidFill>
                 <a:srgbClr val="0070C0"/>
@@ -5277,32 +5823,18 @@
             </a:endParaRPr>
           </a:p>
           <a:p>
+            <a:r>
+              <a:rPr lang="en-GB" dirty="0"/>
+              <a:t>This is where you can tell the server to </a:t>
+            </a:r>
+          </a:p>
+          <a:p>
             <a:pPr marL="0" indent="0">
               <a:buNone/>
             </a:pPr>
             <a:r>
-              <a:rPr lang="en-GB" dirty="0">
-                <a:solidFill>
-                  <a:srgbClr val="0070C0"/>
-                </a:solidFill>
-              </a:rPr>
-              <a:t>         </a:t>
-            </a:r>
-            <a:r>
-              <a:rPr lang="en-GB" dirty="0" err="1">
-                <a:solidFill>
-                  <a:srgbClr val="0070C0"/>
-                </a:solidFill>
-              </a:rPr>
-              <a:t>gcc</a:t>
-            </a:r>
-            <a:r>
-              <a:rPr lang="en-GB" dirty="0">
-                <a:solidFill>
-                  <a:srgbClr val="0070C0"/>
-                </a:solidFill>
-              </a:rPr>
-              <a:t> -v</a:t>
+              <a:rPr lang="en-GB" dirty="0"/>
+              <a:t>“look for programs”, set environmental</a:t>
             </a:r>
           </a:p>
           <a:p>
@@ -5310,13 +5842,126 @@
               <a:buNone/>
             </a:pPr>
             <a:r>
+              <a:rPr lang="en-GB" dirty="0"/>
+              <a:t>variables, and other magic!!</a:t>
+            </a:r>
+          </a:p>
+          <a:p>
+            <a:r>
+              <a:rPr lang="en-GB" dirty="0"/>
+              <a:t>I put the latest BLAST in, with </a:t>
+            </a:r>
+            <a:r>
               <a:rPr lang="en-GB" dirty="0" err="1"/>
-              <a:t>gcc</a:t>
+              <a:t>db</a:t>
             </a:r>
             <a:r>
               <a:rPr lang="en-GB" dirty="0"/>
-              <a:t> version 6.3.1 (GCC)</a:t>
-            </a:r>
+              <a:t>:</a:t>
+            </a:r>
+          </a:p>
+          <a:p>
+            <a:pPr marL="0" indent="0">
+              <a:buNone/>
+            </a:pPr>
+            <a:r>
+              <a:rPr lang="en-GB" sz="2000" dirty="0">
+                <a:solidFill>
+                  <a:srgbClr val="FF0000"/>
+                </a:solidFill>
+              </a:rPr>
+              <a:t>export PATH=/shelf/apps/ncbi-blast-2.7.1+/bin/:$PATH</a:t>
+            </a:r>
+          </a:p>
+          <a:p>
+            <a:pPr marL="0" indent="0">
+              <a:buNone/>
+            </a:pPr>
+            <a:r>
+              <a:rPr lang="en-GB" sz="2000" dirty="0"/>
+              <a:t># this is where the </a:t>
+            </a:r>
+            <a:r>
+              <a:rPr lang="en-GB" sz="2000" dirty="0" err="1"/>
+              <a:t>nr</a:t>
+            </a:r>
+            <a:r>
+              <a:rPr lang="en-GB" sz="2000" dirty="0"/>
+              <a:t>, </a:t>
+            </a:r>
+            <a:r>
+              <a:rPr lang="en-GB" sz="2000" dirty="0" err="1"/>
+              <a:t>nt</a:t>
+            </a:r>
+            <a:r>
+              <a:rPr lang="en-GB" sz="2000" dirty="0"/>
+              <a:t>, diamond </a:t>
+            </a:r>
+            <a:r>
+              <a:rPr lang="en-GB" sz="2000" dirty="0" err="1"/>
+              <a:t>db</a:t>
+            </a:r>
+            <a:r>
+              <a:rPr lang="en-GB" sz="2000" dirty="0"/>
+              <a:t> are</a:t>
+            </a:r>
+          </a:p>
+          <a:p>
+            <a:pPr marL="0" indent="0">
+              <a:buNone/>
+            </a:pPr>
+            <a:r>
+              <a:rPr lang="en-GB" sz="2000" dirty="0">
+                <a:solidFill>
+                  <a:srgbClr val="FF0000"/>
+                </a:solidFill>
+              </a:rPr>
+              <a:t>export BLASTDB=/shelf/public/</a:t>
+            </a:r>
+            <a:r>
+              <a:rPr lang="en-GB" sz="2000" dirty="0" err="1">
+                <a:solidFill>
+                  <a:srgbClr val="FF0000"/>
+                </a:solidFill>
+              </a:rPr>
+              <a:t>blastntnr</a:t>
+            </a:r>
+            <a:r>
+              <a:rPr lang="en-GB" sz="2000" dirty="0">
+                <a:solidFill>
+                  <a:srgbClr val="FF0000"/>
+                </a:solidFill>
+              </a:rPr>
+              <a:t>/</a:t>
+            </a:r>
+            <a:r>
+              <a:rPr lang="en-GB" sz="2000" dirty="0" err="1">
+                <a:solidFill>
+                  <a:srgbClr val="FF0000"/>
+                </a:solidFill>
+              </a:rPr>
+              <a:t>blastDatabases</a:t>
+            </a:r>
+            <a:endParaRPr lang="en-GB" sz="2000" dirty="0">
+              <a:solidFill>
+                <a:srgbClr val="FF0000"/>
+              </a:solidFill>
+            </a:endParaRPr>
+          </a:p>
+          <a:p>
+            <a:pPr marL="0" indent="0">
+              <a:buNone/>
+            </a:pPr>
+            <a:endParaRPr lang="en-GB" dirty="0"/>
+          </a:p>
+          <a:p>
+            <a:pPr marL="0" indent="0">
+              <a:buNone/>
+            </a:pPr>
+            <a:endParaRPr lang="en-GB" dirty="0"/>
+          </a:p>
+          <a:p>
+            <a:endParaRPr lang="en-GB" dirty="0"/>
           </a:p>
         </p:txBody>
       </p:sp>
@@ -5325,7 +5970,7 @@
           <p:cNvPr id="4" name="Picture 3">
             <a:extLst>
               <a:ext uri="{FF2B5EF4-FFF2-40B4-BE49-F238E27FC236}">
-                <a16:creationId xmlns:a16="http://schemas.microsoft.com/office/drawing/2014/main" id="{70F4B9BA-0B0F-4C11-A2BC-D60E536A397C}"/>
+                <a16:creationId xmlns:a16="http://schemas.microsoft.com/office/drawing/2014/main" id="{8E5F8CE5-AA53-4E8A-A9F4-8064AF3A4148}"/>
               </a:ext>
             </a:extLst>
           </p:cNvPr>
@@ -5347,18 +5992,60 @@
         </p:blipFill>
         <p:spPr>
           <a:xfrm>
-            <a:off x="6727532" y="1162373"/>
-            <a:ext cx="5231993" cy="4344301"/>
+            <a:off x="6322774" y="1430031"/>
+            <a:ext cx="8294926" cy="5186669"/>
           </a:xfrm>
           <a:prstGeom prst="rect">
             <a:avLst/>
           </a:prstGeom>
         </p:spPr>
       </p:pic>
+      <p:sp>
+        <p:nvSpPr>
+          <p:cNvPr id="5" name="TextBox 4">
+            <a:extLst>
+              <a:ext uri="{FF2B5EF4-FFF2-40B4-BE49-F238E27FC236}">
+                <a16:creationId xmlns:a16="http://schemas.microsoft.com/office/drawing/2014/main" id="{5005C2C8-5253-4293-8CAD-9EDB25A4B4E6}"/>
+              </a:ext>
+            </a:extLst>
+          </p:cNvPr>
+          <p:cNvSpPr txBox="1"/>
+          <p:nvPr/>
+        </p:nvSpPr>
+        <p:spPr>
+          <a:xfrm>
+            <a:off x="10576392" y="139561"/>
+            <a:ext cx="1663700" cy="523220"/>
+          </a:xfrm>
+          <a:prstGeom prst="rect">
+            <a:avLst/>
+          </a:prstGeom>
+          <a:noFill/>
+        </p:spPr>
+        <p:txBody>
+          <a:bodyPr wrap="square" rtlCol="0">
+            <a:spAutoFit/>
+          </a:bodyPr>
+          <a:lstStyle/>
+          <a:p>
+            <a:r>
+              <a:rPr lang="en-GB" sz="2800" dirty="0">
+                <a:solidFill>
+                  <a:srgbClr val="FF0000"/>
+                </a:solidFill>
+                <a:highlight>
+                  <a:srgbClr val="FFFF00"/>
+                </a:highlight>
+              </a:rPr>
+              <a:t>ACTIVITY</a:t>
+            </a:r>
+          </a:p>
+        </p:txBody>
+      </p:sp>
     </p:spTree>
     <p:extLst>
       <p:ext uri="{BB962C8B-B14F-4D97-AF65-F5344CB8AC3E}">
-        <p14:creationId xmlns:p14="http://schemas.microsoft.com/office/powerpoint/2010/main" val="2415390648"/>
+        <p14:creationId xmlns:p14="http://schemas.microsoft.com/office/powerpoint/2010/main" val="1379148863"/>
       </p:ext>
     </p:extLst>
   </p:cSld>
@@ -5403,8 +6090,8 @@
         </p:nvSpPr>
         <p:spPr>
           <a:xfrm>
-            <a:off x="0" y="18255"/>
-            <a:ext cx="11353800" cy="1325563"/>
+            <a:off x="0" y="-163190"/>
+            <a:ext cx="12192000" cy="1325563"/>
           </a:xfrm>
         </p:spPr>
         <p:txBody>
@@ -5418,7 +6105,7 @@
                   <a:srgbClr val="7030A0"/>
                 </a:solidFill>
               </a:rPr>
-              <a:t>Connecting off site</a:t>
+              <a:t>9) Advanced: Installing software: </a:t>
             </a:r>
           </a:p>
         </p:txBody>
@@ -5447,25 +6134,146 @@
         </p:spPr>
         <p:txBody>
           <a:bodyPr>
-            <a:normAutofit/>
+            <a:normAutofit lnSpcReduction="10000"/>
           </a:bodyPr>
           <a:lstStyle/>
           <a:p>
             <a:r>
               <a:rPr lang="en-GB" dirty="0"/>
-              <a:t>Use the University VPN connection.</a:t>
+              <a:t>Please try yourself. This is good for you. </a:t>
             </a:r>
           </a:p>
           <a:p>
             <a:r>
               <a:rPr lang="en-GB" dirty="0"/>
-              <a:t>It will ask you for your user name and password. Then you can work as if you are on site.  </a:t>
-            </a:r>
-          </a:p>
-          <a:p>
+              <a:t>Try </a:t>
+            </a:r>
+            <a:r>
+              <a:rPr lang="en-GB" dirty="0" err="1"/>
+              <a:t>conda</a:t>
+            </a:r>
             <a:r>
               <a:rPr lang="en-GB" dirty="0"/>
-              <a:t>Students may need to request access from central IT</a:t>
+              <a:t> first (see earlier slides). </a:t>
+            </a:r>
+          </a:p>
+          <a:p>
+            <a:r>
+              <a:rPr lang="en-GB" dirty="0"/>
+              <a:t>If not on </a:t>
+            </a:r>
+            <a:r>
+              <a:rPr lang="en-GB" dirty="0" err="1"/>
+              <a:t>conda</a:t>
+            </a:r>
+            <a:r>
+              <a:rPr lang="en-GB" dirty="0"/>
+              <a:t>: read their README </a:t>
+            </a:r>
+          </a:p>
+          <a:p>
+            <a:pPr marL="0" indent="0">
+              <a:buNone/>
+            </a:pPr>
+            <a:r>
+              <a:rPr lang="en-GB" dirty="0"/>
+              <a:t>	and follow their instructions.. But …</a:t>
+            </a:r>
+          </a:p>
+          <a:p>
+            <a:r>
+              <a:rPr lang="en-GB" dirty="0"/>
+              <a:t>If you need a newer GCC: </a:t>
+            </a:r>
+          </a:p>
+          <a:p>
+            <a:pPr marL="0" indent="0">
+              <a:buNone/>
+            </a:pPr>
+            <a:r>
+              <a:rPr lang="en-GB" dirty="0"/>
+              <a:t>Type: </a:t>
+            </a:r>
+          </a:p>
+          <a:p>
+            <a:pPr marL="0" indent="0">
+              <a:buNone/>
+            </a:pPr>
+            <a:r>
+              <a:rPr lang="en-GB" dirty="0">
+                <a:solidFill>
+                  <a:srgbClr val="0070C0"/>
+                </a:solidFill>
+              </a:rPr>
+              <a:t>         source /opt/</a:t>
+            </a:r>
+            <a:r>
+              <a:rPr lang="en-GB" dirty="0" err="1">
+                <a:solidFill>
+                  <a:srgbClr val="0070C0"/>
+                </a:solidFill>
+              </a:rPr>
+              <a:t>rh</a:t>
+            </a:r>
+            <a:r>
+              <a:rPr lang="en-GB" dirty="0">
+                <a:solidFill>
+                  <a:srgbClr val="0070C0"/>
+                </a:solidFill>
+              </a:rPr>
+              <a:t>/devtoolset-6/enable</a:t>
+            </a:r>
+          </a:p>
+          <a:p>
+            <a:pPr marL="0" indent="0">
+              <a:buNone/>
+            </a:pPr>
+            <a:endParaRPr lang="en-GB" dirty="0">
+              <a:solidFill>
+                <a:srgbClr val="0070C0"/>
+              </a:solidFill>
+            </a:endParaRPr>
+          </a:p>
+          <a:p>
+            <a:pPr marL="0" indent="0">
+              <a:buNone/>
+            </a:pPr>
+            <a:r>
+              <a:rPr lang="en-GB" dirty="0">
+                <a:solidFill>
+                  <a:srgbClr val="0070C0"/>
+                </a:solidFill>
+              </a:rPr>
+              <a:t>         </a:t>
+            </a:r>
+            <a:r>
+              <a:rPr lang="en-GB" dirty="0" err="1">
+                <a:solidFill>
+                  <a:srgbClr val="0070C0"/>
+                </a:solidFill>
+              </a:rPr>
+              <a:t>gcc</a:t>
+            </a:r>
+            <a:r>
+              <a:rPr lang="en-GB" dirty="0">
+                <a:solidFill>
+                  <a:srgbClr val="0070C0"/>
+                </a:solidFill>
+              </a:rPr>
+              <a:t> -v</a:t>
+            </a:r>
+          </a:p>
+          <a:p>
+            <a:pPr marL="0" indent="0">
+              <a:buNone/>
+            </a:pPr>
+            <a:r>
+              <a:rPr lang="en-GB" dirty="0" err="1"/>
+              <a:t>gcc</a:t>
+            </a:r>
+            <a:r>
+              <a:rPr lang="en-GB" dirty="0"/>
+              <a:t> version 6.3.1 (GCC)</a:t>
             </a:r>
           </a:p>
         </p:txBody>
@@ -5475,7 +6283,7 @@
           <p:cNvPr id="4" name="Picture 3">
             <a:extLst>
               <a:ext uri="{FF2B5EF4-FFF2-40B4-BE49-F238E27FC236}">
-                <a16:creationId xmlns:a16="http://schemas.microsoft.com/office/drawing/2014/main" id="{9B477D43-464D-4FFD-8586-7D0034334599}"/>
+                <a16:creationId xmlns:a16="http://schemas.microsoft.com/office/drawing/2014/main" id="{70F4B9BA-0B0F-4C11-A2BC-D60E536A397C}"/>
               </a:ext>
             </a:extLst>
           </p:cNvPr>
@@ -5497,23 +6305,18 @@
         </p:blipFill>
         <p:spPr>
           <a:xfrm>
-            <a:off x="3199109" y="3587858"/>
-            <a:ext cx="4470560" cy="1828800"/>
+            <a:off x="6727532" y="1162373"/>
+            <a:ext cx="5231993" cy="4344301"/>
           </a:xfrm>
           <a:prstGeom prst="rect">
             <a:avLst/>
           </a:prstGeom>
-          <a:ln>
-            <a:solidFill>
-              <a:schemeClr val="tx1"/>
-            </a:solidFill>
-          </a:ln>
         </p:spPr>
       </p:pic>
     </p:spTree>
     <p:extLst>
       <p:ext uri="{BB962C8B-B14F-4D97-AF65-F5344CB8AC3E}">
-        <p14:creationId xmlns:p14="http://schemas.microsoft.com/office/powerpoint/2010/main" val="4185854758"/>
+        <p14:creationId xmlns:p14="http://schemas.microsoft.com/office/powerpoint/2010/main" val="2415390648"/>
       </p:ext>
     </p:extLst>
   </p:cSld>
@@ -5545,7 +6348,7 @@
           <p:cNvPr id="2" name="Title 1">
             <a:extLst>
               <a:ext uri="{FF2B5EF4-FFF2-40B4-BE49-F238E27FC236}">
-                <a16:creationId xmlns:a16="http://schemas.microsoft.com/office/drawing/2014/main" id="{0E5CBACD-7B60-411D-87DE-F21A7140DE1D}"/>
+                <a16:creationId xmlns:a16="http://schemas.microsoft.com/office/drawing/2014/main" id="{238F34ED-D75E-49A0-BC63-38C071AA49D3}"/>
               </a:ext>
             </a:extLst>
           </p:cNvPr>
@@ -5558,8 +6361,8 @@
         </p:nvSpPr>
         <p:spPr>
           <a:xfrm>
-            <a:off x="771525" y="-19837"/>
-            <a:ext cx="10515600" cy="1325563"/>
+            <a:off x="0" y="18255"/>
+            <a:ext cx="11353800" cy="1325563"/>
           </a:xfrm>
         </p:spPr>
         <p:txBody>
@@ -5568,46 +6371,69 @@
           <a:p>
             <a:pPr algn="ctr"/>
             <a:r>
+              <a:rPr lang="en-GB" dirty="0">
+                <a:solidFill>
+                  <a:srgbClr val="7030A0"/>
+                </a:solidFill>
+              </a:rPr>
+              <a:t>Connecting off site</a:t>
+            </a:r>
+          </a:p>
+        </p:txBody>
+      </p:sp>
+      <p:sp>
+        <p:nvSpPr>
+          <p:cNvPr id="3" name="Content Placeholder 2">
+            <a:extLst>
+              <a:ext uri="{FF2B5EF4-FFF2-40B4-BE49-F238E27FC236}">
+                <a16:creationId xmlns:a16="http://schemas.microsoft.com/office/drawing/2014/main" id="{18431EE4-9E41-4E32-A234-2EA9829FBD13}"/>
+              </a:ext>
+            </a:extLst>
+          </p:cNvPr>
+          <p:cNvSpPr>
+            <a:spLocks noGrp="1"/>
+          </p:cNvSpPr>
+          <p:nvPr>
+            <p:ph idx="1"/>
+          </p:nvPr>
+        </p:nvSpPr>
+        <p:spPr>
+          <a:xfrm>
+            <a:off x="232475" y="1162373"/>
+            <a:ext cx="11121325" cy="5014590"/>
+          </a:xfrm>
+        </p:spPr>
+        <p:txBody>
+          <a:bodyPr>
+            <a:normAutofit/>
+          </a:bodyPr>
+          <a:lstStyle/>
+          <a:p>
+            <a:r>
               <a:rPr lang="en-GB" dirty="0"/>
-              <a:t>The end</a:t>
-            </a:r>
-          </a:p>
-        </p:txBody>
-      </p:sp>
-      <p:sp>
-        <p:nvSpPr>
-          <p:cNvPr id="3" name="Content Placeholder 2">
-            <a:extLst>
-              <a:ext uri="{FF2B5EF4-FFF2-40B4-BE49-F238E27FC236}">
-                <a16:creationId xmlns:a16="http://schemas.microsoft.com/office/drawing/2014/main" id="{1AED1575-3EDC-464E-B43B-E1245C9CF1C8}"/>
-              </a:ext>
-            </a:extLst>
-          </p:cNvPr>
-          <p:cNvSpPr>
-            <a:spLocks noGrp="1"/>
-          </p:cNvSpPr>
-          <p:nvPr>
-            <p:ph idx="1"/>
-          </p:nvPr>
-        </p:nvSpPr>
-        <p:spPr/>
-        <p:txBody>
-          <a:bodyPr/>
-          <a:lstStyle/>
+              <a:t>Use the University VPN connection.</a:t>
+            </a:r>
+          </a:p>
           <a:p>
             <a:r>
               <a:rPr lang="en-GB" dirty="0"/>
-              <a:t>Remember all bioinformatics is, it repeatedly pressing the red button and everything just happens</a:t>
+              <a:t>It will ask you for your user name and password. Then you can work as if you are on site.  </a:t>
+            </a:r>
+          </a:p>
+          <a:p>
+            <a:r>
+              <a:rPr lang="en-GB" dirty="0"/>
+              <a:t>Students may need to request access from central IT</a:t>
             </a:r>
           </a:p>
         </p:txBody>
       </p:sp>
       <p:pic>
         <p:nvPicPr>
-          <p:cNvPr id="6" name="Picture 5" descr="A picture containing indoor, sitting, red, cup&#10;&#10;Description generated with very high confidence">
-            <a:extLst>
-              <a:ext uri="{FF2B5EF4-FFF2-40B4-BE49-F238E27FC236}">
-                <a16:creationId xmlns:a16="http://schemas.microsoft.com/office/drawing/2014/main" id="{7D4EE4B1-31A6-46D6-BDCF-675D4317859E}"/>
+          <p:cNvPr id="4" name="Picture 3">
+            <a:extLst>
+              <a:ext uri="{FF2B5EF4-FFF2-40B4-BE49-F238E27FC236}">
+                <a16:creationId xmlns:a16="http://schemas.microsoft.com/office/drawing/2014/main" id="{9B477D43-464D-4FFD-8586-7D0034334599}"/>
               </a:ext>
             </a:extLst>
           </p:cNvPr>
@@ -5616,7 +6442,7 @@
           </p:cNvPicPr>
           <p:nvPr/>
         </p:nvPicPr>
-        <p:blipFill>
+        <p:blipFill rotWithShape="1">
           <a:blip r:embed="rId2">
             <a:extLst>
               <a:ext uri="{28A0092B-C50C-407E-A947-70E740481C1C}">
@@ -5624,24 +6450,28 @@
               </a:ext>
             </a:extLst>
           </a:blip>
-          <a:stretch>
-            <a:fillRect/>
-          </a:stretch>
+          <a:srcRect/>
+          <a:stretch/>
         </p:blipFill>
         <p:spPr>
           <a:xfrm>
-            <a:off x="3586571" y="3276710"/>
-            <a:ext cx="3761558" cy="3420152"/>
+            <a:off x="3199109" y="3587858"/>
+            <a:ext cx="4470560" cy="1828800"/>
           </a:xfrm>
           <a:prstGeom prst="rect">
             <a:avLst/>
           </a:prstGeom>
+          <a:ln>
+            <a:solidFill>
+              <a:schemeClr val="tx1"/>
+            </a:solidFill>
+          </a:ln>
         </p:spPr>
       </p:pic>
     </p:spTree>
     <p:extLst>
       <p:ext uri="{BB962C8B-B14F-4D97-AF65-F5344CB8AC3E}">
-        <p14:creationId xmlns:p14="http://schemas.microsoft.com/office/powerpoint/2010/main" val="1874206286"/>
+        <p14:creationId xmlns:p14="http://schemas.microsoft.com/office/powerpoint/2010/main" val="4185854758"/>
       </p:ext>
     </p:extLst>
   </p:cSld>
@@ -5673,7 +6503,7 @@
           <p:cNvPr id="2" name="Title 1">
             <a:extLst>
               <a:ext uri="{FF2B5EF4-FFF2-40B4-BE49-F238E27FC236}">
-                <a16:creationId xmlns:a16="http://schemas.microsoft.com/office/drawing/2014/main" id="{C9435967-4C4A-4A1B-BC48-ABF4C41794F2}"/>
+                <a16:creationId xmlns:a16="http://schemas.microsoft.com/office/drawing/2014/main" id="{8C5748CD-B148-457A-91D5-B9677786D987}"/>
               </a:ext>
             </a:extLst>
           </p:cNvPr>
@@ -5686,18 +6516,17 @@
         </p:nvSpPr>
         <p:spPr>
           <a:xfrm>
-            <a:off x="0" y="-104775"/>
-            <a:ext cx="12192000" cy="1325563"/>
+            <a:off x="838200" y="-23760"/>
+            <a:ext cx="10515600" cy="1325563"/>
           </a:xfrm>
         </p:spPr>
         <p:txBody>
           <a:bodyPr/>
           <a:lstStyle/>
           <a:p>
-            <a:pPr algn="ctr"/>
             <a:r>
               <a:rPr lang="en-GB" dirty="0"/>
-              <a:t>Appendix: E. coli reads - how I prepared the data</a:t>
+              <a:t>Coursework</a:t>
             </a:r>
           </a:p>
         </p:txBody>
@@ -5707,7 +6536,7 @@
           <p:cNvPr id="3" name="Content Placeholder 2">
             <a:extLst>
               <a:ext uri="{FF2B5EF4-FFF2-40B4-BE49-F238E27FC236}">
-                <a16:creationId xmlns:a16="http://schemas.microsoft.com/office/drawing/2014/main" id="{2F09C5D8-3302-42A6-87DC-F341ED64165B}"/>
+                <a16:creationId xmlns:a16="http://schemas.microsoft.com/office/drawing/2014/main" id="{04C7A4CD-935C-4D96-812D-96891FEF56C3}"/>
               </a:ext>
             </a:extLst>
           </p:cNvPr>
@@ -5718,153 +6547,833 @@
             <p:ph idx="1"/>
           </p:nvPr>
         </p:nvSpPr>
-        <p:spPr/>
-        <p:txBody>
-          <a:bodyPr>
-            <a:normAutofit fontScale="85000" lnSpcReduction="20000"/>
-          </a:bodyPr>
-          <a:lstStyle/>
-          <a:p>
-            <a:r>
-              <a:rPr lang="en-GB" dirty="0" err="1"/>
-              <a:t>wget</a:t>
-            </a:r>
+        <p:spPr>
+          <a:xfrm>
+            <a:off x="144517" y="911225"/>
+            <a:ext cx="10515600" cy="4351338"/>
+          </a:xfrm>
+        </p:spPr>
+        <p:txBody>
+          <a:bodyPr/>
+          <a:lstStyle/>
+          <a:p>
             <a:r>
               <a:rPr lang="en-GB" dirty="0"/>
-              <a:t> </a:t>
+              <a:t>Can you apply all you have learnt (also looking back at the resources) and identify the unknown infections for our patients?</a:t>
+            </a:r>
+          </a:p>
+          <a:p>
+            <a:r>
+              <a:rPr lang="en-GB" dirty="0"/>
+              <a:t>Reads are in : </a:t>
             </a:r>
             <a:r>
               <a:rPr lang="en-GB" dirty="0">
+                <a:solidFill>
+                  <a:srgbClr val="FF0000"/>
+                </a:solidFill>
+              </a:rPr>
+              <a:t>$HOME/</a:t>
+            </a:r>
+            <a:r>
+              <a:rPr lang="en-GB" dirty="0" err="1">
+                <a:solidFill>
+                  <a:srgbClr val="FF0000"/>
+                </a:solidFill>
+              </a:rPr>
+              <a:t>Msc_Digital_Health</a:t>
+            </a:r>
+            <a:r>
+              <a:rPr lang="en-GB" dirty="0">
+                <a:solidFill>
+                  <a:srgbClr val="FF0000"/>
+                </a:solidFill>
+              </a:rPr>
+              <a:t>/</a:t>
+            </a:r>
+            <a:r>
+              <a:rPr lang="en-GB" dirty="0" err="1">
+                <a:solidFill>
+                  <a:srgbClr val="FF0000"/>
+                </a:solidFill>
+              </a:rPr>
+              <a:t>coursework_reads</a:t>
+            </a:r>
+            <a:r>
+              <a:rPr lang="en-GB" dirty="0">
+                <a:solidFill>
+                  <a:srgbClr val="FF0000"/>
+                </a:solidFill>
+              </a:rPr>
+              <a:t>/</a:t>
+            </a:r>
+          </a:p>
+          <a:p>
+            <a:r>
+              <a:rPr lang="en-GB" dirty="0">
+                <a:solidFill>
+                  <a:srgbClr val="FF0000"/>
+                </a:solidFill>
                 <a:hlinkClick r:id="rId2"/>
               </a:rPr>
-              <a:t>ftp://ftp.sra.ebi.ac.uk/vol1/fastq/DRR021/DRR021340/DRR021340_1.fastq.gz</a:t>
-            </a:r>
-            <a:endParaRPr lang="en-GB" dirty="0"/>
-          </a:p>
-          <a:p>
-            <a:r>
-              <a:rPr lang="en-GB" dirty="0" err="1"/>
-              <a:t>wget</a:t>
-            </a:r>
-            <a:r>
-              <a:rPr lang="en-GB" dirty="0"/>
-              <a:t> </a:t>
-            </a:r>
-            <a:r>
-              <a:rPr lang="en-GB" dirty="0">
-                <a:hlinkClick r:id="rId3"/>
-              </a:rPr>
-              <a:t>ftp://ftp.sra.ebi.ac.uk/vol1/fastq/DRR021/DRR021340/DRR021340_2.fastq.gz</a:t>
-            </a:r>
-            <a:endParaRPr lang="en-GB" dirty="0"/>
-          </a:p>
-          <a:p>
-            <a:r>
-              <a:rPr lang="en-GB" dirty="0" err="1"/>
-              <a:t>pigz</a:t>
-            </a:r>
-            <a:r>
-              <a:rPr lang="en-GB" dirty="0"/>
-              <a:t> -d *.</a:t>
-            </a:r>
-            <a:r>
-              <a:rPr lang="en-GB" dirty="0" err="1"/>
-              <a:t>gzconda</a:t>
-            </a:r>
-            <a:r>
-              <a:rPr lang="en-GB" dirty="0"/>
-              <a:t> activate python27 python Filter_fastq_for_every_nth_sequence.py -</a:t>
-            </a:r>
-            <a:r>
-              <a:rPr lang="en-GB" dirty="0" err="1"/>
-              <a:t>i</a:t>
-            </a:r>
-            <a:r>
-              <a:rPr lang="en-GB" dirty="0"/>
-              <a:t> DRR021340_1.fastq -n 50 -o subsampled_R1.fastqpython Filter_fastq_for_every_nth_sequence.py -</a:t>
-            </a:r>
-            <a:r>
-              <a:rPr lang="en-GB" dirty="0" err="1"/>
-              <a:t>i</a:t>
-            </a:r>
-            <a:r>
-              <a:rPr lang="en-GB" dirty="0"/>
-              <a:t> DRR021340_2.fastq -n 50 -o subsampled_R2.fastq</a:t>
-            </a:r>
-          </a:p>
-          <a:p>
-            <a:endParaRPr lang="en-GB" dirty="0">
-              <a:solidFill>
-                <a:srgbClr val="0070C0"/>
-              </a:solidFill>
-            </a:endParaRPr>
-          </a:p>
-          <a:p>
+              <a:t>https://github.com/peterthorpe5/Msc_Digital_Health/blob/main/GD5302_Genetics_practical.pdf</a:t>
+            </a:r>
             <a:r>
               <a:rPr lang="en-GB" dirty="0">
                 <a:solidFill>
-                  <a:srgbClr val="0070C0"/>
+                  <a:srgbClr val="FF0000"/>
                 </a:solidFill>
               </a:rPr>
-              <a:t>python ../scripts/Filter_fastq_for_every_nth_sequence.py -</a:t>
-            </a:r>
-            <a:r>
-              <a:rPr lang="en-GB" dirty="0" err="1">
-                <a:solidFill>
-                  <a:srgbClr val="0070C0"/>
-                </a:solidFill>
-              </a:rPr>
-              <a:t>i</a:t>
-            </a:r>
-            <a:r>
-              <a:rPr lang="en-GB" dirty="0">
-                <a:solidFill>
-                  <a:srgbClr val="0070C0"/>
-                </a:solidFill>
-              </a:rPr>
-              <a:t> illumina_R1.fq -n 5 -o subsampled_R1.fastqpython ../scripts/Filter_fastq_for_every_nth_sequence.py -</a:t>
-            </a:r>
-            <a:r>
-              <a:rPr lang="en-GB" dirty="0" err="1">
-                <a:solidFill>
-                  <a:srgbClr val="0070C0"/>
-                </a:solidFill>
-              </a:rPr>
-              <a:t>i</a:t>
-            </a:r>
-            <a:r>
-              <a:rPr lang="en-GB" dirty="0">
-                <a:solidFill>
-                  <a:srgbClr val="0070C0"/>
-                </a:solidFill>
-              </a:rPr>
-              <a:t> illumina_R2.fq -n 5 -o subsampled_R2.fastq</a:t>
-            </a:r>
-          </a:p>
-          <a:p>
-            <a:r>
-              <a:rPr lang="en-GB" dirty="0" err="1">
-                <a:solidFill>
-                  <a:srgbClr val="0070C0"/>
-                </a:solidFill>
-              </a:rPr>
-              <a:t>pigz</a:t>
-            </a:r>
-            <a:r>
-              <a:rPr lang="en-GB" dirty="0">
-                <a:solidFill>
-                  <a:srgbClr val="0070C0"/>
-                </a:solidFill>
-              </a:rPr>
-              <a:t> *</a:t>
-            </a:r>
-          </a:p>
-        </p:txBody>
-      </p:sp>
+              <a:t> </a:t>
+            </a:r>
+          </a:p>
+        </p:txBody>
+      </p:sp>
+      <p:graphicFrame>
+        <p:nvGraphicFramePr>
+          <p:cNvPr id="4" name="Table 3">
+            <a:extLst>
+              <a:ext uri="{FF2B5EF4-FFF2-40B4-BE49-F238E27FC236}">
+                <a16:creationId xmlns:a16="http://schemas.microsoft.com/office/drawing/2014/main" id="{8ECF11E6-67F1-4660-BD97-F89548AF9CB8}"/>
+              </a:ext>
+            </a:extLst>
+          </p:cNvPr>
+          <p:cNvGraphicFramePr>
+            <a:graphicFrameLocks noGrp="1"/>
+          </p:cNvGraphicFramePr>
+          <p:nvPr>
+            <p:extLst>
+              <p:ext uri="{D42A27DB-BD31-4B8C-83A1-F6EECF244321}">
+                <p14:modId xmlns:p14="http://schemas.microsoft.com/office/powerpoint/2010/main" val="1237938290"/>
+              </p:ext>
+            </p:extLst>
+          </p:nvPr>
+        </p:nvGraphicFramePr>
+        <p:xfrm>
+          <a:off x="472966" y="3300248"/>
+          <a:ext cx="4256688" cy="3192629"/>
+        </p:xfrm>
+        <a:graphic>
+          <a:graphicData uri="http://schemas.openxmlformats.org/drawingml/2006/table">
+            <a:tbl>
+              <a:tblPr>
+                <a:tableStyleId>{5C22544A-7EE6-4342-B048-85BDC9FD1C3A}</a:tableStyleId>
+              </a:tblPr>
+              <a:tblGrid>
+                <a:gridCol w="1418896">
+                  <a:extLst>
+                    <a:ext uri="{9D8B030D-6E8A-4147-A177-3AD203B41FA5}">
+                      <a16:colId xmlns:a16="http://schemas.microsoft.com/office/drawing/2014/main" val="345529644"/>
+                    </a:ext>
+                  </a:extLst>
+                </a:gridCol>
+                <a:gridCol w="1418896">
+                  <a:extLst>
+                    <a:ext uri="{9D8B030D-6E8A-4147-A177-3AD203B41FA5}">
+                      <a16:colId xmlns:a16="http://schemas.microsoft.com/office/drawing/2014/main" val="1834831810"/>
+                    </a:ext>
+                  </a:extLst>
+                </a:gridCol>
+                <a:gridCol w="1418896">
+                  <a:extLst>
+                    <a:ext uri="{9D8B030D-6E8A-4147-A177-3AD203B41FA5}">
+                      <a16:colId xmlns:a16="http://schemas.microsoft.com/office/drawing/2014/main" val="1322716873"/>
+                    </a:ext>
+                  </a:extLst>
+                </a:gridCol>
+              </a:tblGrid>
+              <a:tr h="319263">
+                <a:tc>
+                  <a:txBody>
+                    <a:bodyPr/>
+                    <a:lstStyle/>
+                    <a:p>
+                      <a:pPr algn="ctr" fontAlgn="ctr"/>
+                      <a:r>
+                        <a:rPr lang="en-GB" sz="800" u="none" strike="noStrike">
+                          <a:effectLst/>
+                        </a:rPr>
+                        <a:t>Patient</a:t>
+                      </a:r>
+                      <a:endParaRPr lang="en-GB" sz="800" b="1" i="0" u="none" strike="noStrike">
+                        <a:solidFill>
+                          <a:srgbClr val="24292E"/>
+                        </a:solidFill>
+                        <a:effectLst/>
+                        <a:latin typeface="Segoe UI" panose="020B0502040204020203" pitchFamily="34" charset="0"/>
+                      </a:endParaRPr>
+                    </a:p>
+                  </a:txBody>
+                  <a:tcPr marL="6350" marR="6350" marT="6350" marB="0" anchor="ctr"/>
+                </a:tc>
+                <a:tc>
+                  <a:txBody>
+                    <a:bodyPr/>
+                    <a:lstStyle/>
+                    <a:p>
+                      <a:pPr algn="ctr" fontAlgn="ctr"/>
+                      <a:r>
+                        <a:rPr lang="en-GB" sz="800" u="none" strike="noStrike">
+                          <a:effectLst/>
+                        </a:rPr>
+                        <a:t>reads</a:t>
+                      </a:r>
+                      <a:endParaRPr lang="en-GB" sz="800" b="1" i="0" u="none" strike="noStrike">
+                        <a:solidFill>
+                          <a:srgbClr val="24292E"/>
+                        </a:solidFill>
+                        <a:effectLst/>
+                        <a:latin typeface="Segoe UI" panose="020B0502040204020203" pitchFamily="34" charset="0"/>
+                      </a:endParaRPr>
+                    </a:p>
+                  </a:txBody>
+                  <a:tcPr marL="6350" marR="6350" marT="6350" marB="0" anchor="ctr"/>
+                </a:tc>
+                <a:tc>
+                  <a:txBody>
+                    <a:bodyPr/>
+                    <a:lstStyle/>
+                    <a:p>
+                      <a:pPr algn="ctr" fontAlgn="ctr"/>
+                      <a:r>
+                        <a:rPr lang="en-GB" sz="800" u="none" strike="noStrike">
+                          <a:effectLst/>
+                        </a:rPr>
+                        <a:t>disease_cause</a:t>
+                      </a:r>
+                      <a:endParaRPr lang="en-GB" sz="800" b="1" i="0" u="none" strike="noStrike">
+                        <a:solidFill>
+                          <a:srgbClr val="24292E"/>
+                        </a:solidFill>
+                        <a:effectLst/>
+                        <a:latin typeface="Segoe UI" panose="020B0502040204020203" pitchFamily="34" charset="0"/>
+                      </a:endParaRPr>
+                    </a:p>
+                  </a:txBody>
+                  <a:tcPr marL="6350" marR="6350" marT="6350" marB="0" anchor="ctr"/>
+                </a:tc>
+                <a:extLst>
+                  <a:ext uri="{0D108BD9-81ED-4DB2-BD59-A6C34878D82A}">
+                    <a16:rowId xmlns:a16="http://schemas.microsoft.com/office/drawing/2014/main" val="419635905"/>
+                  </a:ext>
+                </a:extLst>
+              </a:tr>
+              <a:tr h="319263">
+                <a:tc>
+                  <a:txBody>
+                    <a:bodyPr/>
+                    <a:lstStyle/>
+                    <a:p>
+                      <a:pPr algn="ctr" fontAlgn="ctr"/>
+                      <a:r>
+                        <a:rPr lang="en-GB" sz="800" u="none" strike="noStrike">
+                          <a:effectLst/>
+                        </a:rPr>
+                        <a:t>Patient_007</a:t>
+                      </a:r>
+                      <a:endParaRPr lang="en-GB" sz="800" b="0" i="0" u="none" strike="noStrike">
+                        <a:solidFill>
+                          <a:srgbClr val="24292E"/>
+                        </a:solidFill>
+                        <a:effectLst/>
+                        <a:latin typeface="Segoe UI" panose="020B0502040204020203" pitchFamily="34" charset="0"/>
+                      </a:endParaRPr>
+                    </a:p>
+                  </a:txBody>
+                  <a:tcPr marL="6350" marR="6350" marT="38100" marB="38100" anchor="ctr"/>
+                </a:tc>
+                <a:tc>
+                  <a:txBody>
+                    <a:bodyPr/>
+                    <a:lstStyle/>
+                    <a:p>
+                      <a:pPr algn="ctr" fontAlgn="ctr"/>
+                      <a:r>
+                        <a:rPr lang="en-GB" sz="800" u="none" strike="noStrike">
+                          <a:effectLst/>
+                        </a:rPr>
+                        <a:t>patient_007_1.fastq.gz</a:t>
+                      </a:r>
+                      <a:endParaRPr lang="en-GB" sz="800" b="0" i="0" u="none" strike="noStrike">
+                        <a:solidFill>
+                          <a:srgbClr val="24292E"/>
+                        </a:solidFill>
+                        <a:effectLst/>
+                        <a:latin typeface="Segoe UI" panose="020B0502040204020203" pitchFamily="34" charset="0"/>
+                      </a:endParaRPr>
+                    </a:p>
+                  </a:txBody>
+                  <a:tcPr marL="6350" marR="6350" marT="38100" marB="38100" anchor="ctr"/>
+                </a:tc>
+                <a:tc>
+                  <a:txBody>
+                    <a:bodyPr/>
+                    <a:lstStyle/>
+                    <a:p>
+                      <a:pPr algn="ctr" fontAlgn="ctr"/>
+                      <a:r>
+                        <a:rPr lang="en-GB" sz="800" u="none" strike="noStrike">
+                          <a:effectLst/>
+                        </a:rPr>
+                        <a:t>?</a:t>
+                      </a:r>
+                      <a:endParaRPr lang="en-GB" sz="800" b="0" i="0" u="none" strike="noStrike">
+                        <a:solidFill>
+                          <a:srgbClr val="24292E"/>
+                        </a:solidFill>
+                        <a:effectLst/>
+                        <a:latin typeface="Segoe UI" panose="020B0502040204020203" pitchFamily="34" charset="0"/>
+                      </a:endParaRPr>
+                    </a:p>
+                  </a:txBody>
+                  <a:tcPr marL="6350" marR="6350" marT="38100" marB="38100" anchor="ctr"/>
+                </a:tc>
+                <a:extLst>
+                  <a:ext uri="{0D108BD9-81ED-4DB2-BD59-A6C34878D82A}">
+                    <a16:rowId xmlns:a16="http://schemas.microsoft.com/office/drawing/2014/main" val="1326739165"/>
+                  </a:ext>
+                </a:extLst>
+              </a:tr>
+              <a:tr h="319263">
+                <a:tc>
+                  <a:txBody>
+                    <a:bodyPr/>
+                    <a:lstStyle/>
+                    <a:p>
+                      <a:pPr algn="ctr" fontAlgn="ctr"/>
+                      <a:r>
+                        <a:rPr lang="en-GB" sz="800" u="none" strike="noStrike">
+                          <a:effectLst/>
+                        </a:rPr>
+                        <a:t>Patient_007</a:t>
+                      </a:r>
+                      <a:endParaRPr lang="en-GB" sz="800" b="0" i="0" u="none" strike="noStrike">
+                        <a:solidFill>
+                          <a:srgbClr val="24292E"/>
+                        </a:solidFill>
+                        <a:effectLst/>
+                        <a:latin typeface="Segoe UI" panose="020B0502040204020203" pitchFamily="34" charset="0"/>
+                      </a:endParaRPr>
+                    </a:p>
+                  </a:txBody>
+                  <a:tcPr marL="6350" marR="6350" marT="38100" marB="38100" anchor="ctr"/>
+                </a:tc>
+                <a:tc>
+                  <a:txBody>
+                    <a:bodyPr/>
+                    <a:lstStyle/>
+                    <a:p>
+                      <a:pPr algn="ctr" fontAlgn="ctr"/>
+                      <a:r>
+                        <a:rPr lang="en-GB" sz="800" u="none" strike="noStrike">
+                          <a:effectLst/>
+                        </a:rPr>
+                        <a:t>patient_007_2.fastq.gz</a:t>
+                      </a:r>
+                      <a:endParaRPr lang="en-GB" sz="800" b="0" i="0" u="none" strike="noStrike">
+                        <a:solidFill>
+                          <a:srgbClr val="24292E"/>
+                        </a:solidFill>
+                        <a:effectLst/>
+                        <a:latin typeface="Segoe UI" panose="020B0502040204020203" pitchFamily="34" charset="0"/>
+                      </a:endParaRPr>
+                    </a:p>
+                  </a:txBody>
+                  <a:tcPr marL="6350" marR="6350" marT="38100" marB="38100" anchor="ctr"/>
+                </a:tc>
+                <a:tc>
+                  <a:txBody>
+                    <a:bodyPr/>
+                    <a:lstStyle/>
+                    <a:p>
+                      <a:pPr algn="ctr" fontAlgn="ctr"/>
+                      <a:r>
+                        <a:rPr lang="en-GB" sz="800" u="none" strike="noStrike">
+                          <a:effectLst/>
+                        </a:rPr>
+                        <a:t>?</a:t>
+                      </a:r>
+                      <a:endParaRPr lang="en-GB" sz="800" b="0" i="0" u="none" strike="noStrike">
+                        <a:solidFill>
+                          <a:srgbClr val="24292E"/>
+                        </a:solidFill>
+                        <a:effectLst/>
+                        <a:latin typeface="Segoe UI" panose="020B0502040204020203" pitchFamily="34" charset="0"/>
+                      </a:endParaRPr>
+                    </a:p>
+                  </a:txBody>
+                  <a:tcPr marL="6350" marR="6350" marT="38100" marB="38100" anchor="ctr"/>
+                </a:tc>
+                <a:extLst>
+                  <a:ext uri="{0D108BD9-81ED-4DB2-BD59-A6C34878D82A}">
+                    <a16:rowId xmlns:a16="http://schemas.microsoft.com/office/drawing/2014/main" val="1538635183"/>
+                  </a:ext>
+                </a:extLst>
+              </a:tr>
+              <a:tr h="319263">
+                <a:tc>
+                  <a:txBody>
+                    <a:bodyPr/>
+                    <a:lstStyle/>
+                    <a:p>
+                      <a:pPr algn="ctr" fontAlgn="ctr"/>
+                      <a:r>
+                        <a:rPr lang="en-GB" sz="800" u="none" strike="noStrike">
+                          <a:effectLst/>
+                        </a:rPr>
+                        <a:t>Patient_A</a:t>
+                      </a:r>
+                      <a:endParaRPr lang="en-GB" sz="800" b="0" i="0" u="none" strike="noStrike">
+                        <a:solidFill>
+                          <a:srgbClr val="24292E"/>
+                        </a:solidFill>
+                        <a:effectLst/>
+                        <a:latin typeface="Segoe UI" panose="020B0502040204020203" pitchFamily="34" charset="0"/>
+                      </a:endParaRPr>
+                    </a:p>
+                  </a:txBody>
+                  <a:tcPr marL="6350" marR="6350" marT="38100" marB="38100" anchor="ctr"/>
+                </a:tc>
+                <a:tc>
+                  <a:txBody>
+                    <a:bodyPr/>
+                    <a:lstStyle/>
+                    <a:p>
+                      <a:pPr algn="ctr" fontAlgn="ctr"/>
+                      <a:r>
+                        <a:rPr lang="fr-FR" sz="800" u="none" strike="noStrike">
+                          <a:effectLst/>
+                        </a:rPr>
+                        <a:t>patient_A_1.fastq.gz</a:t>
+                      </a:r>
+                      <a:endParaRPr lang="fr-FR" sz="800" b="0" i="0" u="none" strike="noStrike">
+                        <a:solidFill>
+                          <a:srgbClr val="24292E"/>
+                        </a:solidFill>
+                        <a:effectLst/>
+                        <a:latin typeface="Segoe UI" panose="020B0502040204020203" pitchFamily="34" charset="0"/>
+                      </a:endParaRPr>
+                    </a:p>
+                  </a:txBody>
+                  <a:tcPr marL="6350" marR="6350" marT="38100" marB="38100" anchor="ctr"/>
+                </a:tc>
+                <a:tc>
+                  <a:txBody>
+                    <a:bodyPr/>
+                    <a:lstStyle/>
+                    <a:p>
+                      <a:pPr algn="ctr" fontAlgn="ctr"/>
+                      <a:r>
+                        <a:rPr lang="en-GB" sz="800" u="none" strike="noStrike">
+                          <a:effectLst/>
+                        </a:rPr>
+                        <a:t>?</a:t>
+                      </a:r>
+                      <a:endParaRPr lang="en-GB" sz="800" b="0" i="0" u="none" strike="noStrike">
+                        <a:solidFill>
+                          <a:srgbClr val="24292E"/>
+                        </a:solidFill>
+                        <a:effectLst/>
+                        <a:latin typeface="Segoe UI" panose="020B0502040204020203" pitchFamily="34" charset="0"/>
+                      </a:endParaRPr>
+                    </a:p>
+                  </a:txBody>
+                  <a:tcPr marL="6350" marR="6350" marT="38100" marB="38100" anchor="ctr"/>
+                </a:tc>
+                <a:extLst>
+                  <a:ext uri="{0D108BD9-81ED-4DB2-BD59-A6C34878D82A}">
+                    <a16:rowId xmlns:a16="http://schemas.microsoft.com/office/drawing/2014/main" val="2569871010"/>
+                  </a:ext>
+                </a:extLst>
+              </a:tr>
+              <a:tr h="319263">
+                <a:tc>
+                  <a:txBody>
+                    <a:bodyPr/>
+                    <a:lstStyle/>
+                    <a:p>
+                      <a:pPr algn="ctr" fontAlgn="ctr"/>
+                      <a:r>
+                        <a:rPr lang="en-GB" sz="800" u="none" strike="noStrike">
+                          <a:effectLst/>
+                        </a:rPr>
+                        <a:t>Patient_A</a:t>
+                      </a:r>
+                      <a:endParaRPr lang="en-GB" sz="800" b="0" i="0" u="none" strike="noStrike">
+                        <a:solidFill>
+                          <a:srgbClr val="24292E"/>
+                        </a:solidFill>
+                        <a:effectLst/>
+                        <a:latin typeface="Segoe UI" panose="020B0502040204020203" pitchFamily="34" charset="0"/>
+                      </a:endParaRPr>
+                    </a:p>
+                  </a:txBody>
+                  <a:tcPr marL="6350" marR="6350" marT="38100" marB="38100" anchor="ctr"/>
+                </a:tc>
+                <a:tc>
+                  <a:txBody>
+                    <a:bodyPr/>
+                    <a:lstStyle/>
+                    <a:p>
+                      <a:pPr algn="ctr" fontAlgn="ctr"/>
+                      <a:r>
+                        <a:rPr lang="fr-FR" sz="800" u="none" strike="noStrike">
+                          <a:effectLst/>
+                        </a:rPr>
+                        <a:t>patient_A_2.fastq.gz</a:t>
+                      </a:r>
+                      <a:endParaRPr lang="fr-FR" sz="800" b="0" i="0" u="none" strike="noStrike">
+                        <a:solidFill>
+                          <a:srgbClr val="24292E"/>
+                        </a:solidFill>
+                        <a:effectLst/>
+                        <a:latin typeface="Segoe UI" panose="020B0502040204020203" pitchFamily="34" charset="0"/>
+                      </a:endParaRPr>
+                    </a:p>
+                  </a:txBody>
+                  <a:tcPr marL="6350" marR="6350" marT="38100" marB="38100" anchor="ctr"/>
+                </a:tc>
+                <a:tc>
+                  <a:txBody>
+                    <a:bodyPr/>
+                    <a:lstStyle/>
+                    <a:p>
+                      <a:pPr algn="ctr" fontAlgn="ctr"/>
+                      <a:r>
+                        <a:rPr lang="en-GB" sz="800" u="none" strike="noStrike">
+                          <a:effectLst/>
+                        </a:rPr>
+                        <a:t>?</a:t>
+                      </a:r>
+                      <a:endParaRPr lang="en-GB" sz="800" b="0" i="0" u="none" strike="noStrike">
+                        <a:solidFill>
+                          <a:srgbClr val="24292E"/>
+                        </a:solidFill>
+                        <a:effectLst/>
+                        <a:latin typeface="Segoe UI" panose="020B0502040204020203" pitchFamily="34" charset="0"/>
+                      </a:endParaRPr>
+                    </a:p>
+                  </a:txBody>
+                  <a:tcPr marL="6350" marR="6350" marT="38100" marB="38100" anchor="ctr"/>
+                </a:tc>
+                <a:extLst>
+                  <a:ext uri="{0D108BD9-81ED-4DB2-BD59-A6C34878D82A}">
+                    <a16:rowId xmlns:a16="http://schemas.microsoft.com/office/drawing/2014/main" val="3544842788"/>
+                  </a:ext>
+                </a:extLst>
+              </a:tr>
+              <a:tr h="319263">
+                <a:tc>
+                  <a:txBody>
+                    <a:bodyPr/>
+                    <a:lstStyle/>
+                    <a:p>
+                      <a:pPr algn="ctr" fontAlgn="ctr"/>
+                      <a:r>
+                        <a:rPr lang="en-GB" sz="800" u="none" strike="noStrike">
+                          <a:effectLst/>
+                        </a:rPr>
+                        <a:t>Patient_B</a:t>
+                      </a:r>
+                      <a:endParaRPr lang="en-GB" sz="800" b="0" i="0" u="none" strike="noStrike">
+                        <a:solidFill>
+                          <a:srgbClr val="24292E"/>
+                        </a:solidFill>
+                        <a:effectLst/>
+                        <a:latin typeface="Segoe UI" panose="020B0502040204020203" pitchFamily="34" charset="0"/>
+                      </a:endParaRPr>
+                    </a:p>
+                  </a:txBody>
+                  <a:tcPr marL="6350" marR="6350" marT="38100" marB="38100" anchor="ctr"/>
+                </a:tc>
+                <a:tc>
+                  <a:txBody>
+                    <a:bodyPr/>
+                    <a:lstStyle/>
+                    <a:p>
+                      <a:pPr algn="ctr" fontAlgn="ctr"/>
+                      <a:r>
+                        <a:rPr lang="en-GB" sz="800" u="none" strike="noStrike">
+                          <a:effectLst/>
+                        </a:rPr>
+                        <a:t>patient_B_1.fastq.gz</a:t>
+                      </a:r>
+                      <a:endParaRPr lang="en-GB" sz="800" b="0" i="0" u="none" strike="noStrike">
+                        <a:solidFill>
+                          <a:srgbClr val="24292E"/>
+                        </a:solidFill>
+                        <a:effectLst/>
+                        <a:latin typeface="Segoe UI" panose="020B0502040204020203" pitchFamily="34" charset="0"/>
+                      </a:endParaRPr>
+                    </a:p>
+                  </a:txBody>
+                  <a:tcPr marL="6350" marR="6350" marT="38100" marB="38100" anchor="ctr"/>
+                </a:tc>
+                <a:tc>
+                  <a:txBody>
+                    <a:bodyPr/>
+                    <a:lstStyle/>
+                    <a:p>
+                      <a:pPr algn="ctr" fontAlgn="ctr"/>
+                      <a:r>
+                        <a:rPr lang="en-GB" sz="800" u="none" strike="noStrike">
+                          <a:effectLst/>
+                        </a:rPr>
+                        <a:t>?</a:t>
+                      </a:r>
+                      <a:endParaRPr lang="en-GB" sz="800" b="0" i="0" u="none" strike="noStrike">
+                        <a:solidFill>
+                          <a:srgbClr val="24292E"/>
+                        </a:solidFill>
+                        <a:effectLst/>
+                        <a:latin typeface="Segoe UI" panose="020B0502040204020203" pitchFamily="34" charset="0"/>
+                      </a:endParaRPr>
+                    </a:p>
+                  </a:txBody>
+                  <a:tcPr marL="6350" marR="6350" marT="38100" marB="38100" anchor="ctr"/>
+                </a:tc>
+                <a:extLst>
+                  <a:ext uri="{0D108BD9-81ED-4DB2-BD59-A6C34878D82A}">
+                    <a16:rowId xmlns:a16="http://schemas.microsoft.com/office/drawing/2014/main" val="220577796"/>
+                  </a:ext>
+                </a:extLst>
+              </a:tr>
+              <a:tr h="319263">
+                <a:tc>
+                  <a:txBody>
+                    <a:bodyPr/>
+                    <a:lstStyle/>
+                    <a:p>
+                      <a:pPr algn="ctr" fontAlgn="ctr"/>
+                      <a:r>
+                        <a:rPr lang="en-GB" sz="800" u="none" strike="noStrike">
+                          <a:effectLst/>
+                        </a:rPr>
+                        <a:t>Patient_B</a:t>
+                      </a:r>
+                      <a:endParaRPr lang="en-GB" sz="800" b="0" i="0" u="none" strike="noStrike">
+                        <a:solidFill>
+                          <a:srgbClr val="24292E"/>
+                        </a:solidFill>
+                        <a:effectLst/>
+                        <a:latin typeface="Segoe UI" panose="020B0502040204020203" pitchFamily="34" charset="0"/>
+                      </a:endParaRPr>
+                    </a:p>
+                  </a:txBody>
+                  <a:tcPr marL="6350" marR="6350" marT="38100" marB="38100" anchor="ctr"/>
+                </a:tc>
+                <a:tc>
+                  <a:txBody>
+                    <a:bodyPr/>
+                    <a:lstStyle/>
+                    <a:p>
+                      <a:pPr algn="ctr" fontAlgn="ctr"/>
+                      <a:r>
+                        <a:rPr lang="en-GB" sz="800" u="none" strike="noStrike">
+                          <a:effectLst/>
+                        </a:rPr>
+                        <a:t>patient_B_2.fastq.gz</a:t>
+                      </a:r>
+                      <a:endParaRPr lang="en-GB" sz="800" b="0" i="0" u="none" strike="noStrike">
+                        <a:solidFill>
+                          <a:srgbClr val="24292E"/>
+                        </a:solidFill>
+                        <a:effectLst/>
+                        <a:latin typeface="Segoe UI" panose="020B0502040204020203" pitchFamily="34" charset="0"/>
+                      </a:endParaRPr>
+                    </a:p>
+                  </a:txBody>
+                  <a:tcPr marL="6350" marR="6350" marT="38100" marB="38100" anchor="ctr"/>
+                </a:tc>
+                <a:tc>
+                  <a:txBody>
+                    <a:bodyPr/>
+                    <a:lstStyle/>
+                    <a:p>
+                      <a:pPr algn="ctr" fontAlgn="ctr"/>
+                      <a:r>
+                        <a:rPr lang="en-GB" sz="800" u="none" strike="noStrike">
+                          <a:effectLst/>
+                        </a:rPr>
+                        <a:t>?</a:t>
+                      </a:r>
+                      <a:endParaRPr lang="en-GB" sz="800" b="0" i="0" u="none" strike="noStrike">
+                        <a:solidFill>
+                          <a:srgbClr val="24292E"/>
+                        </a:solidFill>
+                        <a:effectLst/>
+                        <a:latin typeface="Segoe UI" panose="020B0502040204020203" pitchFamily="34" charset="0"/>
+                      </a:endParaRPr>
+                    </a:p>
+                  </a:txBody>
+                  <a:tcPr marL="6350" marR="6350" marT="38100" marB="38100" anchor="ctr"/>
+                </a:tc>
+                <a:extLst>
+                  <a:ext uri="{0D108BD9-81ED-4DB2-BD59-A6C34878D82A}">
+                    <a16:rowId xmlns:a16="http://schemas.microsoft.com/office/drawing/2014/main" val="619972345"/>
+                  </a:ext>
+                </a:extLst>
+              </a:tr>
+              <a:tr h="478894">
+                <a:tc>
+                  <a:txBody>
+                    <a:bodyPr/>
+                    <a:lstStyle/>
+                    <a:p>
+                      <a:pPr algn="ctr" fontAlgn="ctr"/>
+                      <a:r>
+                        <a:rPr lang="en-GB" sz="800" u="none" strike="noStrike">
+                          <a:effectLst/>
+                        </a:rPr>
+                        <a:t>Patient_WD40</a:t>
+                      </a:r>
+                      <a:endParaRPr lang="en-GB" sz="800" b="0" i="0" u="none" strike="noStrike">
+                        <a:solidFill>
+                          <a:srgbClr val="24292E"/>
+                        </a:solidFill>
+                        <a:effectLst/>
+                        <a:latin typeface="Segoe UI" panose="020B0502040204020203" pitchFamily="34" charset="0"/>
+                      </a:endParaRPr>
+                    </a:p>
+                  </a:txBody>
+                  <a:tcPr marL="6350" marR="6350" marT="38100" marB="38100" anchor="ctr"/>
+                </a:tc>
+                <a:tc>
+                  <a:txBody>
+                    <a:bodyPr/>
+                    <a:lstStyle/>
+                    <a:p>
+                      <a:pPr algn="ctr" fontAlgn="ctr"/>
+                      <a:r>
+                        <a:rPr lang="en-GB" sz="800" u="none" strike="noStrike">
+                          <a:effectLst/>
+                        </a:rPr>
+                        <a:t>patient_WD40_1.fastq.gz</a:t>
+                      </a:r>
+                      <a:endParaRPr lang="en-GB" sz="800" b="0" i="0" u="none" strike="noStrike">
+                        <a:solidFill>
+                          <a:srgbClr val="24292E"/>
+                        </a:solidFill>
+                        <a:effectLst/>
+                        <a:latin typeface="Segoe UI" panose="020B0502040204020203" pitchFamily="34" charset="0"/>
+                      </a:endParaRPr>
+                    </a:p>
+                  </a:txBody>
+                  <a:tcPr marL="6350" marR="6350" marT="38100" marB="38100" anchor="ctr"/>
+                </a:tc>
+                <a:tc>
+                  <a:txBody>
+                    <a:bodyPr/>
+                    <a:lstStyle/>
+                    <a:p>
+                      <a:pPr algn="ctr" fontAlgn="ctr"/>
+                      <a:r>
+                        <a:rPr lang="en-GB" sz="800" u="none" strike="noStrike" dirty="0">
+                          <a:effectLst/>
+                        </a:rPr>
+                        <a:t>?</a:t>
+                      </a:r>
+                      <a:endParaRPr lang="en-GB" sz="800" b="0" i="0" u="none" strike="noStrike" dirty="0">
+                        <a:solidFill>
+                          <a:srgbClr val="24292E"/>
+                        </a:solidFill>
+                        <a:effectLst/>
+                        <a:latin typeface="Segoe UI" panose="020B0502040204020203" pitchFamily="34" charset="0"/>
+                      </a:endParaRPr>
+                    </a:p>
+                  </a:txBody>
+                  <a:tcPr marL="6350" marR="6350" marT="38100" marB="38100" anchor="ctr"/>
+                </a:tc>
+                <a:extLst>
+                  <a:ext uri="{0D108BD9-81ED-4DB2-BD59-A6C34878D82A}">
+                    <a16:rowId xmlns:a16="http://schemas.microsoft.com/office/drawing/2014/main" val="895563765"/>
+                  </a:ext>
+                </a:extLst>
+              </a:tr>
+              <a:tr h="478894">
+                <a:tc>
+                  <a:txBody>
+                    <a:bodyPr/>
+                    <a:lstStyle/>
+                    <a:p>
+                      <a:pPr algn="ctr" fontAlgn="ctr"/>
+                      <a:r>
+                        <a:rPr lang="en-GB" sz="800" u="none" strike="noStrike">
+                          <a:effectLst/>
+                        </a:rPr>
+                        <a:t>Patient_WD40</a:t>
+                      </a:r>
+                      <a:endParaRPr lang="en-GB" sz="800" b="0" i="0" u="none" strike="noStrike">
+                        <a:solidFill>
+                          <a:srgbClr val="24292E"/>
+                        </a:solidFill>
+                        <a:effectLst/>
+                        <a:latin typeface="Segoe UI" panose="020B0502040204020203" pitchFamily="34" charset="0"/>
+                      </a:endParaRPr>
+                    </a:p>
+                  </a:txBody>
+                  <a:tcPr marL="6350" marR="6350" marT="38100" marB="38100" anchor="ctr"/>
+                </a:tc>
+                <a:tc>
+                  <a:txBody>
+                    <a:bodyPr/>
+                    <a:lstStyle/>
+                    <a:p>
+                      <a:pPr algn="ctr" fontAlgn="ctr"/>
+                      <a:r>
+                        <a:rPr lang="en-GB" sz="800" u="none" strike="noStrike">
+                          <a:effectLst/>
+                        </a:rPr>
+                        <a:t>patient_WD40_2.fastq.gz</a:t>
+                      </a:r>
+                      <a:endParaRPr lang="en-GB" sz="800" b="0" i="0" u="none" strike="noStrike">
+                        <a:solidFill>
+                          <a:srgbClr val="24292E"/>
+                        </a:solidFill>
+                        <a:effectLst/>
+                        <a:latin typeface="Segoe UI" panose="020B0502040204020203" pitchFamily="34" charset="0"/>
+                      </a:endParaRPr>
+                    </a:p>
+                  </a:txBody>
+                  <a:tcPr marL="6350" marR="6350" marT="38100" marB="38100" anchor="ctr"/>
+                </a:tc>
+                <a:tc>
+                  <a:txBody>
+                    <a:bodyPr/>
+                    <a:lstStyle/>
+                    <a:p>
+                      <a:pPr algn="l" fontAlgn="b"/>
+                      <a:r>
+                        <a:rPr lang="en-GB" sz="1100" u="none" strike="noStrike" dirty="0">
+                          <a:effectLst/>
+                        </a:rPr>
+                        <a:t> </a:t>
+                      </a:r>
+                      <a:endParaRPr lang="en-GB" sz="1100" b="0" i="0" u="none" strike="noStrike" dirty="0">
+                        <a:solidFill>
+                          <a:srgbClr val="000000"/>
+                        </a:solidFill>
+                        <a:effectLst/>
+                        <a:latin typeface="Calibri" panose="020F0502020204030204" pitchFamily="34" charset="0"/>
+                      </a:endParaRPr>
+                    </a:p>
+                  </a:txBody>
+                  <a:tcPr marL="6350" marR="6350" marT="6350" marB="0" anchor="b"/>
+                </a:tc>
+                <a:extLst>
+                  <a:ext uri="{0D108BD9-81ED-4DB2-BD59-A6C34878D82A}">
+                    <a16:rowId xmlns:a16="http://schemas.microsoft.com/office/drawing/2014/main" val="1883989662"/>
+                  </a:ext>
+                </a:extLst>
+              </a:tr>
+            </a:tbl>
+          </a:graphicData>
+        </a:graphic>
+      </p:graphicFrame>
     </p:spTree>
     <p:extLst>
       <p:ext uri="{BB962C8B-B14F-4D97-AF65-F5344CB8AC3E}">
-        <p14:creationId xmlns:p14="http://schemas.microsoft.com/office/powerpoint/2010/main" val="2719166273"/>
+        <p14:creationId xmlns:p14="http://schemas.microsoft.com/office/powerpoint/2010/main" val="3495017066"/>
       </p:ext>
     </p:extLst>
   </p:cSld>
@@ -5896,7 +7405,7 @@
           <p:cNvPr id="2" name="Title 1">
             <a:extLst>
               <a:ext uri="{FF2B5EF4-FFF2-40B4-BE49-F238E27FC236}">
-                <a16:creationId xmlns:a16="http://schemas.microsoft.com/office/drawing/2014/main" id="{8B62767B-F7DA-4AF1-BD63-0D3477B5F8C9}"/>
+                <a16:creationId xmlns:a16="http://schemas.microsoft.com/office/drawing/2014/main" id="{0E5CBACD-7B60-411D-87DE-F21A7140DE1D}"/>
               </a:ext>
             </a:extLst>
           </p:cNvPr>
@@ -5909,7 +7418,7 @@
         </p:nvSpPr>
         <p:spPr>
           <a:xfrm>
-            <a:off x="838200" y="18255"/>
+            <a:off x="771525" y="-19837"/>
             <a:ext cx="10515600" cy="1325563"/>
           </a:xfrm>
         </p:spPr>
@@ -5920,7 +7429,7 @@
             <a:pPr algn="ctr"/>
             <a:r>
               <a:rPr lang="en-GB" dirty="0"/>
-              <a:t>Vim - command line editor	</a:t>
+              <a:t>The end</a:t>
             </a:r>
           </a:p>
         </p:txBody>
@@ -5930,7 +7439,7 @@
           <p:cNvPr id="3" name="Content Placeholder 2">
             <a:extLst>
               <a:ext uri="{FF2B5EF4-FFF2-40B4-BE49-F238E27FC236}">
-                <a16:creationId xmlns:a16="http://schemas.microsoft.com/office/drawing/2014/main" id="{BD9BF155-8EEC-4383-B730-AE51AA39D1DA}"/>
+                <a16:creationId xmlns:a16="http://schemas.microsoft.com/office/drawing/2014/main" id="{1AED1575-3EDC-464E-B43B-E1245C9CF1C8}"/>
               </a:ext>
             </a:extLst>
           </p:cNvPr>
@@ -5948,110 +7457,51 @@
           <a:p>
             <a:r>
               <a:rPr lang="en-GB" dirty="0"/>
-              <a:t>Command line editing is horrible. Sorry!</a:t>
-            </a:r>
-          </a:p>
-          <a:p>
-            <a:r>
-              <a:rPr lang="en-GB" dirty="0"/>
-              <a:t>Type </a:t>
-            </a:r>
-          </a:p>
-          <a:p>
-            <a:pPr marL="0" indent="0">
-              <a:buNone/>
-            </a:pPr>
-            <a:r>
-              <a:rPr lang="en-GB" dirty="0">
-                <a:solidFill>
-                  <a:schemeClr val="accent1"/>
-                </a:solidFill>
-              </a:rPr>
-              <a:t>vim </a:t>
-            </a:r>
-            <a:r>
-              <a:rPr lang="en-GB" dirty="0" err="1">
-                <a:solidFill>
-                  <a:schemeClr val="accent1"/>
-                </a:solidFill>
-              </a:rPr>
-              <a:t>name_of_file</a:t>
-            </a:r>
-            <a:endParaRPr lang="en-GB" dirty="0">
-              <a:solidFill>
-                <a:schemeClr val="accent1"/>
-              </a:solidFill>
-            </a:endParaRPr>
-          </a:p>
-          <a:p>
-            <a:pPr marL="0" indent="0">
-              <a:buNone/>
-            </a:pPr>
-            <a:endParaRPr lang="en-GB" dirty="0"/>
-          </a:p>
-          <a:p>
-            <a:pPr marL="0" indent="0">
-              <a:buNone/>
-            </a:pPr>
-            <a:r>
-              <a:rPr lang="en-GB" dirty="0"/>
-              <a:t>Press the </a:t>
-            </a:r>
-            <a:r>
-              <a:rPr lang="en-GB" dirty="0" err="1"/>
-              <a:t>i</a:t>
-            </a:r>
-            <a:r>
-              <a:rPr lang="en-GB" dirty="0"/>
-              <a:t> key to </a:t>
-            </a:r>
-            <a:r>
-              <a:rPr lang="en-GB" i="1" dirty="0"/>
-              <a:t>insert. </a:t>
-            </a:r>
-            <a:r>
-              <a:rPr lang="en-GB" dirty="0"/>
-              <a:t>Now you can delete, type or whatever.</a:t>
-            </a:r>
-          </a:p>
-          <a:p>
-            <a:pPr marL="0" indent="0">
-              <a:buNone/>
-            </a:pPr>
-            <a:endParaRPr lang="en-GB" i="1" dirty="0"/>
-          </a:p>
-          <a:p>
-            <a:pPr marL="0" indent="0">
-              <a:buNone/>
-            </a:pPr>
-            <a:r>
-              <a:rPr lang="en-GB" dirty="0"/>
-              <a:t>To save: ESC (Key),    :    then    </a:t>
-            </a:r>
-            <a:r>
-              <a:rPr lang="en-GB" dirty="0" err="1"/>
-              <a:t>wq</a:t>
-            </a:r>
-            <a:endParaRPr lang="en-GB" dirty="0"/>
-          </a:p>
-          <a:p>
-            <a:pPr marL="0" indent="0">
-              <a:buNone/>
-            </a:pPr>
-            <a:endParaRPr lang="en-GB" dirty="0"/>
-          </a:p>
-          <a:p>
-            <a:pPr marL="0" indent="0">
-              <a:buNone/>
-            </a:pPr>
-            <a:endParaRPr lang="en-GB" dirty="0"/>
-          </a:p>
-        </p:txBody>
-      </p:sp>
+              <a:t>Remember all bioinformatics is, it repeatedly pressing the red button and everything just happens</a:t>
+            </a:r>
+          </a:p>
+        </p:txBody>
+      </p:sp>
+      <p:pic>
+        <p:nvPicPr>
+          <p:cNvPr id="6" name="Picture 5" descr="A picture containing indoor, sitting, red, cup&#10;&#10;Description generated with very high confidence">
+            <a:extLst>
+              <a:ext uri="{FF2B5EF4-FFF2-40B4-BE49-F238E27FC236}">
+                <a16:creationId xmlns:a16="http://schemas.microsoft.com/office/drawing/2014/main" id="{7D4EE4B1-31A6-46D6-BDCF-675D4317859E}"/>
+              </a:ext>
+            </a:extLst>
+          </p:cNvPr>
+          <p:cNvPicPr>
+            <a:picLocks noChangeAspect="1"/>
+          </p:cNvPicPr>
+          <p:nvPr/>
+        </p:nvPicPr>
+        <p:blipFill>
+          <a:blip r:embed="rId2">
+            <a:extLst>
+              <a:ext uri="{28A0092B-C50C-407E-A947-70E740481C1C}">
+                <a14:useLocalDpi xmlns:a14="http://schemas.microsoft.com/office/drawing/2010/main" val="0"/>
+              </a:ext>
+            </a:extLst>
+          </a:blip>
+          <a:stretch>
+            <a:fillRect/>
+          </a:stretch>
+        </p:blipFill>
+        <p:spPr>
+          <a:xfrm>
+            <a:off x="3586571" y="3276710"/>
+            <a:ext cx="3761558" cy="3420152"/>
+          </a:xfrm>
+          <a:prstGeom prst="rect">
+            <a:avLst/>
+          </a:prstGeom>
+        </p:spPr>
+      </p:pic>
     </p:spTree>
     <p:extLst>
       <p:ext uri="{BB962C8B-B14F-4D97-AF65-F5344CB8AC3E}">
-        <p14:creationId xmlns:p14="http://schemas.microsoft.com/office/powerpoint/2010/main" val="1587015772"/>
+        <p14:creationId xmlns:p14="http://schemas.microsoft.com/office/powerpoint/2010/main" val="1874206286"/>
       </p:ext>
     </p:extLst>
   </p:cSld>
@@ -6160,6 +7610,416 @@
     <p:extLst>
       <p:ext uri="{BB962C8B-B14F-4D97-AF65-F5344CB8AC3E}">
         <p14:creationId xmlns:p14="http://schemas.microsoft.com/office/powerpoint/2010/main" val="1501547315"/>
+      </p:ext>
+    </p:extLst>
+  </p:cSld>
+  <p:clrMapOvr>
+    <a:masterClrMapping/>
+  </p:clrMapOvr>
+</p:sld>
+</file>
+
+<file path=ppt/slides/slide20.xml><?xml version="1.0" encoding="utf-8"?>
+<p:sld xmlns:a="http://schemas.openxmlformats.org/drawingml/2006/main" xmlns:r="http://schemas.openxmlformats.org/officeDocument/2006/relationships" xmlns:p="http://schemas.openxmlformats.org/presentationml/2006/main">
+  <p:cSld>
+    <p:spTree>
+      <p:nvGrpSpPr>
+        <p:cNvPr id="1" name=""/>
+        <p:cNvGrpSpPr/>
+        <p:nvPr/>
+      </p:nvGrpSpPr>
+      <p:grpSpPr>
+        <a:xfrm>
+          <a:off x="0" y="0"/>
+          <a:ext cx="0" cy="0"/>
+          <a:chOff x="0" y="0"/>
+          <a:chExt cx="0" cy="0"/>
+        </a:xfrm>
+      </p:grpSpPr>
+      <p:sp>
+        <p:nvSpPr>
+          <p:cNvPr id="2" name="Title 1">
+            <a:extLst>
+              <a:ext uri="{FF2B5EF4-FFF2-40B4-BE49-F238E27FC236}">
+                <a16:creationId xmlns:a16="http://schemas.microsoft.com/office/drawing/2014/main" id="{C9435967-4C4A-4A1B-BC48-ABF4C41794F2}"/>
+              </a:ext>
+            </a:extLst>
+          </p:cNvPr>
+          <p:cNvSpPr>
+            <a:spLocks noGrp="1"/>
+          </p:cNvSpPr>
+          <p:nvPr>
+            <p:ph type="title"/>
+          </p:nvPr>
+        </p:nvSpPr>
+        <p:spPr>
+          <a:xfrm>
+            <a:off x="0" y="-104775"/>
+            <a:ext cx="12192000" cy="1325563"/>
+          </a:xfrm>
+        </p:spPr>
+        <p:txBody>
+          <a:bodyPr/>
+          <a:lstStyle/>
+          <a:p>
+            <a:pPr algn="ctr"/>
+            <a:r>
+              <a:rPr lang="en-GB" dirty="0"/>
+              <a:t>Appendix: E. coli reads - how I prepared the data</a:t>
+            </a:r>
+          </a:p>
+        </p:txBody>
+      </p:sp>
+      <p:sp>
+        <p:nvSpPr>
+          <p:cNvPr id="3" name="Content Placeholder 2">
+            <a:extLst>
+              <a:ext uri="{FF2B5EF4-FFF2-40B4-BE49-F238E27FC236}">
+                <a16:creationId xmlns:a16="http://schemas.microsoft.com/office/drawing/2014/main" id="{2F09C5D8-3302-42A6-87DC-F341ED64165B}"/>
+              </a:ext>
+            </a:extLst>
+          </p:cNvPr>
+          <p:cNvSpPr>
+            <a:spLocks noGrp="1"/>
+          </p:cNvSpPr>
+          <p:nvPr>
+            <p:ph idx="1"/>
+          </p:nvPr>
+        </p:nvSpPr>
+        <p:spPr/>
+        <p:txBody>
+          <a:bodyPr>
+            <a:normAutofit fontScale="85000" lnSpcReduction="20000"/>
+          </a:bodyPr>
+          <a:lstStyle/>
+          <a:p>
+            <a:r>
+              <a:rPr lang="en-GB" dirty="0" err="1"/>
+              <a:t>wget</a:t>
+            </a:r>
+            <a:r>
+              <a:rPr lang="en-GB" dirty="0"/>
+              <a:t> </a:t>
+            </a:r>
+            <a:r>
+              <a:rPr lang="en-GB" dirty="0">
+                <a:hlinkClick r:id="rId2"/>
+              </a:rPr>
+              <a:t>ftp://ftp.sra.ebi.ac.uk/vol1/fastq/DRR021/DRR021340/DRR021340_1.fastq.gz</a:t>
+            </a:r>
+            <a:endParaRPr lang="en-GB" dirty="0"/>
+          </a:p>
+          <a:p>
+            <a:r>
+              <a:rPr lang="en-GB" dirty="0" err="1"/>
+              <a:t>wget</a:t>
+            </a:r>
+            <a:r>
+              <a:rPr lang="en-GB" dirty="0"/>
+              <a:t> </a:t>
+            </a:r>
+            <a:r>
+              <a:rPr lang="en-GB" dirty="0">
+                <a:hlinkClick r:id="rId3"/>
+              </a:rPr>
+              <a:t>ftp://ftp.sra.ebi.ac.uk/vol1/fastq/DRR021/DRR021340/DRR021340_2.fastq.gz</a:t>
+            </a:r>
+            <a:endParaRPr lang="en-GB" dirty="0"/>
+          </a:p>
+          <a:p>
+            <a:r>
+              <a:rPr lang="en-GB" dirty="0" err="1"/>
+              <a:t>pigz</a:t>
+            </a:r>
+            <a:r>
+              <a:rPr lang="en-GB" dirty="0"/>
+              <a:t> -d *.</a:t>
+            </a:r>
+            <a:r>
+              <a:rPr lang="en-GB" dirty="0" err="1"/>
+              <a:t>gzconda</a:t>
+            </a:r>
+            <a:r>
+              <a:rPr lang="en-GB" dirty="0"/>
+              <a:t> activate python27 python Filter_fastq_for_every_nth_sequence.py -</a:t>
+            </a:r>
+            <a:r>
+              <a:rPr lang="en-GB" dirty="0" err="1"/>
+              <a:t>i</a:t>
+            </a:r>
+            <a:r>
+              <a:rPr lang="en-GB" dirty="0"/>
+              <a:t> DRR021340_1.fastq -n 50 -o subsampled_R1.fastqpython Filter_fastq_for_every_nth_sequence.py -</a:t>
+            </a:r>
+            <a:r>
+              <a:rPr lang="en-GB" dirty="0" err="1"/>
+              <a:t>i</a:t>
+            </a:r>
+            <a:r>
+              <a:rPr lang="en-GB" dirty="0"/>
+              <a:t> DRR021340_2.fastq -n 50 -o subsampled_R2.fastq</a:t>
+            </a:r>
+          </a:p>
+          <a:p>
+            <a:endParaRPr lang="en-GB" dirty="0">
+              <a:solidFill>
+                <a:srgbClr val="0070C0"/>
+              </a:solidFill>
+            </a:endParaRPr>
+          </a:p>
+          <a:p>
+            <a:r>
+              <a:rPr lang="en-GB" dirty="0">
+                <a:solidFill>
+                  <a:srgbClr val="0070C0"/>
+                </a:solidFill>
+              </a:rPr>
+              <a:t>python ../scripts/Filter_fastq_for_every_nth_sequence.py -</a:t>
+            </a:r>
+            <a:r>
+              <a:rPr lang="en-GB" dirty="0" err="1">
+                <a:solidFill>
+                  <a:srgbClr val="0070C0"/>
+                </a:solidFill>
+              </a:rPr>
+              <a:t>i</a:t>
+            </a:r>
+            <a:r>
+              <a:rPr lang="en-GB" dirty="0">
+                <a:solidFill>
+                  <a:srgbClr val="0070C0"/>
+                </a:solidFill>
+              </a:rPr>
+              <a:t> illumina_R1.fq -n 5 -o subsampled_R1.fastqpython ../scripts/Filter_fastq_for_every_nth_sequence.py -</a:t>
+            </a:r>
+            <a:r>
+              <a:rPr lang="en-GB" dirty="0" err="1">
+                <a:solidFill>
+                  <a:srgbClr val="0070C0"/>
+                </a:solidFill>
+              </a:rPr>
+              <a:t>i</a:t>
+            </a:r>
+            <a:r>
+              <a:rPr lang="en-GB" dirty="0">
+                <a:solidFill>
+                  <a:srgbClr val="0070C0"/>
+                </a:solidFill>
+              </a:rPr>
+              <a:t> illumina_R2.fq -n 5 -o subsampled_R2.fastq</a:t>
+            </a:r>
+          </a:p>
+          <a:p>
+            <a:r>
+              <a:rPr lang="en-GB" dirty="0" err="1">
+                <a:solidFill>
+                  <a:srgbClr val="0070C0"/>
+                </a:solidFill>
+              </a:rPr>
+              <a:t>pigz</a:t>
+            </a:r>
+            <a:r>
+              <a:rPr lang="en-GB" dirty="0">
+                <a:solidFill>
+                  <a:srgbClr val="0070C0"/>
+                </a:solidFill>
+              </a:rPr>
+              <a:t> *</a:t>
+            </a:r>
+          </a:p>
+        </p:txBody>
+      </p:sp>
+    </p:spTree>
+    <p:extLst>
+      <p:ext uri="{BB962C8B-B14F-4D97-AF65-F5344CB8AC3E}">
+        <p14:creationId xmlns:p14="http://schemas.microsoft.com/office/powerpoint/2010/main" val="2719166273"/>
+      </p:ext>
+    </p:extLst>
+  </p:cSld>
+  <p:clrMapOvr>
+    <a:masterClrMapping/>
+  </p:clrMapOvr>
+</p:sld>
+</file>
+
+<file path=ppt/slides/slide21.xml><?xml version="1.0" encoding="utf-8"?>
+<p:sld xmlns:a="http://schemas.openxmlformats.org/drawingml/2006/main" xmlns:r="http://schemas.openxmlformats.org/officeDocument/2006/relationships" xmlns:p="http://schemas.openxmlformats.org/presentationml/2006/main">
+  <p:cSld>
+    <p:spTree>
+      <p:nvGrpSpPr>
+        <p:cNvPr id="1" name=""/>
+        <p:cNvGrpSpPr/>
+        <p:nvPr/>
+      </p:nvGrpSpPr>
+      <p:grpSpPr>
+        <a:xfrm>
+          <a:off x="0" y="0"/>
+          <a:ext cx="0" cy="0"/>
+          <a:chOff x="0" y="0"/>
+          <a:chExt cx="0" cy="0"/>
+        </a:xfrm>
+      </p:grpSpPr>
+      <p:sp>
+        <p:nvSpPr>
+          <p:cNvPr id="2" name="Title 1">
+            <a:extLst>
+              <a:ext uri="{FF2B5EF4-FFF2-40B4-BE49-F238E27FC236}">
+                <a16:creationId xmlns:a16="http://schemas.microsoft.com/office/drawing/2014/main" id="{8B62767B-F7DA-4AF1-BD63-0D3477B5F8C9}"/>
+              </a:ext>
+            </a:extLst>
+          </p:cNvPr>
+          <p:cNvSpPr>
+            <a:spLocks noGrp="1"/>
+          </p:cNvSpPr>
+          <p:nvPr>
+            <p:ph type="title"/>
+          </p:nvPr>
+        </p:nvSpPr>
+        <p:spPr>
+          <a:xfrm>
+            <a:off x="838200" y="18255"/>
+            <a:ext cx="10515600" cy="1325563"/>
+          </a:xfrm>
+        </p:spPr>
+        <p:txBody>
+          <a:bodyPr/>
+          <a:lstStyle/>
+          <a:p>
+            <a:pPr algn="ctr"/>
+            <a:r>
+              <a:rPr lang="en-GB" dirty="0"/>
+              <a:t>Vim - command line editor	</a:t>
+            </a:r>
+          </a:p>
+        </p:txBody>
+      </p:sp>
+      <p:sp>
+        <p:nvSpPr>
+          <p:cNvPr id="3" name="Content Placeholder 2">
+            <a:extLst>
+              <a:ext uri="{FF2B5EF4-FFF2-40B4-BE49-F238E27FC236}">
+                <a16:creationId xmlns:a16="http://schemas.microsoft.com/office/drawing/2014/main" id="{BD9BF155-8EEC-4383-B730-AE51AA39D1DA}"/>
+              </a:ext>
+            </a:extLst>
+          </p:cNvPr>
+          <p:cNvSpPr>
+            <a:spLocks noGrp="1"/>
+          </p:cNvSpPr>
+          <p:nvPr>
+            <p:ph idx="1"/>
+          </p:nvPr>
+        </p:nvSpPr>
+        <p:spPr/>
+        <p:txBody>
+          <a:bodyPr/>
+          <a:lstStyle/>
+          <a:p>
+            <a:r>
+              <a:rPr lang="en-GB" dirty="0"/>
+              <a:t>Command line editing is horrible. Sorry!</a:t>
+            </a:r>
+          </a:p>
+          <a:p>
+            <a:r>
+              <a:rPr lang="en-GB" dirty="0"/>
+              <a:t>Type </a:t>
+            </a:r>
+          </a:p>
+          <a:p>
+            <a:pPr marL="0" indent="0">
+              <a:buNone/>
+            </a:pPr>
+            <a:r>
+              <a:rPr lang="en-GB" dirty="0">
+                <a:solidFill>
+                  <a:schemeClr val="accent1"/>
+                </a:solidFill>
+              </a:rPr>
+              <a:t>vim </a:t>
+            </a:r>
+            <a:r>
+              <a:rPr lang="en-GB" dirty="0" err="1">
+                <a:solidFill>
+                  <a:schemeClr val="accent1"/>
+                </a:solidFill>
+              </a:rPr>
+              <a:t>name_of_file</a:t>
+            </a:r>
+            <a:endParaRPr lang="en-GB" dirty="0">
+              <a:solidFill>
+                <a:schemeClr val="accent1"/>
+              </a:solidFill>
+            </a:endParaRPr>
+          </a:p>
+          <a:p>
+            <a:pPr marL="0" indent="0">
+              <a:buNone/>
+            </a:pPr>
+            <a:endParaRPr lang="en-GB" dirty="0"/>
+          </a:p>
+          <a:p>
+            <a:pPr marL="0" indent="0">
+              <a:buNone/>
+            </a:pPr>
+            <a:r>
+              <a:rPr lang="en-GB" dirty="0"/>
+              <a:t>Press the </a:t>
+            </a:r>
+            <a:r>
+              <a:rPr lang="en-GB" dirty="0" err="1"/>
+              <a:t>i</a:t>
+            </a:r>
+            <a:r>
+              <a:rPr lang="en-GB" dirty="0"/>
+              <a:t> key to </a:t>
+            </a:r>
+            <a:r>
+              <a:rPr lang="en-GB" i="1" dirty="0"/>
+              <a:t>insert. </a:t>
+            </a:r>
+            <a:r>
+              <a:rPr lang="en-GB" dirty="0"/>
+              <a:t>Now you can delete, type or whatever.</a:t>
+            </a:r>
+          </a:p>
+          <a:p>
+            <a:pPr marL="0" indent="0">
+              <a:buNone/>
+            </a:pPr>
+            <a:endParaRPr lang="en-GB" i="1" dirty="0"/>
+          </a:p>
+          <a:p>
+            <a:pPr marL="0" indent="0">
+              <a:buNone/>
+            </a:pPr>
+            <a:r>
+              <a:rPr lang="en-GB" dirty="0"/>
+              <a:t>To save: ESC (Key),    :    then    </a:t>
+            </a:r>
+            <a:r>
+              <a:rPr lang="en-GB" dirty="0" err="1"/>
+              <a:t>wq</a:t>
+            </a:r>
+            <a:endParaRPr lang="en-GB" dirty="0"/>
+          </a:p>
+          <a:p>
+            <a:pPr marL="0" indent="0">
+              <a:buNone/>
+            </a:pPr>
+            <a:endParaRPr lang="en-GB" dirty="0"/>
+          </a:p>
+          <a:p>
+            <a:pPr marL="0" indent="0">
+              <a:buNone/>
+            </a:pPr>
+            <a:endParaRPr lang="en-GB" dirty="0"/>
+          </a:p>
+        </p:txBody>
+      </p:sp>
+    </p:spTree>
+    <p:extLst>
+      <p:ext uri="{BB962C8B-B14F-4D97-AF65-F5344CB8AC3E}">
+        <p14:creationId xmlns:p14="http://schemas.microsoft.com/office/powerpoint/2010/main" val="1587015772"/>
       </p:ext>
     </p:extLst>
   </p:cSld>
@@ -7063,15 +8923,7 @@
           <a:p>
             <a:r>
               <a:rPr lang="en-GB" dirty="0"/>
-              <a:t>Lets do a </a:t>
-            </a:r>
-            <a:r>
-              <a:rPr lang="en-GB"/>
-              <a:t>bacterial genome </a:t>
-            </a:r>
-            <a:r>
-              <a:rPr lang="en-GB" dirty="0"/>
-              <a:t>assembly as an example</a:t>
+              <a:t>Lets do a bacterial genome assembly as an example</a:t>
             </a:r>
           </a:p>
           <a:p>
@@ -7086,20 +8938,6 @@
             <a:r>
               <a:rPr lang="en-GB" dirty="0"/>
               <a:t> to qc our read files.</a:t>
-            </a:r>
-          </a:p>
-          <a:p>
-            <a:r>
-              <a:rPr lang="en-GB" dirty="0"/>
-              <a:t>Open </a:t>
-            </a:r>
-            <a:r>
-              <a:rPr lang="en-GB" dirty="0">
-                <a:solidFill>
-                  <a:srgbClr val="FF0000"/>
-                </a:solidFill>
-              </a:rPr>
-              <a:t>6_assembly.pptx</a:t>
             </a:r>
           </a:p>
         </p:txBody>

--- a/powerpoint/1_ASSEMBLY_WORKSHOP.pptx
+++ b/powerpoint/1_ASSEMBLY_WORKSHOP.pptx
@@ -23,9 +23,10 @@
     <p:sldId id="311" r:id="rId17"/>
     <p:sldId id="337" r:id="rId18"/>
     <p:sldId id="350" r:id="rId19"/>
-    <p:sldId id="318" r:id="rId20"/>
-    <p:sldId id="269" r:id="rId21"/>
-    <p:sldId id="285" r:id="rId22"/>
+    <p:sldId id="351" r:id="rId20"/>
+    <p:sldId id="318" r:id="rId21"/>
+    <p:sldId id="269" r:id="rId22"/>
+    <p:sldId id="285" r:id="rId23"/>
   </p:sldIdLst>
   <p:sldSz cx="12192000" cy="6858000"/>
   <p:notesSz cx="6858000" cy="9144000"/>
@@ -7405,7 +7406,7 @@
           <p:cNvPr id="2" name="Title 1">
             <a:extLst>
               <a:ext uri="{FF2B5EF4-FFF2-40B4-BE49-F238E27FC236}">
-                <a16:creationId xmlns:a16="http://schemas.microsoft.com/office/drawing/2014/main" id="{0E5CBACD-7B60-411D-87DE-F21A7140DE1D}"/>
+                <a16:creationId xmlns:a16="http://schemas.microsoft.com/office/drawing/2014/main" id="{8C5748CD-B148-457A-91D5-B9677786D987}"/>
               </a:ext>
             </a:extLst>
           </p:cNvPr>
@@ -7418,7 +7419,7 @@
         </p:nvSpPr>
         <p:spPr>
           <a:xfrm>
-            <a:off x="771525" y="-19837"/>
+            <a:off x="838200" y="-23760"/>
             <a:ext cx="10515600" cy="1325563"/>
           </a:xfrm>
         </p:spPr>
@@ -7426,11 +7427,17 @@
           <a:bodyPr/>
           <a:lstStyle/>
           <a:p>
-            <a:pPr algn="ctr"/>
             <a:r>
               <a:rPr lang="en-GB" dirty="0"/>
-              <a:t>The end</a:t>
-            </a:r>
+              <a:t>Once the workshop is over – special extra </a:t>
+            </a:r>
+            <a:r>
+              <a:rPr lang="en-GB" dirty="0">
+                <a:sym typeface="Wingdings" panose="05000000000000000000" pitchFamily="2" charset="2"/>
+              </a:rPr>
+              <a:t></a:t>
+            </a:r>
+            <a:endParaRPr lang="en-GB" dirty="0"/>
           </a:p>
         </p:txBody>
       </p:sp>
@@ -7439,7 +7446,7 @@
           <p:cNvPr id="3" name="Content Placeholder 2">
             <a:extLst>
               <a:ext uri="{FF2B5EF4-FFF2-40B4-BE49-F238E27FC236}">
-                <a16:creationId xmlns:a16="http://schemas.microsoft.com/office/drawing/2014/main" id="{1AED1575-3EDC-464E-B43B-E1245C9CF1C8}"/>
+                <a16:creationId xmlns:a16="http://schemas.microsoft.com/office/drawing/2014/main" id="{04C7A4CD-935C-4D96-812D-96891FEF56C3}"/>
               </a:ext>
             </a:extLst>
           </p:cNvPr>
@@ -7450,58 +7457,44 @@
             <p:ph idx="1"/>
           </p:nvPr>
         </p:nvSpPr>
-        <p:spPr/>
+        <p:spPr>
+          <a:xfrm>
+            <a:off x="144517" y="911225"/>
+            <a:ext cx="10515600" cy="4351338"/>
+          </a:xfrm>
+        </p:spPr>
         <p:txBody>
           <a:bodyPr/>
           <a:lstStyle/>
           <a:p>
             <a:r>
-              <a:rPr lang="en-GB" dirty="0"/>
-              <a:t>Remember all bioinformatics is, it repeatedly pressing the red button and everything just happens</a:t>
-            </a:r>
-          </a:p>
-        </p:txBody>
-      </p:sp>
-      <p:pic>
-        <p:nvPicPr>
-          <p:cNvPr id="6" name="Picture 5" descr="A picture containing indoor, sitting, red, cup&#10;&#10;Description generated with very high confidence">
-            <a:extLst>
-              <a:ext uri="{FF2B5EF4-FFF2-40B4-BE49-F238E27FC236}">
-                <a16:creationId xmlns:a16="http://schemas.microsoft.com/office/drawing/2014/main" id="{7D4EE4B1-31A6-46D6-BDCF-675D4317859E}"/>
-              </a:ext>
-            </a:extLst>
-          </p:cNvPr>
-          <p:cNvPicPr>
-            <a:picLocks noChangeAspect="1"/>
-          </p:cNvPicPr>
-          <p:nvPr/>
-        </p:nvPicPr>
-        <p:blipFill>
-          <a:blip r:embed="rId2">
-            <a:extLst>
-              <a:ext uri="{28A0092B-C50C-407E-A947-70E740481C1C}">
-                <a14:useLocalDpi xmlns:a14="http://schemas.microsoft.com/office/drawing/2010/main" val="0"/>
-              </a:ext>
-            </a:extLst>
-          </a:blip>
-          <a:stretch>
-            <a:fillRect/>
-          </a:stretch>
-        </p:blipFill>
-        <p:spPr>
-          <a:xfrm>
-            <a:off x="3586571" y="3276710"/>
-            <a:ext cx="3761558" cy="3420152"/>
-          </a:xfrm>
-          <a:prstGeom prst="rect">
-            <a:avLst/>
-          </a:prstGeom>
-        </p:spPr>
-      </p:pic>
+              <a:rPr lang="en-GB" dirty="0">
+                <a:solidFill>
+                  <a:srgbClr val="FF0000"/>
+                </a:solidFill>
+              </a:rPr>
+              <a:t>Open </a:t>
+            </a:r>
+            <a:r>
+              <a:rPr lang="en-GB">
+                <a:solidFill>
+                  <a:srgbClr val="FF0000"/>
+                </a:solidFill>
+              </a:rPr>
+              <a:t>the folder …</a:t>
+            </a:r>
+            <a:endParaRPr lang="en-GB" dirty="0">
+              <a:solidFill>
+                <a:srgbClr val="FF0000"/>
+              </a:solidFill>
+            </a:endParaRPr>
+          </a:p>
+        </p:txBody>
+      </p:sp>
     </p:spTree>
     <p:extLst>
       <p:ext uri="{BB962C8B-B14F-4D97-AF65-F5344CB8AC3E}">
-        <p14:creationId xmlns:p14="http://schemas.microsoft.com/office/powerpoint/2010/main" val="1874206286"/>
+        <p14:creationId xmlns:p14="http://schemas.microsoft.com/office/powerpoint/2010/main" val="1211701053"/>
       </p:ext>
     </p:extLst>
   </p:cSld>
@@ -7641,6 +7634,134 @@
           <p:cNvPr id="2" name="Title 1">
             <a:extLst>
               <a:ext uri="{FF2B5EF4-FFF2-40B4-BE49-F238E27FC236}">
+                <a16:creationId xmlns:a16="http://schemas.microsoft.com/office/drawing/2014/main" id="{0E5CBACD-7B60-411D-87DE-F21A7140DE1D}"/>
+              </a:ext>
+            </a:extLst>
+          </p:cNvPr>
+          <p:cNvSpPr>
+            <a:spLocks noGrp="1"/>
+          </p:cNvSpPr>
+          <p:nvPr>
+            <p:ph type="title"/>
+          </p:nvPr>
+        </p:nvSpPr>
+        <p:spPr>
+          <a:xfrm>
+            <a:off x="771525" y="-19837"/>
+            <a:ext cx="10515600" cy="1325563"/>
+          </a:xfrm>
+        </p:spPr>
+        <p:txBody>
+          <a:bodyPr/>
+          <a:lstStyle/>
+          <a:p>
+            <a:pPr algn="ctr"/>
+            <a:r>
+              <a:rPr lang="en-GB" dirty="0"/>
+              <a:t>The end</a:t>
+            </a:r>
+          </a:p>
+        </p:txBody>
+      </p:sp>
+      <p:sp>
+        <p:nvSpPr>
+          <p:cNvPr id="3" name="Content Placeholder 2">
+            <a:extLst>
+              <a:ext uri="{FF2B5EF4-FFF2-40B4-BE49-F238E27FC236}">
+                <a16:creationId xmlns:a16="http://schemas.microsoft.com/office/drawing/2014/main" id="{1AED1575-3EDC-464E-B43B-E1245C9CF1C8}"/>
+              </a:ext>
+            </a:extLst>
+          </p:cNvPr>
+          <p:cNvSpPr>
+            <a:spLocks noGrp="1"/>
+          </p:cNvSpPr>
+          <p:nvPr>
+            <p:ph idx="1"/>
+          </p:nvPr>
+        </p:nvSpPr>
+        <p:spPr/>
+        <p:txBody>
+          <a:bodyPr/>
+          <a:lstStyle/>
+          <a:p>
+            <a:r>
+              <a:rPr lang="en-GB" dirty="0"/>
+              <a:t>Remember all bioinformatics is, it repeatedly pressing the red button and everything just happens</a:t>
+            </a:r>
+          </a:p>
+        </p:txBody>
+      </p:sp>
+      <p:pic>
+        <p:nvPicPr>
+          <p:cNvPr id="6" name="Picture 5" descr="A picture containing indoor, sitting, red, cup&#10;&#10;Description generated with very high confidence">
+            <a:extLst>
+              <a:ext uri="{FF2B5EF4-FFF2-40B4-BE49-F238E27FC236}">
+                <a16:creationId xmlns:a16="http://schemas.microsoft.com/office/drawing/2014/main" id="{7D4EE4B1-31A6-46D6-BDCF-675D4317859E}"/>
+              </a:ext>
+            </a:extLst>
+          </p:cNvPr>
+          <p:cNvPicPr>
+            <a:picLocks noChangeAspect="1"/>
+          </p:cNvPicPr>
+          <p:nvPr/>
+        </p:nvPicPr>
+        <p:blipFill>
+          <a:blip r:embed="rId2">
+            <a:extLst>
+              <a:ext uri="{28A0092B-C50C-407E-A947-70E740481C1C}">
+                <a14:useLocalDpi xmlns:a14="http://schemas.microsoft.com/office/drawing/2010/main" val="0"/>
+              </a:ext>
+            </a:extLst>
+          </a:blip>
+          <a:stretch>
+            <a:fillRect/>
+          </a:stretch>
+        </p:blipFill>
+        <p:spPr>
+          <a:xfrm>
+            <a:off x="3586571" y="3276710"/>
+            <a:ext cx="3761558" cy="3420152"/>
+          </a:xfrm>
+          <a:prstGeom prst="rect">
+            <a:avLst/>
+          </a:prstGeom>
+        </p:spPr>
+      </p:pic>
+    </p:spTree>
+    <p:extLst>
+      <p:ext uri="{BB962C8B-B14F-4D97-AF65-F5344CB8AC3E}">
+        <p14:creationId xmlns:p14="http://schemas.microsoft.com/office/powerpoint/2010/main" val="1874206286"/>
+      </p:ext>
+    </p:extLst>
+  </p:cSld>
+  <p:clrMapOvr>
+    <a:masterClrMapping/>
+  </p:clrMapOvr>
+</p:sld>
+</file>
+
+<file path=ppt/slides/slide21.xml><?xml version="1.0" encoding="utf-8"?>
+<p:sld xmlns:a="http://schemas.openxmlformats.org/drawingml/2006/main" xmlns:r="http://schemas.openxmlformats.org/officeDocument/2006/relationships" xmlns:p="http://schemas.openxmlformats.org/presentationml/2006/main">
+  <p:cSld>
+    <p:spTree>
+      <p:nvGrpSpPr>
+        <p:cNvPr id="1" name=""/>
+        <p:cNvGrpSpPr/>
+        <p:nvPr/>
+      </p:nvGrpSpPr>
+      <p:grpSpPr>
+        <a:xfrm>
+          <a:off x="0" y="0"/>
+          <a:ext cx="0" cy="0"/>
+          <a:chOff x="0" y="0"/>
+          <a:chExt cx="0" cy="0"/>
+        </a:xfrm>
+      </p:grpSpPr>
+      <p:sp>
+        <p:nvSpPr>
+          <p:cNvPr id="2" name="Title 1">
+            <a:extLst>
+              <a:ext uri="{FF2B5EF4-FFF2-40B4-BE49-F238E27FC236}">
                 <a16:creationId xmlns:a16="http://schemas.microsoft.com/office/drawing/2014/main" id="{C9435967-4C4A-4A1B-BC48-ABF4C41794F2}"/>
               </a:ext>
             </a:extLst>
@@ -7842,7 +7963,7 @@
 </p:sld>
 </file>
 
-<file path=ppt/slides/slide21.xml><?xml version="1.0" encoding="utf-8"?>
+<file path=ppt/slides/slide22.xml><?xml version="1.0" encoding="utf-8"?>
 <p:sld xmlns:a="http://schemas.openxmlformats.org/drawingml/2006/main" xmlns:r="http://schemas.openxmlformats.org/officeDocument/2006/relationships" xmlns:p="http://schemas.openxmlformats.org/presentationml/2006/main">
   <p:cSld>
     <p:spTree>

--- a/powerpoint/1_ASSEMBLY_WORKSHOP.pptx
+++ b/powerpoint/1_ASSEMBLY_WORKSHOP.pptx
@@ -282,7 +282,7 @@
           <a:p>
             <a:fld id="{DEABCE53-1D99-4BEE-AE28-D2367C4FBEC7}" type="datetimeFigureOut">
               <a:rPr lang="en-GB" smtClean="0"/>
-              <a:t>10/03/2021</a:t>
+              <a:t>10/03/2022</a:t>
             </a:fld>
             <a:endParaRPr lang="en-GB"/>
           </a:p>
@@ -482,7 +482,7 @@
           <a:p>
             <a:fld id="{DEABCE53-1D99-4BEE-AE28-D2367C4FBEC7}" type="datetimeFigureOut">
               <a:rPr lang="en-GB" smtClean="0"/>
-              <a:t>10/03/2021</a:t>
+              <a:t>10/03/2022</a:t>
             </a:fld>
             <a:endParaRPr lang="en-GB"/>
           </a:p>
@@ -692,7 +692,7 @@
           <a:p>
             <a:fld id="{DEABCE53-1D99-4BEE-AE28-D2367C4FBEC7}" type="datetimeFigureOut">
               <a:rPr lang="en-GB" smtClean="0"/>
-              <a:t>10/03/2021</a:t>
+              <a:t>10/03/2022</a:t>
             </a:fld>
             <a:endParaRPr lang="en-GB"/>
           </a:p>
@@ -892,7 +892,7 @@
           <a:p>
             <a:fld id="{DEABCE53-1D99-4BEE-AE28-D2367C4FBEC7}" type="datetimeFigureOut">
               <a:rPr lang="en-GB" smtClean="0"/>
-              <a:t>10/03/2021</a:t>
+              <a:t>10/03/2022</a:t>
             </a:fld>
             <a:endParaRPr lang="en-GB"/>
           </a:p>
@@ -1168,7 +1168,7 @@
           <a:p>
             <a:fld id="{DEABCE53-1D99-4BEE-AE28-D2367C4FBEC7}" type="datetimeFigureOut">
               <a:rPr lang="en-GB" smtClean="0"/>
-              <a:t>10/03/2021</a:t>
+              <a:t>10/03/2022</a:t>
             </a:fld>
             <a:endParaRPr lang="en-GB"/>
           </a:p>
@@ -1436,7 +1436,7 @@
           <a:p>
             <a:fld id="{DEABCE53-1D99-4BEE-AE28-D2367C4FBEC7}" type="datetimeFigureOut">
               <a:rPr lang="en-GB" smtClean="0"/>
-              <a:t>10/03/2021</a:t>
+              <a:t>10/03/2022</a:t>
             </a:fld>
             <a:endParaRPr lang="en-GB"/>
           </a:p>
@@ -1851,7 +1851,7 @@
           <a:p>
             <a:fld id="{DEABCE53-1D99-4BEE-AE28-D2367C4FBEC7}" type="datetimeFigureOut">
               <a:rPr lang="en-GB" smtClean="0"/>
-              <a:t>10/03/2021</a:t>
+              <a:t>10/03/2022</a:t>
             </a:fld>
             <a:endParaRPr lang="en-GB"/>
           </a:p>
@@ -1993,7 +1993,7 @@
           <a:p>
             <a:fld id="{DEABCE53-1D99-4BEE-AE28-D2367C4FBEC7}" type="datetimeFigureOut">
               <a:rPr lang="en-GB" smtClean="0"/>
-              <a:t>10/03/2021</a:t>
+              <a:t>10/03/2022</a:t>
             </a:fld>
             <a:endParaRPr lang="en-GB"/>
           </a:p>
@@ -2106,7 +2106,7 @@
           <a:p>
             <a:fld id="{DEABCE53-1D99-4BEE-AE28-D2367C4FBEC7}" type="datetimeFigureOut">
               <a:rPr lang="en-GB" smtClean="0"/>
-              <a:t>10/03/2021</a:t>
+              <a:t>10/03/2022</a:t>
             </a:fld>
             <a:endParaRPr lang="en-GB"/>
           </a:p>
@@ -2419,7 +2419,7 @@
           <a:p>
             <a:fld id="{DEABCE53-1D99-4BEE-AE28-D2367C4FBEC7}" type="datetimeFigureOut">
               <a:rPr lang="en-GB" smtClean="0"/>
-              <a:t>10/03/2021</a:t>
+              <a:t>10/03/2022</a:t>
             </a:fld>
             <a:endParaRPr lang="en-GB"/>
           </a:p>
@@ -2708,7 +2708,7 @@
           <a:p>
             <a:fld id="{DEABCE53-1D99-4BEE-AE28-D2367C4FBEC7}" type="datetimeFigureOut">
               <a:rPr lang="en-GB" smtClean="0"/>
-              <a:t>10/03/2021</a:t>
+              <a:t>10/03/2022</a:t>
             </a:fld>
             <a:endParaRPr lang="en-GB"/>
           </a:p>
@@ -2951,7 +2951,7 @@
           <a:p>
             <a:fld id="{DEABCE53-1D99-4BEE-AE28-D2367C4FBEC7}" type="datetimeFigureOut">
               <a:rPr lang="en-GB" smtClean="0"/>
-              <a:t>10/03/2021</a:t>
+              <a:t>10/03/2022</a:t>
             </a:fld>
             <a:endParaRPr lang="en-GB"/>
           </a:p>
@@ -6609,768 +6609,8 @@
               <a:t>/</a:t>
             </a:r>
           </a:p>
-          <a:p>
-            <a:r>
-              <a:rPr lang="en-GB" dirty="0">
-                <a:solidFill>
-                  <a:srgbClr val="FF0000"/>
-                </a:solidFill>
-                <a:hlinkClick r:id="rId2"/>
-              </a:rPr>
-              <a:t>https://github.com/peterthorpe5/Msc_Digital_Health/blob/main/GD5302_Genetics_practical.pdf</a:t>
-            </a:r>
-            <a:r>
-              <a:rPr lang="en-GB" dirty="0">
-                <a:solidFill>
-                  <a:srgbClr val="FF0000"/>
-                </a:solidFill>
-              </a:rPr>
-              <a:t> </a:t>
-            </a:r>
-          </a:p>
-        </p:txBody>
-      </p:sp>
-      <p:graphicFrame>
-        <p:nvGraphicFramePr>
-          <p:cNvPr id="4" name="Table 3">
-            <a:extLst>
-              <a:ext uri="{FF2B5EF4-FFF2-40B4-BE49-F238E27FC236}">
-                <a16:creationId xmlns:a16="http://schemas.microsoft.com/office/drawing/2014/main" id="{8ECF11E6-67F1-4660-BD97-F89548AF9CB8}"/>
-              </a:ext>
-            </a:extLst>
-          </p:cNvPr>
-          <p:cNvGraphicFramePr>
-            <a:graphicFrameLocks noGrp="1"/>
-          </p:cNvGraphicFramePr>
-          <p:nvPr>
-            <p:extLst>
-              <p:ext uri="{D42A27DB-BD31-4B8C-83A1-F6EECF244321}">
-                <p14:modId xmlns:p14="http://schemas.microsoft.com/office/powerpoint/2010/main" val="1237938290"/>
-              </p:ext>
-            </p:extLst>
-          </p:nvPr>
-        </p:nvGraphicFramePr>
-        <p:xfrm>
-          <a:off x="472966" y="3300248"/>
-          <a:ext cx="4256688" cy="3192629"/>
-        </p:xfrm>
-        <a:graphic>
-          <a:graphicData uri="http://schemas.openxmlformats.org/drawingml/2006/table">
-            <a:tbl>
-              <a:tblPr>
-                <a:tableStyleId>{5C22544A-7EE6-4342-B048-85BDC9FD1C3A}</a:tableStyleId>
-              </a:tblPr>
-              <a:tblGrid>
-                <a:gridCol w="1418896">
-                  <a:extLst>
-                    <a:ext uri="{9D8B030D-6E8A-4147-A177-3AD203B41FA5}">
-                      <a16:colId xmlns:a16="http://schemas.microsoft.com/office/drawing/2014/main" val="345529644"/>
-                    </a:ext>
-                  </a:extLst>
-                </a:gridCol>
-                <a:gridCol w="1418896">
-                  <a:extLst>
-                    <a:ext uri="{9D8B030D-6E8A-4147-A177-3AD203B41FA5}">
-                      <a16:colId xmlns:a16="http://schemas.microsoft.com/office/drawing/2014/main" val="1834831810"/>
-                    </a:ext>
-                  </a:extLst>
-                </a:gridCol>
-                <a:gridCol w="1418896">
-                  <a:extLst>
-                    <a:ext uri="{9D8B030D-6E8A-4147-A177-3AD203B41FA5}">
-                      <a16:colId xmlns:a16="http://schemas.microsoft.com/office/drawing/2014/main" val="1322716873"/>
-                    </a:ext>
-                  </a:extLst>
-                </a:gridCol>
-              </a:tblGrid>
-              <a:tr h="319263">
-                <a:tc>
-                  <a:txBody>
-                    <a:bodyPr/>
-                    <a:lstStyle/>
-                    <a:p>
-                      <a:pPr algn="ctr" fontAlgn="ctr"/>
-                      <a:r>
-                        <a:rPr lang="en-GB" sz="800" u="none" strike="noStrike">
-                          <a:effectLst/>
-                        </a:rPr>
-                        <a:t>Patient</a:t>
-                      </a:r>
-                      <a:endParaRPr lang="en-GB" sz="800" b="1" i="0" u="none" strike="noStrike">
-                        <a:solidFill>
-                          <a:srgbClr val="24292E"/>
-                        </a:solidFill>
-                        <a:effectLst/>
-                        <a:latin typeface="Segoe UI" panose="020B0502040204020203" pitchFamily="34" charset="0"/>
-                      </a:endParaRPr>
-                    </a:p>
-                  </a:txBody>
-                  <a:tcPr marL="6350" marR="6350" marT="6350" marB="0" anchor="ctr"/>
-                </a:tc>
-                <a:tc>
-                  <a:txBody>
-                    <a:bodyPr/>
-                    <a:lstStyle/>
-                    <a:p>
-                      <a:pPr algn="ctr" fontAlgn="ctr"/>
-                      <a:r>
-                        <a:rPr lang="en-GB" sz="800" u="none" strike="noStrike">
-                          <a:effectLst/>
-                        </a:rPr>
-                        <a:t>reads</a:t>
-                      </a:r>
-                      <a:endParaRPr lang="en-GB" sz="800" b="1" i="0" u="none" strike="noStrike">
-                        <a:solidFill>
-                          <a:srgbClr val="24292E"/>
-                        </a:solidFill>
-                        <a:effectLst/>
-                        <a:latin typeface="Segoe UI" panose="020B0502040204020203" pitchFamily="34" charset="0"/>
-                      </a:endParaRPr>
-                    </a:p>
-                  </a:txBody>
-                  <a:tcPr marL="6350" marR="6350" marT="6350" marB="0" anchor="ctr"/>
-                </a:tc>
-                <a:tc>
-                  <a:txBody>
-                    <a:bodyPr/>
-                    <a:lstStyle/>
-                    <a:p>
-                      <a:pPr algn="ctr" fontAlgn="ctr"/>
-                      <a:r>
-                        <a:rPr lang="en-GB" sz="800" u="none" strike="noStrike">
-                          <a:effectLst/>
-                        </a:rPr>
-                        <a:t>disease_cause</a:t>
-                      </a:r>
-                      <a:endParaRPr lang="en-GB" sz="800" b="1" i="0" u="none" strike="noStrike">
-                        <a:solidFill>
-                          <a:srgbClr val="24292E"/>
-                        </a:solidFill>
-                        <a:effectLst/>
-                        <a:latin typeface="Segoe UI" panose="020B0502040204020203" pitchFamily="34" charset="0"/>
-                      </a:endParaRPr>
-                    </a:p>
-                  </a:txBody>
-                  <a:tcPr marL="6350" marR="6350" marT="6350" marB="0" anchor="ctr"/>
-                </a:tc>
-                <a:extLst>
-                  <a:ext uri="{0D108BD9-81ED-4DB2-BD59-A6C34878D82A}">
-                    <a16:rowId xmlns:a16="http://schemas.microsoft.com/office/drawing/2014/main" val="419635905"/>
-                  </a:ext>
-                </a:extLst>
-              </a:tr>
-              <a:tr h="319263">
-                <a:tc>
-                  <a:txBody>
-                    <a:bodyPr/>
-                    <a:lstStyle/>
-                    <a:p>
-                      <a:pPr algn="ctr" fontAlgn="ctr"/>
-                      <a:r>
-                        <a:rPr lang="en-GB" sz="800" u="none" strike="noStrike">
-                          <a:effectLst/>
-                        </a:rPr>
-                        <a:t>Patient_007</a:t>
-                      </a:r>
-                      <a:endParaRPr lang="en-GB" sz="800" b="0" i="0" u="none" strike="noStrike">
-                        <a:solidFill>
-                          <a:srgbClr val="24292E"/>
-                        </a:solidFill>
-                        <a:effectLst/>
-                        <a:latin typeface="Segoe UI" panose="020B0502040204020203" pitchFamily="34" charset="0"/>
-                      </a:endParaRPr>
-                    </a:p>
-                  </a:txBody>
-                  <a:tcPr marL="6350" marR="6350" marT="38100" marB="38100" anchor="ctr"/>
-                </a:tc>
-                <a:tc>
-                  <a:txBody>
-                    <a:bodyPr/>
-                    <a:lstStyle/>
-                    <a:p>
-                      <a:pPr algn="ctr" fontAlgn="ctr"/>
-                      <a:r>
-                        <a:rPr lang="en-GB" sz="800" u="none" strike="noStrike">
-                          <a:effectLst/>
-                        </a:rPr>
-                        <a:t>patient_007_1.fastq.gz</a:t>
-                      </a:r>
-                      <a:endParaRPr lang="en-GB" sz="800" b="0" i="0" u="none" strike="noStrike">
-                        <a:solidFill>
-                          <a:srgbClr val="24292E"/>
-                        </a:solidFill>
-                        <a:effectLst/>
-                        <a:latin typeface="Segoe UI" panose="020B0502040204020203" pitchFamily="34" charset="0"/>
-                      </a:endParaRPr>
-                    </a:p>
-                  </a:txBody>
-                  <a:tcPr marL="6350" marR="6350" marT="38100" marB="38100" anchor="ctr"/>
-                </a:tc>
-                <a:tc>
-                  <a:txBody>
-                    <a:bodyPr/>
-                    <a:lstStyle/>
-                    <a:p>
-                      <a:pPr algn="ctr" fontAlgn="ctr"/>
-                      <a:r>
-                        <a:rPr lang="en-GB" sz="800" u="none" strike="noStrike">
-                          <a:effectLst/>
-                        </a:rPr>
-                        <a:t>?</a:t>
-                      </a:r>
-                      <a:endParaRPr lang="en-GB" sz="800" b="0" i="0" u="none" strike="noStrike">
-                        <a:solidFill>
-                          <a:srgbClr val="24292E"/>
-                        </a:solidFill>
-                        <a:effectLst/>
-                        <a:latin typeface="Segoe UI" panose="020B0502040204020203" pitchFamily="34" charset="0"/>
-                      </a:endParaRPr>
-                    </a:p>
-                  </a:txBody>
-                  <a:tcPr marL="6350" marR="6350" marT="38100" marB="38100" anchor="ctr"/>
-                </a:tc>
-                <a:extLst>
-                  <a:ext uri="{0D108BD9-81ED-4DB2-BD59-A6C34878D82A}">
-                    <a16:rowId xmlns:a16="http://schemas.microsoft.com/office/drawing/2014/main" val="1326739165"/>
-                  </a:ext>
-                </a:extLst>
-              </a:tr>
-              <a:tr h="319263">
-                <a:tc>
-                  <a:txBody>
-                    <a:bodyPr/>
-                    <a:lstStyle/>
-                    <a:p>
-                      <a:pPr algn="ctr" fontAlgn="ctr"/>
-                      <a:r>
-                        <a:rPr lang="en-GB" sz="800" u="none" strike="noStrike">
-                          <a:effectLst/>
-                        </a:rPr>
-                        <a:t>Patient_007</a:t>
-                      </a:r>
-                      <a:endParaRPr lang="en-GB" sz="800" b="0" i="0" u="none" strike="noStrike">
-                        <a:solidFill>
-                          <a:srgbClr val="24292E"/>
-                        </a:solidFill>
-                        <a:effectLst/>
-                        <a:latin typeface="Segoe UI" panose="020B0502040204020203" pitchFamily="34" charset="0"/>
-                      </a:endParaRPr>
-                    </a:p>
-                  </a:txBody>
-                  <a:tcPr marL="6350" marR="6350" marT="38100" marB="38100" anchor="ctr"/>
-                </a:tc>
-                <a:tc>
-                  <a:txBody>
-                    <a:bodyPr/>
-                    <a:lstStyle/>
-                    <a:p>
-                      <a:pPr algn="ctr" fontAlgn="ctr"/>
-                      <a:r>
-                        <a:rPr lang="en-GB" sz="800" u="none" strike="noStrike">
-                          <a:effectLst/>
-                        </a:rPr>
-                        <a:t>patient_007_2.fastq.gz</a:t>
-                      </a:r>
-                      <a:endParaRPr lang="en-GB" sz="800" b="0" i="0" u="none" strike="noStrike">
-                        <a:solidFill>
-                          <a:srgbClr val="24292E"/>
-                        </a:solidFill>
-                        <a:effectLst/>
-                        <a:latin typeface="Segoe UI" panose="020B0502040204020203" pitchFamily="34" charset="0"/>
-                      </a:endParaRPr>
-                    </a:p>
-                  </a:txBody>
-                  <a:tcPr marL="6350" marR="6350" marT="38100" marB="38100" anchor="ctr"/>
-                </a:tc>
-                <a:tc>
-                  <a:txBody>
-                    <a:bodyPr/>
-                    <a:lstStyle/>
-                    <a:p>
-                      <a:pPr algn="ctr" fontAlgn="ctr"/>
-                      <a:r>
-                        <a:rPr lang="en-GB" sz="800" u="none" strike="noStrike">
-                          <a:effectLst/>
-                        </a:rPr>
-                        <a:t>?</a:t>
-                      </a:r>
-                      <a:endParaRPr lang="en-GB" sz="800" b="0" i="0" u="none" strike="noStrike">
-                        <a:solidFill>
-                          <a:srgbClr val="24292E"/>
-                        </a:solidFill>
-                        <a:effectLst/>
-                        <a:latin typeface="Segoe UI" panose="020B0502040204020203" pitchFamily="34" charset="0"/>
-                      </a:endParaRPr>
-                    </a:p>
-                  </a:txBody>
-                  <a:tcPr marL="6350" marR="6350" marT="38100" marB="38100" anchor="ctr"/>
-                </a:tc>
-                <a:extLst>
-                  <a:ext uri="{0D108BD9-81ED-4DB2-BD59-A6C34878D82A}">
-                    <a16:rowId xmlns:a16="http://schemas.microsoft.com/office/drawing/2014/main" val="1538635183"/>
-                  </a:ext>
-                </a:extLst>
-              </a:tr>
-              <a:tr h="319263">
-                <a:tc>
-                  <a:txBody>
-                    <a:bodyPr/>
-                    <a:lstStyle/>
-                    <a:p>
-                      <a:pPr algn="ctr" fontAlgn="ctr"/>
-                      <a:r>
-                        <a:rPr lang="en-GB" sz="800" u="none" strike="noStrike">
-                          <a:effectLst/>
-                        </a:rPr>
-                        <a:t>Patient_A</a:t>
-                      </a:r>
-                      <a:endParaRPr lang="en-GB" sz="800" b="0" i="0" u="none" strike="noStrike">
-                        <a:solidFill>
-                          <a:srgbClr val="24292E"/>
-                        </a:solidFill>
-                        <a:effectLst/>
-                        <a:latin typeface="Segoe UI" panose="020B0502040204020203" pitchFamily="34" charset="0"/>
-                      </a:endParaRPr>
-                    </a:p>
-                  </a:txBody>
-                  <a:tcPr marL="6350" marR="6350" marT="38100" marB="38100" anchor="ctr"/>
-                </a:tc>
-                <a:tc>
-                  <a:txBody>
-                    <a:bodyPr/>
-                    <a:lstStyle/>
-                    <a:p>
-                      <a:pPr algn="ctr" fontAlgn="ctr"/>
-                      <a:r>
-                        <a:rPr lang="fr-FR" sz="800" u="none" strike="noStrike">
-                          <a:effectLst/>
-                        </a:rPr>
-                        <a:t>patient_A_1.fastq.gz</a:t>
-                      </a:r>
-                      <a:endParaRPr lang="fr-FR" sz="800" b="0" i="0" u="none" strike="noStrike">
-                        <a:solidFill>
-                          <a:srgbClr val="24292E"/>
-                        </a:solidFill>
-                        <a:effectLst/>
-                        <a:latin typeface="Segoe UI" panose="020B0502040204020203" pitchFamily="34" charset="0"/>
-                      </a:endParaRPr>
-                    </a:p>
-                  </a:txBody>
-                  <a:tcPr marL="6350" marR="6350" marT="38100" marB="38100" anchor="ctr"/>
-                </a:tc>
-                <a:tc>
-                  <a:txBody>
-                    <a:bodyPr/>
-                    <a:lstStyle/>
-                    <a:p>
-                      <a:pPr algn="ctr" fontAlgn="ctr"/>
-                      <a:r>
-                        <a:rPr lang="en-GB" sz="800" u="none" strike="noStrike">
-                          <a:effectLst/>
-                        </a:rPr>
-                        <a:t>?</a:t>
-                      </a:r>
-                      <a:endParaRPr lang="en-GB" sz="800" b="0" i="0" u="none" strike="noStrike">
-                        <a:solidFill>
-                          <a:srgbClr val="24292E"/>
-                        </a:solidFill>
-                        <a:effectLst/>
-                        <a:latin typeface="Segoe UI" panose="020B0502040204020203" pitchFamily="34" charset="0"/>
-                      </a:endParaRPr>
-                    </a:p>
-                  </a:txBody>
-                  <a:tcPr marL="6350" marR="6350" marT="38100" marB="38100" anchor="ctr"/>
-                </a:tc>
-                <a:extLst>
-                  <a:ext uri="{0D108BD9-81ED-4DB2-BD59-A6C34878D82A}">
-                    <a16:rowId xmlns:a16="http://schemas.microsoft.com/office/drawing/2014/main" val="2569871010"/>
-                  </a:ext>
-                </a:extLst>
-              </a:tr>
-              <a:tr h="319263">
-                <a:tc>
-                  <a:txBody>
-                    <a:bodyPr/>
-                    <a:lstStyle/>
-                    <a:p>
-                      <a:pPr algn="ctr" fontAlgn="ctr"/>
-                      <a:r>
-                        <a:rPr lang="en-GB" sz="800" u="none" strike="noStrike">
-                          <a:effectLst/>
-                        </a:rPr>
-                        <a:t>Patient_A</a:t>
-                      </a:r>
-                      <a:endParaRPr lang="en-GB" sz="800" b="0" i="0" u="none" strike="noStrike">
-                        <a:solidFill>
-                          <a:srgbClr val="24292E"/>
-                        </a:solidFill>
-                        <a:effectLst/>
-                        <a:latin typeface="Segoe UI" panose="020B0502040204020203" pitchFamily="34" charset="0"/>
-                      </a:endParaRPr>
-                    </a:p>
-                  </a:txBody>
-                  <a:tcPr marL="6350" marR="6350" marT="38100" marB="38100" anchor="ctr"/>
-                </a:tc>
-                <a:tc>
-                  <a:txBody>
-                    <a:bodyPr/>
-                    <a:lstStyle/>
-                    <a:p>
-                      <a:pPr algn="ctr" fontAlgn="ctr"/>
-                      <a:r>
-                        <a:rPr lang="fr-FR" sz="800" u="none" strike="noStrike">
-                          <a:effectLst/>
-                        </a:rPr>
-                        <a:t>patient_A_2.fastq.gz</a:t>
-                      </a:r>
-                      <a:endParaRPr lang="fr-FR" sz="800" b="0" i="0" u="none" strike="noStrike">
-                        <a:solidFill>
-                          <a:srgbClr val="24292E"/>
-                        </a:solidFill>
-                        <a:effectLst/>
-                        <a:latin typeface="Segoe UI" panose="020B0502040204020203" pitchFamily="34" charset="0"/>
-                      </a:endParaRPr>
-                    </a:p>
-                  </a:txBody>
-                  <a:tcPr marL="6350" marR="6350" marT="38100" marB="38100" anchor="ctr"/>
-                </a:tc>
-                <a:tc>
-                  <a:txBody>
-                    <a:bodyPr/>
-                    <a:lstStyle/>
-                    <a:p>
-                      <a:pPr algn="ctr" fontAlgn="ctr"/>
-                      <a:r>
-                        <a:rPr lang="en-GB" sz="800" u="none" strike="noStrike">
-                          <a:effectLst/>
-                        </a:rPr>
-                        <a:t>?</a:t>
-                      </a:r>
-                      <a:endParaRPr lang="en-GB" sz="800" b="0" i="0" u="none" strike="noStrike">
-                        <a:solidFill>
-                          <a:srgbClr val="24292E"/>
-                        </a:solidFill>
-                        <a:effectLst/>
-                        <a:latin typeface="Segoe UI" panose="020B0502040204020203" pitchFamily="34" charset="0"/>
-                      </a:endParaRPr>
-                    </a:p>
-                  </a:txBody>
-                  <a:tcPr marL="6350" marR="6350" marT="38100" marB="38100" anchor="ctr"/>
-                </a:tc>
-                <a:extLst>
-                  <a:ext uri="{0D108BD9-81ED-4DB2-BD59-A6C34878D82A}">
-                    <a16:rowId xmlns:a16="http://schemas.microsoft.com/office/drawing/2014/main" val="3544842788"/>
-                  </a:ext>
-                </a:extLst>
-              </a:tr>
-              <a:tr h="319263">
-                <a:tc>
-                  <a:txBody>
-                    <a:bodyPr/>
-                    <a:lstStyle/>
-                    <a:p>
-                      <a:pPr algn="ctr" fontAlgn="ctr"/>
-                      <a:r>
-                        <a:rPr lang="en-GB" sz="800" u="none" strike="noStrike">
-                          <a:effectLst/>
-                        </a:rPr>
-                        <a:t>Patient_B</a:t>
-                      </a:r>
-                      <a:endParaRPr lang="en-GB" sz="800" b="0" i="0" u="none" strike="noStrike">
-                        <a:solidFill>
-                          <a:srgbClr val="24292E"/>
-                        </a:solidFill>
-                        <a:effectLst/>
-                        <a:latin typeface="Segoe UI" panose="020B0502040204020203" pitchFamily="34" charset="0"/>
-                      </a:endParaRPr>
-                    </a:p>
-                  </a:txBody>
-                  <a:tcPr marL="6350" marR="6350" marT="38100" marB="38100" anchor="ctr"/>
-                </a:tc>
-                <a:tc>
-                  <a:txBody>
-                    <a:bodyPr/>
-                    <a:lstStyle/>
-                    <a:p>
-                      <a:pPr algn="ctr" fontAlgn="ctr"/>
-                      <a:r>
-                        <a:rPr lang="en-GB" sz="800" u="none" strike="noStrike">
-                          <a:effectLst/>
-                        </a:rPr>
-                        <a:t>patient_B_1.fastq.gz</a:t>
-                      </a:r>
-                      <a:endParaRPr lang="en-GB" sz="800" b="0" i="0" u="none" strike="noStrike">
-                        <a:solidFill>
-                          <a:srgbClr val="24292E"/>
-                        </a:solidFill>
-                        <a:effectLst/>
-                        <a:latin typeface="Segoe UI" panose="020B0502040204020203" pitchFamily="34" charset="0"/>
-                      </a:endParaRPr>
-                    </a:p>
-                  </a:txBody>
-                  <a:tcPr marL="6350" marR="6350" marT="38100" marB="38100" anchor="ctr"/>
-                </a:tc>
-                <a:tc>
-                  <a:txBody>
-                    <a:bodyPr/>
-                    <a:lstStyle/>
-                    <a:p>
-                      <a:pPr algn="ctr" fontAlgn="ctr"/>
-                      <a:r>
-                        <a:rPr lang="en-GB" sz="800" u="none" strike="noStrike">
-                          <a:effectLst/>
-                        </a:rPr>
-                        <a:t>?</a:t>
-                      </a:r>
-                      <a:endParaRPr lang="en-GB" sz="800" b="0" i="0" u="none" strike="noStrike">
-                        <a:solidFill>
-                          <a:srgbClr val="24292E"/>
-                        </a:solidFill>
-                        <a:effectLst/>
-                        <a:latin typeface="Segoe UI" panose="020B0502040204020203" pitchFamily="34" charset="0"/>
-                      </a:endParaRPr>
-                    </a:p>
-                  </a:txBody>
-                  <a:tcPr marL="6350" marR="6350" marT="38100" marB="38100" anchor="ctr"/>
-                </a:tc>
-                <a:extLst>
-                  <a:ext uri="{0D108BD9-81ED-4DB2-BD59-A6C34878D82A}">
-                    <a16:rowId xmlns:a16="http://schemas.microsoft.com/office/drawing/2014/main" val="220577796"/>
-                  </a:ext>
-                </a:extLst>
-              </a:tr>
-              <a:tr h="319263">
-                <a:tc>
-                  <a:txBody>
-                    <a:bodyPr/>
-                    <a:lstStyle/>
-                    <a:p>
-                      <a:pPr algn="ctr" fontAlgn="ctr"/>
-                      <a:r>
-                        <a:rPr lang="en-GB" sz="800" u="none" strike="noStrike">
-                          <a:effectLst/>
-                        </a:rPr>
-                        <a:t>Patient_B</a:t>
-                      </a:r>
-                      <a:endParaRPr lang="en-GB" sz="800" b="0" i="0" u="none" strike="noStrike">
-                        <a:solidFill>
-                          <a:srgbClr val="24292E"/>
-                        </a:solidFill>
-                        <a:effectLst/>
-                        <a:latin typeface="Segoe UI" panose="020B0502040204020203" pitchFamily="34" charset="0"/>
-                      </a:endParaRPr>
-                    </a:p>
-                  </a:txBody>
-                  <a:tcPr marL="6350" marR="6350" marT="38100" marB="38100" anchor="ctr"/>
-                </a:tc>
-                <a:tc>
-                  <a:txBody>
-                    <a:bodyPr/>
-                    <a:lstStyle/>
-                    <a:p>
-                      <a:pPr algn="ctr" fontAlgn="ctr"/>
-                      <a:r>
-                        <a:rPr lang="en-GB" sz="800" u="none" strike="noStrike">
-                          <a:effectLst/>
-                        </a:rPr>
-                        <a:t>patient_B_2.fastq.gz</a:t>
-                      </a:r>
-                      <a:endParaRPr lang="en-GB" sz="800" b="0" i="0" u="none" strike="noStrike">
-                        <a:solidFill>
-                          <a:srgbClr val="24292E"/>
-                        </a:solidFill>
-                        <a:effectLst/>
-                        <a:latin typeface="Segoe UI" panose="020B0502040204020203" pitchFamily="34" charset="0"/>
-                      </a:endParaRPr>
-                    </a:p>
-                  </a:txBody>
-                  <a:tcPr marL="6350" marR="6350" marT="38100" marB="38100" anchor="ctr"/>
-                </a:tc>
-                <a:tc>
-                  <a:txBody>
-                    <a:bodyPr/>
-                    <a:lstStyle/>
-                    <a:p>
-                      <a:pPr algn="ctr" fontAlgn="ctr"/>
-                      <a:r>
-                        <a:rPr lang="en-GB" sz="800" u="none" strike="noStrike">
-                          <a:effectLst/>
-                        </a:rPr>
-                        <a:t>?</a:t>
-                      </a:r>
-                      <a:endParaRPr lang="en-GB" sz="800" b="0" i="0" u="none" strike="noStrike">
-                        <a:solidFill>
-                          <a:srgbClr val="24292E"/>
-                        </a:solidFill>
-                        <a:effectLst/>
-                        <a:latin typeface="Segoe UI" panose="020B0502040204020203" pitchFamily="34" charset="0"/>
-                      </a:endParaRPr>
-                    </a:p>
-                  </a:txBody>
-                  <a:tcPr marL="6350" marR="6350" marT="38100" marB="38100" anchor="ctr"/>
-                </a:tc>
-                <a:extLst>
-                  <a:ext uri="{0D108BD9-81ED-4DB2-BD59-A6C34878D82A}">
-                    <a16:rowId xmlns:a16="http://schemas.microsoft.com/office/drawing/2014/main" val="619972345"/>
-                  </a:ext>
-                </a:extLst>
-              </a:tr>
-              <a:tr h="478894">
-                <a:tc>
-                  <a:txBody>
-                    <a:bodyPr/>
-                    <a:lstStyle/>
-                    <a:p>
-                      <a:pPr algn="ctr" fontAlgn="ctr"/>
-                      <a:r>
-                        <a:rPr lang="en-GB" sz="800" u="none" strike="noStrike">
-                          <a:effectLst/>
-                        </a:rPr>
-                        <a:t>Patient_WD40</a:t>
-                      </a:r>
-                      <a:endParaRPr lang="en-GB" sz="800" b="0" i="0" u="none" strike="noStrike">
-                        <a:solidFill>
-                          <a:srgbClr val="24292E"/>
-                        </a:solidFill>
-                        <a:effectLst/>
-                        <a:latin typeface="Segoe UI" panose="020B0502040204020203" pitchFamily="34" charset="0"/>
-                      </a:endParaRPr>
-                    </a:p>
-                  </a:txBody>
-                  <a:tcPr marL="6350" marR="6350" marT="38100" marB="38100" anchor="ctr"/>
-                </a:tc>
-                <a:tc>
-                  <a:txBody>
-                    <a:bodyPr/>
-                    <a:lstStyle/>
-                    <a:p>
-                      <a:pPr algn="ctr" fontAlgn="ctr"/>
-                      <a:r>
-                        <a:rPr lang="en-GB" sz="800" u="none" strike="noStrike">
-                          <a:effectLst/>
-                        </a:rPr>
-                        <a:t>patient_WD40_1.fastq.gz</a:t>
-                      </a:r>
-                      <a:endParaRPr lang="en-GB" sz="800" b="0" i="0" u="none" strike="noStrike">
-                        <a:solidFill>
-                          <a:srgbClr val="24292E"/>
-                        </a:solidFill>
-                        <a:effectLst/>
-                        <a:latin typeface="Segoe UI" panose="020B0502040204020203" pitchFamily="34" charset="0"/>
-                      </a:endParaRPr>
-                    </a:p>
-                  </a:txBody>
-                  <a:tcPr marL="6350" marR="6350" marT="38100" marB="38100" anchor="ctr"/>
-                </a:tc>
-                <a:tc>
-                  <a:txBody>
-                    <a:bodyPr/>
-                    <a:lstStyle/>
-                    <a:p>
-                      <a:pPr algn="ctr" fontAlgn="ctr"/>
-                      <a:r>
-                        <a:rPr lang="en-GB" sz="800" u="none" strike="noStrike" dirty="0">
-                          <a:effectLst/>
-                        </a:rPr>
-                        <a:t>?</a:t>
-                      </a:r>
-                      <a:endParaRPr lang="en-GB" sz="800" b="0" i="0" u="none" strike="noStrike" dirty="0">
-                        <a:solidFill>
-                          <a:srgbClr val="24292E"/>
-                        </a:solidFill>
-                        <a:effectLst/>
-                        <a:latin typeface="Segoe UI" panose="020B0502040204020203" pitchFamily="34" charset="0"/>
-                      </a:endParaRPr>
-                    </a:p>
-                  </a:txBody>
-                  <a:tcPr marL="6350" marR="6350" marT="38100" marB="38100" anchor="ctr"/>
-                </a:tc>
-                <a:extLst>
-                  <a:ext uri="{0D108BD9-81ED-4DB2-BD59-A6C34878D82A}">
-                    <a16:rowId xmlns:a16="http://schemas.microsoft.com/office/drawing/2014/main" val="895563765"/>
-                  </a:ext>
-                </a:extLst>
-              </a:tr>
-              <a:tr h="478894">
-                <a:tc>
-                  <a:txBody>
-                    <a:bodyPr/>
-                    <a:lstStyle/>
-                    <a:p>
-                      <a:pPr algn="ctr" fontAlgn="ctr"/>
-                      <a:r>
-                        <a:rPr lang="en-GB" sz="800" u="none" strike="noStrike">
-                          <a:effectLst/>
-                        </a:rPr>
-                        <a:t>Patient_WD40</a:t>
-                      </a:r>
-                      <a:endParaRPr lang="en-GB" sz="800" b="0" i="0" u="none" strike="noStrike">
-                        <a:solidFill>
-                          <a:srgbClr val="24292E"/>
-                        </a:solidFill>
-                        <a:effectLst/>
-                        <a:latin typeface="Segoe UI" panose="020B0502040204020203" pitchFamily="34" charset="0"/>
-                      </a:endParaRPr>
-                    </a:p>
-                  </a:txBody>
-                  <a:tcPr marL="6350" marR="6350" marT="38100" marB="38100" anchor="ctr"/>
-                </a:tc>
-                <a:tc>
-                  <a:txBody>
-                    <a:bodyPr/>
-                    <a:lstStyle/>
-                    <a:p>
-                      <a:pPr algn="ctr" fontAlgn="ctr"/>
-                      <a:r>
-                        <a:rPr lang="en-GB" sz="800" u="none" strike="noStrike">
-                          <a:effectLst/>
-                        </a:rPr>
-                        <a:t>patient_WD40_2.fastq.gz</a:t>
-                      </a:r>
-                      <a:endParaRPr lang="en-GB" sz="800" b="0" i="0" u="none" strike="noStrike">
-                        <a:solidFill>
-                          <a:srgbClr val="24292E"/>
-                        </a:solidFill>
-                        <a:effectLst/>
-                        <a:latin typeface="Segoe UI" panose="020B0502040204020203" pitchFamily="34" charset="0"/>
-                      </a:endParaRPr>
-                    </a:p>
-                  </a:txBody>
-                  <a:tcPr marL="6350" marR="6350" marT="38100" marB="38100" anchor="ctr"/>
-                </a:tc>
-                <a:tc>
-                  <a:txBody>
-                    <a:bodyPr/>
-                    <a:lstStyle/>
-                    <a:p>
-                      <a:pPr algn="l" fontAlgn="b"/>
-                      <a:r>
-                        <a:rPr lang="en-GB" sz="1100" u="none" strike="noStrike" dirty="0">
-                          <a:effectLst/>
-                        </a:rPr>
-                        <a:t> </a:t>
-                      </a:r>
-                      <a:endParaRPr lang="en-GB" sz="1100" b="0" i="0" u="none" strike="noStrike" dirty="0">
-                        <a:solidFill>
-                          <a:srgbClr val="000000"/>
-                        </a:solidFill>
-                        <a:effectLst/>
-                        <a:latin typeface="Calibri" panose="020F0502020204030204" pitchFamily="34" charset="0"/>
-                      </a:endParaRPr>
-                    </a:p>
-                  </a:txBody>
-                  <a:tcPr marL="6350" marR="6350" marT="6350" marB="0" anchor="b"/>
-                </a:tc>
-                <a:extLst>
-                  <a:ext uri="{0D108BD9-81ED-4DB2-BD59-A6C34878D82A}">
-                    <a16:rowId xmlns:a16="http://schemas.microsoft.com/office/drawing/2014/main" val="1883989662"/>
-                  </a:ext>
-                </a:extLst>
-              </a:tr>
-            </a:tbl>
-          </a:graphicData>
-        </a:graphic>
-      </p:graphicFrame>
+        </p:txBody>
+      </p:sp>
     </p:spTree>
     <p:extLst>
       <p:ext uri="{BB962C8B-B14F-4D97-AF65-F5344CB8AC3E}">
@@ -7578,7 +6818,15 @@
           <a:p>
             <a:r>
               <a:rPr lang="en-GB" dirty="0"/>
-              <a:t>This is an extensive resource with a lot of extra info for you to look back at. You wont remember it all … don’t try, just know you can look back at it!!</a:t>
+              <a:t>This is an extensive resource with a lot of extra info for you to look back at. </a:t>
+            </a:r>
+            <a:r>
+              <a:rPr lang="en-GB"/>
+              <a:t>You won’t </a:t>
+            </a:r>
+            <a:r>
+              <a:rPr lang="en-GB" dirty="0"/>
+              <a:t>remember it all … don’t try, just know you can look back at it!!</a:t>
             </a:r>
           </a:p>
           <a:p>

--- a/powerpoint/1_ASSEMBLY_WORKSHOP.pptx
+++ b/powerpoint/1_ASSEMBLY_WORKSHOP.pptx
@@ -282,7 +282,7 @@
           <a:p>
             <a:fld id="{DEABCE53-1D99-4BEE-AE28-D2367C4FBEC7}" type="datetimeFigureOut">
               <a:rPr lang="en-GB" smtClean="0"/>
-              <a:t>10/03/2022</a:t>
+              <a:t>08/02/2023</a:t>
             </a:fld>
             <a:endParaRPr lang="en-GB"/>
           </a:p>
@@ -482,7 +482,7 @@
           <a:p>
             <a:fld id="{DEABCE53-1D99-4BEE-AE28-D2367C4FBEC7}" type="datetimeFigureOut">
               <a:rPr lang="en-GB" smtClean="0"/>
-              <a:t>10/03/2022</a:t>
+              <a:t>08/02/2023</a:t>
             </a:fld>
             <a:endParaRPr lang="en-GB"/>
           </a:p>
@@ -692,7 +692,7 @@
           <a:p>
             <a:fld id="{DEABCE53-1D99-4BEE-AE28-D2367C4FBEC7}" type="datetimeFigureOut">
               <a:rPr lang="en-GB" smtClean="0"/>
-              <a:t>10/03/2022</a:t>
+              <a:t>08/02/2023</a:t>
             </a:fld>
             <a:endParaRPr lang="en-GB"/>
           </a:p>
@@ -892,7 +892,7 @@
           <a:p>
             <a:fld id="{DEABCE53-1D99-4BEE-AE28-D2367C4FBEC7}" type="datetimeFigureOut">
               <a:rPr lang="en-GB" smtClean="0"/>
-              <a:t>10/03/2022</a:t>
+              <a:t>08/02/2023</a:t>
             </a:fld>
             <a:endParaRPr lang="en-GB"/>
           </a:p>
@@ -1168,7 +1168,7 @@
           <a:p>
             <a:fld id="{DEABCE53-1D99-4BEE-AE28-D2367C4FBEC7}" type="datetimeFigureOut">
               <a:rPr lang="en-GB" smtClean="0"/>
-              <a:t>10/03/2022</a:t>
+              <a:t>08/02/2023</a:t>
             </a:fld>
             <a:endParaRPr lang="en-GB"/>
           </a:p>
@@ -1436,7 +1436,7 @@
           <a:p>
             <a:fld id="{DEABCE53-1D99-4BEE-AE28-D2367C4FBEC7}" type="datetimeFigureOut">
               <a:rPr lang="en-GB" smtClean="0"/>
-              <a:t>10/03/2022</a:t>
+              <a:t>08/02/2023</a:t>
             </a:fld>
             <a:endParaRPr lang="en-GB"/>
           </a:p>
@@ -1851,7 +1851,7 @@
           <a:p>
             <a:fld id="{DEABCE53-1D99-4BEE-AE28-D2367C4FBEC7}" type="datetimeFigureOut">
               <a:rPr lang="en-GB" smtClean="0"/>
-              <a:t>10/03/2022</a:t>
+              <a:t>08/02/2023</a:t>
             </a:fld>
             <a:endParaRPr lang="en-GB"/>
           </a:p>
@@ -1993,7 +1993,7 @@
           <a:p>
             <a:fld id="{DEABCE53-1D99-4BEE-AE28-D2367C4FBEC7}" type="datetimeFigureOut">
               <a:rPr lang="en-GB" smtClean="0"/>
-              <a:t>10/03/2022</a:t>
+              <a:t>08/02/2023</a:t>
             </a:fld>
             <a:endParaRPr lang="en-GB"/>
           </a:p>
@@ -2106,7 +2106,7 @@
           <a:p>
             <a:fld id="{DEABCE53-1D99-4BEE-AE28-D2367C4FBEC7}" type="datetimeFigureOut">
               <a:rPr lang="en-GB" smtClean="0"/>
-              <a:t>10/03/2022</a:t>
+              <a:t>08/02/2023</a:t>
             </a:fld>
             <a:endParaRPr lang="en-GB"/>
           </a:p>
@@ -2419,7 +2419,7 @@
           <a:p>
             <a:fld id="{DEABCE53-1D99-4BEE-AE28-D2367C4FBEC7}" type="datetimeFigureOut">
               <a:rPr lang="en-GB" smtClean="0"/>
-              <a:t>10/03/2022</a:t>
+              <a:t>08/02/2023</a:t>
             </a:fld>
             <a:endParaRPr lang="en-GB"/>
           </a:p>
@@ -2708,7 +2708,7 @@
           <a:p>
             <a:fld id="{DEABCE53-1D99-4BEE-AE28-D2367C4FBEC7}" type="datetimeFigureOut">
               <a:rPr lang="en-GB" smtClean="0"/>
-              <a:t>10/03/2022</a:t>
+              <a:t>08/02/2023</a:t>
             </a:fld>
             <a:endParaRPr lang="en-GB"/>
           </a:p>
@@ -2951,7 +2951,7 @@
           <a:p>
             <a:fld id="{DEABCE53-1D99-4BEE-AE28-D2367C4FBEC7}" type="datetimeFigureOut">
               <a:rPr lang="en-GB" smtClean="0"/>
-              <a:t>10/03/2022</a:t>
+              <a:t>08/02/2023</a:t>
             </a:fld>
             <a:endParaRPr lang="en-GB"/>
           </a:p>
@@ -7803,7 +7803,7 @@
           <a:p>
             <a:r>
               <a:rPr lang="en-GB" dirty="0"/>
-              <a:t>Open this power point (you wont be able to yet!). Learn how to connect to Marvin (</a:t>
+              <a:t>Open this power point (you wont be able to yet!). Learn how to connect to Marvin or Kennedy (</a:t>
             </a:r>
             <a:r>
               <a:rPr lang="en-GB" dirty="0">
@@ -7905,7 +7905,7 @@
           <a:p>
             <a:r>
               <a:rPr lang="en-GB" dirty="0"/>
-              <a:t>Short practical, basic UNIX commands (</a:t>
+              <a:t>Short practical, basic UNIX commands. Here we learn how to “talk to the computer” (</a:t>
             </a:r>
             <a:r>
               <a:rPr lang="en-GB" dirty="0">
@@ -8179,7 +8179,29 @@
                   <a:srgbClr val="FF0000"/>
                 </a:solidFill>
               </a:rPr>
-              <a:t>5_qsub.pptx</a:t>
+              <a:t>5_qsub.pptx </a:t>
+            </a:r>
+            <a:r>
+              <a:rPr lang="en-GB" dirty="0"/>
+              <a:t>(Marvin cluster or Dundee Uni). </a:t>
+            </a:r>
+          </a:p>
+          <a:p>
+            <a:r>
+              <a:rPr lang="en-GB" dirty="0"/>
+              <a:t>Open</a:t>
+            </a:r>
+            <a:r>
+              <a:rPr lang="en-GB" dirty="0">
+                <a:solidFill>
+                  <a:srgbClr val="FF0000"/>
+                </a:solidFill>
+              </a:rPr>
+              <a:t> 5_sbatch.pptx </a:t>
+            </a:r>
+            <a:r>
+              <a:rPr lang="en-GB" dirty="0"/>
+              <a:t>(for Kennedy)</a:t>
             </a:r>
           </a:p>
           <a:p>
